--- a/Online Movie Booking.pptx
+++ b/Online Movie Booking.pptx
@@ -7,8 +7,11 @@
   <p:sldIdLst>
     <p:sldId id="256" r:id="rId3"/>
     <p:sldId id="257" r:id="rId4"/>
-    <p:sldId id="258" r:id="rId5"/>
-    <p:sldId id="259" r:id="rId6"/>
+    <p:sldId id="261" r:id="rId5"/>
+    <p:sldId id="258" r:id="rId6"/>
+    <p:sldId id="262" r:id="rId7"/>
+    <p:sldId id="259" r:id="rId8"/>
+    <p:sldId id="260" r:id="rId9"/>
   </p:sldIdLst>
   <p:sldSz cx="12192000" cy="6858000"/>
   <p:notesSz cx="6858000" cy="9144000"/>
@@ -2999,6 +3002,12 @@
 <file path=ppt/slides/slide2.xml><?xml version="1.0" encoding="utf-8"?>
 <p:sld xmlns:a="http://schemas.openxmlformats.org/drawingml/2006/main" xmlns:r="http://schemas.openxmlformats.org/officeDocument/2006/relationships" xmlns:p="http://schemas.openxmlformats.org/presentationml/2006/main">
   <p:cSld>
+    <p:bg>
+      <p:bgPr>
+        <a:noFill/>
+        <a:effectLst/>
+      </p:bgPr>
+    </p:bg>
     <p:spTree>
       <p:nvGrpSpPr>
         <p:cNvPr id="1" name=""/>
@@ -3008,14 +3017,72 @@
       <p:grpSpPr/>
       <p:sp>
         <p:nvSpPr>
-          <p:cNvPr id="13" name="Rounded Rectangle 12"/>
+          <p:cNvPr id="2" name="Title 1"/>
+          <p:cNvSpPr>
+            <a:spLocks noGrp="1"/>
+          </p:cNvSpPr>
+          <p:nvPr>
+            <p:ph type="title"/>
+          </p:nvPr>
+        </p:nvSpPr>
+        <p:spPr>
+          <a:xfrm>
+            <a:off x="838200" y="365125"/>
+            <a:ext cx="10515600" cy="507365"/>
+          </a:xfrm>
+        </p:spPr>
+        <p:txBody>
+          <a:bodyPr>
+            <a:noAutofit/>
+          </a:bodyPr>
+          <a:p>
+            <a:r>
+              <a:rPr lang="en-US" sz="2800"/>
+              <a:t>Online Movie Booking Platfrom L1 Management Architecture</a:t>
+            </a:r>
+            <a:endParaRPr lang="en-US" sz="2800"/>
+          </a:p>
+        </p:txBody>
+      </p:sp>
+      <p:sp>
+        <p:nvSpPr>
+          <p:cNvPr id="82" name="Text Box 81"/>
+          <p:cNvSpPr txBox="1"/>
+          <p:nvPr/>
+        </p:nvSpPr>
+        <p:spPr>
+          <a:xfrm>
+            <a:off x="1713865" y="4874260"/>
+            <a:ext cx="681990" cy="213995"/>
+          </a:xfrm>
+          <a:prstGeom prst="rect">
+            <a:avLst/>
+          </a:prstGeom>
+          <a:noFill/>
+        </p:spPr>
+        <p:txBody>
+          <a:bodyPr wrap="square" rtlCol="0">
+            <a:spAutoFit/>
+          </a:bodyPr>
+          <a:p>
+            <a:r>
+              <a:rPr lang="en-US" sz="800"/>
+              <a:t>MySQL</a:t>
+            </a:r>
+            <a:endParaRPr lang="en-US" sz="800"/>
+          </a:p>
+        </p:txBody>
+      </p:sp>
+      <p:sp>
+        <p:nvSpPr>
+          <p:cNvPr id="51" name="Rounded Rectangle 50"/>
           <p:cNvSpPr/>
           <p:nvPr/>
         </p:nvSpPr>
         <p:spPr>
           <a:xfrm>
-            <a:off x="723900" y="2277110"/>
-            <a:ext cx="1574800" cy="428625"/>
+            <a:off x="1850390" y="5145405"/>
+            <a:ext cx="9289415" cy="370205"/>
           </a:xfrm>
           <a:prstGeom prst="roundRect">
             <a:avLst/>
@@ -3042,52 +3109,52 @@
           <a:p>
             <a:pPr algn="ctr"/>
             <a:r>
-              <a:rPr lang="en-US" sz="1200"/>
-              <a:t>BookingPlatform- PartnerService-API</a:t>
-            </a:r>
-            <a:endParaRPr lang="en-US" sz="1200"/>
-          </a:p>
-        </p:txBody>
-      </p:sp>
-      <p:sp>
-        <p:nvSpPr>
-          <p:cNvPr id="2" name="Title 1"/>
-          <p:cNvSpPr>
-            <a:spLocks noGrp="1"/>
-          </p:cNvSpPr>
-          <p:nvPr>
-            <p:ph type="title"/>
-          </p:nvPr>
-        </p:nvSpPr>
-        <p:spPr>
-          <a:xfrm>
-            <a:off x="838200" y="365125"/>
-            <a:ext cx="10515600" cy="507365"/>
-          </a:xfrm>
-        </p:spPr>
-        <p:txBody>
-          <a:bodyPr>
-            <a:noAutofit/>
+              <a:rPr lang="en-US" sz="800"/>
+              <a:t>BookingçPlatform- Data Fusion</a:t>
+            </a:r>
+            <a:endParaRPr lang="en-US" sz="800"/>
+          </a:p>
+        </p:txBody>
+      </p:sp>
+      <p:sp>
+        <p:nvSpPr>
+          <p:cNvPr id="81" name="Text Box 80"/>
+          <p:cNvSpPr txBox="1"/>
+          <p:nvPr/>
+        </p:nvSpPr>
+        <p:spPr>
+          <a:xfrm>
+            <a:off x="1809750" y="3433445"/>
+            <a:ext cx="586105" cy="213995"/>
+          </a:xfrm>
+          <a:prstGeom prst="rect">
+            <a:avLst/>
+          </a:prstGeom>
+          <a:noFill/>
+        </p:spPr>
+        <p:txBody>
+          <a:bodyPr wrap="square" rtlCol="0">
+            <a:spAutoFit/>
           </a:bodyPr>
           <a:p>
             <a:r>
-              <a:rPr lang="en-US" sz="2800"/>
-              <a:t>Online Movie Booking Platfrom L1 Management Architecture</a:t>
-            </a:r>
-            <a:endParaRPr lang="en-US" sz="2800"/>
-          </a:p>
-        </p:txBody>
-      </p:sp>
-      <p:sp>
-        <p:nvSpPr>
-          <p:cNvPr id="8" name="Rounded Rectangle 7"/>
+              <a:rPr lang="en-US" sz="800"/>
+              <a:t>MySQL</a:t>
+            </a:r>
+            <a:endParaRPr lang="en-US" sz="800"/>
+          </a:p>
+        </p:txBody>
+      </p:sp>
+      <p:sp>
+        <p:nvSpPr>
+          <p:cNvPr id="13" name="Rounded Rectangle 12"/>
           <p:cNvSpPr/>
           <p:nvPr/>
         </p:nvSpPr>
         <p:spPr>
           <a:xfrm>
-            <a:off x="2905760" y="3548380"/>
-            <a:ext cx="1797685" cy="520700"/>
+            <a:off x="2164715" y="2799715"/>
+            <a:ext cx="1353185" cy="312420"/>
           </a:xfrm>
           <a:prstGeom prst="roundRect">
             <a:avLst/>
@@ -3114,23 +3181,23 @@
           <a:p>
             <a:pPr algn="ctr"/>
             <a:r>
-              <a:rPr lang="en-US" sz="1200"/>
-              <a:t>BookingPlatform- PartnerManagement</a:t>
-            </a:r>
-            <a:endParaRPr lang="en-US" sz="1200"/>
-          </a:p>
-        </p:txBody>
-      </p:sp>
-      <p:sp>
-        <p:nvSpPr>
-          <p:cNvPr id="9" name="Rounded Rectangle 8"/>
+              <a:rPr lang="en-US" sz="800"/>
+              <a:t>BookingPlatform- PartnerService-API</a:t>
+            </a:r>
+            <a:endParaRPr lang="en-US" sz="800"/>
+          </a:p>
+        </p:txBody>
+      </p:sp>
+      <p:sp>
+        <p:nvSpPr>
+          <p:cNvPr id="8" name="Rounded Rectangle 7"/>
           <p:cNvSpPr/>
           <p:nvPr/>
         </p:nvSpPr>
         <p:spPr>
           <a:xfrm>
-            <a:off x="723265" y="3545840"/>
-            <a:ext cx="1575435" cy="520700"/>
+            <a:off x="4039235" y="3727450"/>
+            <a:ext cx="1544320" cy="379730"/>
           </a:xfrm>
           <a:prstGeom prst="roundRect">
             <a:avLst/>
@@ -3157,23 +3224,23 @@
           <a:p>
             <a:pPr algn="ctr"/>
             <a:r>
-              <a:rPr lang="en-US" sz="1200"/>
-              <a:t>BookingPlatform- Permission Service</a:t>
-            </a:r>
-            <a:endParaRPr lang="en-US" sz="1200"/>
-          </a:p>
-        </p:txBody>
-      </p:sp>
-      <p:sp>
-        <p:nvSpPr>
-          <p:cNvPr id="11" name="Rounded Rectangle 10"/>
+              <a:rPr lang="en-US" sz="800"/>
+              <a:t>BookingPlatform- PartnerManagement</a:t>
+            </a:r>
+            <a:endParaRPr lang="en-US" sz="800"/>
+          </a:p>
+        </p:txBody>
+      </p:sp>
+      <p:sp>
+        <p:nvSpPr>
+          <p:cNvPr id="9" name="Rounded Rectangle 8"/>
           <p:cNvSpPr/>
           <p:nvPr/>
         </p:nvSpPr>
         <p:spPr>
           <a:xfrm>
-            <a:off x="5187315" y="3548380"/>
-            <a:ext cx="1797685" cy="520700"/>
+            <a:off x="2164080" y="3725545"/>
+            <a:ext cx="1353185" cy="379730"/>
           </a:xfrm>
           <a:prstGeom prst="roundRect">
             <a:avLst/>
@@ -3200,23 +3267,23 @@
           <a:p>
             <a:pPr algn="ctr"/>
             <a:r>
-              <a:rPr lang="en-US" sz="1200"/>
-              <a:t>BookingPlatform- Theatre</a:t>
-            </a:r>
-            <a:endParaRPr lang="en-US" sz="1200"/>
-          </a:p>
-        </p:txBody>
-      </p:sp>
-      <p:sp>
-        <p:nvSpPr>
-          <p:cNvPr id="15" name="Rounded Rectangle 14"/>
+              <a:rPr lang="en-US" sz="800"/>
+              <a:t>BookingPlatform- Permission Service</a:t>
+            </a:r>
+            <a:endParaRPr lang="en-US" sz="800"/>
+          </a:p>
+        </p:txBody>
+      </p:sp>
+      <p:sp>
+        <p:nvSpPr>
+          <p:cNvPr id="11" name="Rounded Rectangle 10"/>
           <p:cNvSpPr/>
           <p:nvPr/>
         </p:nvSpPr>
         <p:spPr>
           <a:xfrm>
-            <a:off x="2902585" y="2272665"/>
-            <a:ext cx="1797050" cy="428625"/>
+            <a:off x="5999480" y="3727450"/>
+            <a:ext cx="1544320" cy="379730"/>
           </a:xfrm>
           <a:prstGeom prst="roundRect">
             <a:avLst/>
@@ -3243,10 +3310,53 @@
           <a:p>
             <a:pPr algn="ctr"/>
             <a:r>
-              <a:rPr lang="en-US" sz="1200"/>
+              <a:rPr lang="en-US" sz="800"/>
+              <a:t>BookingPlatform- Theatre</a:t>
+            </a:r>
+            <a:endParaRPr lang="en-US" sz="800"/>
+          </a:p>
+        </p:txBody>
+      </p:sp>
+      <p:sp>
+        <p:nvSpPr>
+          <p:cNvPr id="15" name="Rounded Rectangle 14"/>
+          <p:cNvSpPr/>
+          <p:nvPr/>
+        </p:nvSpPr>
+        <p:spPr>
+          <a:xfrm>
+            <a:off x="7543800" y="2643505"/>
+            <a:ext cx="1543685" cy="312420"/>
+          </a:xfrm>
+          <a:prstGeom prst="roundRect">
+            <a:avLst/>
+          </a:prstGeom>
+        </p:spPr>
+        <p:style>
+          <a:lnRef idx="2">
+            <a:schemeClr val="accent1">
+              <a:shade val="50000"/>
+            </a:schemeClr>
+          </a:lnRef>
+          <a:fillRef idx="1">
+            <a:schemeClr val="accent1"/>
+          </a:fillRef>
+          <a:effectRef idx="0">
+            <a:schemeClr val="accent1"/>
+          </a:effectRef>
+          <a:fontRef idx="minor">
+            <a:schemeClr val="lt1"/>
+          </a:fontRef>
+        </p:style>
+        <p:txBody>
+          <a:bodyPr rtlCol="0" anchor="ctr"/>
+          <a:p>
+            <a:pPr algn="ctr"/>
+            <a:r>
+              <a:rPr lang="en-US" sz="800"/>
               <a:t>BookingPlatform- OpsService-API</a:t>
             </a:r>
-            <a:endParaRPr lang="en-US" sz="1200"/>
+            <a:endParaRPr lang="en-US" sz="800"/>
           </a:p>
         </p:txBody>
       </p:sp>
@@ -3260,8 +3370,8 @@
         </p:nvCxnSpPr>
         <p:spPr>
           <a:xfrm>
-            <a:off x="1510665" y="2433320"/>
-            <a:ext cx="635" cy="1112520"/>
+            <a:off x="2840990" y="2914015"/>
+            <a:ext cx="635" cy="811530"/>
           </a:xfrm>
           <a:prstGeom prst="straightConnector1">
             <a:avLst/>
@@ -3295,8 +3405,8 @@
         </p:nvCxnSpPr>
         <p:spPr>
           <a:xfrm>
-            <a:off x="1535430" y="2727960"/>
-            <a:ext cx="1370330" cy="1080770"/>
+            <a:off x="2861945" y="3129280"/>
+            <a:ext cx="1177290" cy="788035"/>
           </a:xfrm>
           <a:prstGeom prst="curvedConnector3">
             <a:avLst>
@@ -3330,8 +3440,8 @@
         </p:nvSpPr>
         <p:spPr>
           <a:xfrm>
-            <a:off x="723265" y="1449705"/>
-            <a:ext cx="1574800" cy="428625"/>
+            <a:off x="2144395" y="2196465"/>
+            <a:ext cx="1353185" cy="312420"/>
           </a:xfrm>
           <a:prstGeom prst="roundRect">
             <a:avLst/>
@@ -3358,10 +3468,10 @@
           <a:p>
             <a:pPr algn="ctr"/>
             <a:r>
-              <a:rPr lang="en-US" sz="1200"/>
+              <a:rPr lang="en-US" sz="800"/>
               <a:t>BookingPlatform- PartnerService-UI</a:t>
             </a:r>
-            <a:endParaRPr lang="en-US" sz="1200"/>
+            <a:endParaRPr lang="en-US" sz="800"/>
           </a:p>
         </p:txBody>
       </p:sp>
@@ -3373,8 +3483,8 @@
         </p:nvSpPr>
         <p:spPr>
           <a:xfrm>
-            <a:off x="3013710" y="1449705"/>
-            <a:ext cx="1574800" cy="428625"/>
+            <a:off x="9303385" y="2196465"/>
+            <a:ext cx="1353185" cy="312420"/>
           </a:xfrm>
           <a:prstGeom prst="roundRect">
             <a:avLst/>
@@ -3401,10 +3511,10 @@
           <a:p>
             <a:pPr algn="ctr"/>
             <a:r>
-              <a:rPr lang="en-US" sz="1200"/>
+              <a:rPr lang="en-US" sz="800"/>
               <a:t>BookingPlatform- OpsService-UI</a:t>
             </a:r>
-            <a:endParaRPr lang="en-US" sz="1200"/>
+            <a:endParaRPr lang="en-US" sz="800"/>
           </a:p>
         </p:txBody>
       </p:sp>
@@ -3419,8 +3529,8 @@
         </p:nvCxnSpPr>
         <p:spPr>
           <a:xfrm>
-            <a:off x="1510665" y="1878330"/>
-            <a:ext cx="635" cy="398780"/>
+            <a:off x="2821305" y="2508885"/>
+            <a:ext cx="20320" cy="290830"/>
           </a:xfrm>
           <a:prstGeom prst="straightConnector1">
             <a:avLst/>
@@ -3454,9 +3564,9 @@
           <p:nvPr/>
         </p:nvCxnSpPr>
         <p:spPr>
-          <a:xfrm>
-            <a:off x="3801110" y="1878330"/>
-            <a:ext cx="0" cy="394335"/>
+          <a:xfrm flipH="1">
+            <a:off x="8315960" y="2508885"/>
+            <a:ext cx="1664335" cy="134620"/>
           </a:xfrm>
           <a:prstGeom prst="straightConnector1">
             <a:avLst/>
@@ -3490,13 +3600,13 @@
           <p:nvPr/>
         </p:nvCxnSpPr>
         <p:spPr>
-          <a:xfrm rot="5400000" flipV="1">
-            <a:off x="3379470" y="3122930"/>
-            <a:ext cx="847090" cy="3810"/>
+          <a:xfrm rot="5400000">
+            <a:off x="6177915" y="1589405"/>
+            <a:ext cx="771525" cy="3504565"/>
           </a:xfrm>
           <a:prstGeom prst="bentConnector3">
             <a:avLst>
-              <a:gd name="adj1" fmla="val 50000"/>
+              <a:gd name="adj1" fmla="val 50041"/>
             </a:avLst>
           </a:prstGeom>
           <a:ln>
@@ -3529,8 +3639,8 @@
         </p:nvCxnSpPr>
         <p:spPr>
           <a:xfrm rot="10800000" flipV="1">
-            <a:off x="1510665" y="2486660"/>
-            <a:ext cx="1391285" cy="1058545"/>
+            <a:off x="2840990" y="2799715"/>
+            <a:ext cx="4702810" cy="925830"/>
           </a:xfrm>
           <a:prstGeom prst="curvedConnector2">
             <a:avLst/>
@@ -3562,8 +3672,8 @@
         </p:nvSpPr>
         <p:spPr>
           <a:xfrm>
-            <a:off x="5187950" y="2272665"/>
-            <a:ext cx="1797050" cy="428625"/>
+            <a:off x="9303385" y="2955925"/>
+            <a:ext cx="1543685" cy="312420"/>
           </a:xfrm>
           <a:prstGeom prst="roundRect">
             <a:avLst/>
@@ -3590,10 +3700,10 @@
           <a:p>
             <a:pPr algn="ctr"/>
             <a:r>
-              <a:rPr lang="en-US" sz="1200"/>
+              <a:rPr lang="en-US" sz="800"/>
               <a:t>BookingPlatform- OpsManagment</a:t>
             </a:r>
-            <a:endParaRPr lang="en-US" sz="1200"/>
+            <a:endParaRPr lang="en-US" sz="800"/>
           </a:p>
         </p:txBody>
       </p:sp>
@@ -3608,11 +3718,13 @@
         </p:nvCxnSpPr>
         <p:spPr>
           <a:xfrm>
-            <a:off x="4699635" y="2487295"/>
-            <a:ext cx="488315" cy="3175"/>
-          </a:xfrm>
-          <a:prstGeom prst="bentConnector2">
-            <a:avLst/>
+            <a:off x="9087485" y="2799715"/>
+            <a:ext cx="215900" cy="312420"/>
+          </a:xfrm>
+          <a:prstGeom prst="bentConnector3">
+            <a:avLst>
+              <a:gd name="adj1" fmla="val 50000"/>
+            </a:avLst>
           </a:prstGeom>
           <a:ln>
             <a:tailEnd type="arrow"/>
@@ -3643,8 +3755,8 @@
         </p:nvCxnSpPr>
         <p:spPr>
           <a:xfrm>
-            <a:off x="1494155" y="2703195"/>
-            <a:ext cx="4592320" cy="845185"/>
+            <a:off x="2826385" y="3110865"/>
+            <a:ext cx="3945255" cy="616585"/>
           </a:xfrm>
           <a:prstGeom prst="curvedConnector2">
             <a:avLst/>
@@ -3676,8 +3788,8 @@
         </p:nvCxnSpPr>
         <p:spPr>
           <a:xfrm>
-            <a:off x="3801110" y="2703195"/>
-            <a:ext cx="2219325" cy="818515"/>
+            <a:off x="4808220" y="3110865"/>
+            <a:ext cx="1906905" cy="596900"/>
           </a:xfrm>
           <a:prstGeom prst="curvedConnector3">
             <a:avLst>
@@ -3711,8 +3823,8 @@
         </p:nvSpPr>
         <p:spPr>
           <a:xfrm>
-            <a:off x="7200900" y="3561715"/>
-            <a:ext cx="1797050" cy="507365"/>
+            <a:off x="7729220" y="3736975"/>
+            <a:ext cx="1544320" cy="461010"/>
           </a:xfrm>
           <a:prstGeom prst="roundRect">
             <a:avLst/>
@@ -3738,11 +3850,21 @@
           <a:bodyPr rtlCol="0" anchor="ctr"/>
           <a:p>
             <a:pPr algn="ctr"/>
-            <a:r>
-              <a:rPr lang="en-US" sz="1200"/>
+            <a:endParaRPr lang="en-US" sz="800"/>
+          </a:p>
+          <a:p>
+            <a:pPr algn="ctr"/>
+            <a:r>
+              <a:rPr lang="en-US" sz="800">
+                <a:sym typeface="+mn-ea"/>
+              </a:rPr>
               <a:t>BookingPlatform- MovieManagement</a:t>
             </a:r>
-            <a:endParaRPr lang="en-US" sz="1200"/>
+            <a:endParaRPr lang="en-US" sz="800"/>
+          </a:p>
+          <a:p>
+            <a:pPr algn="ctr"/>
+            <a:endParaRPr lang="en-US" sz="800"/>
           </a:p>
         </p:txBody>
       </p:sp>
@@ -3755,9 +3877,9 @@
           <p:nvPr/>
         </p:nvCxnSpPr>
         <p:spPr>
-          <a:xfrm>
-            <a:off x="3429000" y="2703195"/>
-            <a:ext cx="4670425" cy="858520"/>
+          <a:xfrm rot="10800000" flipV="1">
+            <a:off x="8501380" y="2517140"/>
+            <a:ext cx="1450340" cy="1219835"/>
           </a:xfrm>
           <a:prstGeom prst="curvedConnector2">
             <a:avLst/>
@@ -3789,8 +3911,8 @@
         </p:nvSpPr>
         <p:spPr>
           <a:xfrm>
-            <a:off x="9266555" y="3574415"/>
-            <a:ext cx="1797050" cy="507365"/>
+            <a:off x="9504045" y="3745865"/>
+            <a:ext cx="1543685" cy="370205"/>
           </a:xfrm>
           <a:prstGeom prst="roundRect">
             <a:avLst/>
@@ -3817,10 +3939,10 @@
           <a:p>
             <a:pPr algn="ctr"/>
             <a:r>
-              <a:rPr lang="en-US" sz="1200"/>
+              <a:rPr lang="en-US" sz="800"/>
               <a:t>BookingçPlatform- ShowManagement</a:t>
             </a:r>
-            <a:endParaRPr lang="en-US" sz="1200"/>
+            <a:endParaRPr lang="en-US" sz="800"/>
           </a:p>
         </p:txBody>
       </p:sp>
@@ -3834,8 +3956,8 @@
         </p:nvCxnSpPr>
         <p:spPr>
           <a:xfrm>
-            <a:off x="1494155" y="2690495"/>
-            <a:ext cx="8670925" cy="883920"/>
+            <a:off x="2826385" y="3101340"/>
+            <a:ext cx="7449185" cy="644525"/>
           </a:xfrm>
           <a:prstGeom prst="curvedConnector2">
             <a:avLst/>
@@ -3868,12 +3990,14 @@
           <p:nvPr/>
         </p:nvCxnSpPr>
         <p:spPr>
-          <a:xfrm>
-            <a:off x="3655695" y="2703195"/>
-            <a:ext cx="6509385" cy="871220"/>
-          </a:xfrm>
-          <a:prstGeom prst="curvedConnector2">
-            <a:avLst/>
+          <a:xfrm rot="5400000" flipV="1">
+            <a:off x="9493250" y="2962910"/>
+            <a:ext cx="1203960" cy="361315"/>
+          </a:xfrm>
+          <a:prstGeom prst="curvedConnector3">
+            <a:avLst>
+              <a:gd name="adj1" fmla="val 50026"/>
+            </a:avLst>
           </a:prstGeom>
           <a:ln>
             <a:tailEnd type="arrow"/>
@@ -3904,9 +4028,9 @@
           <p:nvPr/>
         </p:nvCxnSpPr>
         <p:spPr>
-          <a:xfrm flipH="1" flipV="1">
-            <a:off x="8997950" y="3815715"/>
-            <a:ext cx="268605" cy="12700"/>
+          <a:xfrm flipH="1">
+            <a:off x="9273540" y="3931285"/>
+            <a:ext cx="230505" cy="36195"/>
           </a:xfrm>
           <a:prstGeom prst="straightConnector1">
             <a:avLst/>
@@ -3941,8 +4065,8 @@
         </p:nvCxnSpPr>
         <p:spPr>
           <a:xfrm flipH="1" flipV="1">
-            <a:off x="6985000" y="3808730"/>
-            <a:ext cx="215900" cy="6985"/>
+            <a:off x="7543800" y="3917315"/>
+            <a:ext cx="185420" cy="50165"/>
           </a:xfrm>
           <a:prstGeom prst="straightConnector1">
             <a:avLst/>
@@ -3974,8 +4098,8 @@
         </p:nvSpPr>
         <p:spPr>
           <a:xfrm>
-            <a:off x="1631315" y="4658360"/>
-            <a:ext cx="1797685" cy="520700"/>
+            <a:off x="2944495" y="4536440"/>
+            <a:ext cx="1544320" cy="379730"/>
           </a:xfrm>
           <a:prstGeom prst="roundRect">
             <a:avLst/>
@@ -4002,10 +4126,10 @@
           <a:p>
             <a:pPr algn="ctr"/>
             <a:r>
-              <a:rPr lang="en-US" sz="1200"/>
+              <a:rPr lang="en-US" sz="800"/>
               <a:t>BookingPlatform- PromotionMngt Service</a:t>
             </a:r>
-            <a:endParaRPr lang="en-US" sz="1200"/>
+            <a:endParaRPr lang="en-US" sz="800"/>
           </a:p>
         </p:txBody>
       </p:sp>
@@ -4019,8 +4143,8 @@
         </p:nvCxnSpPr>
         <p:spPr>
           <a:xfrm rot="5400000" flipV="1">
-            <a:off x="1059815" y="3187065"/>
-            <a:ext cx="1955165" cy="986790"/>
+            <a:off x="2580005" y="3399790"/>
+            <a:ext cx="1426210" cy="847725"/>
           </a:xfrm>
           <a:prstGeom prst="curvedConnector3">
             <a:avLst>
@@ -4054,8 +4178,8 @@
         </p:nvCxnSpPr>
         <p:spPr>
           <a:xfrm rot="5400000">
-            <a:off x="2188845" y="3013075"/>
-            <a:ext cx="1934210" cy="1264920"/>
+            <a:off x="3549015" y="3254375"/>
+            <a:ext cx="1410970" cy="1086485"/>
           </a:xfrm>
           <a:prstGeom prst="curvedConnector3">
             <a:avLst>
@@ -4091,8 +4215,8 @@
         </p:nvCxnSpPr>
         <p:spPr>
           <a:xfrm rot="5400000">
-            <a:off x="6078855" y="550545"/>
-            <a:ext cx="555625" cy="7616825"/>
+            <a:off x="6801485" y="1046480"/>
+            <a:ext cx="405130" cy="6543675"/>
           </a:xfrm>
           <a:prstGeom prst="curvedConnector2">
             <a:avLst/>
@@ -4126,8 +4250,8 @@
         </p:nvCxnSpPr>
         <p:spPr>
           <a:xfrm rot="10800000">
-            <a:off x="6086475" y="4069080"/>
-            <a:ext cx="4001770" cy="35560"/>
+            <a:off x="6771640" y="4107180"/>
+            <a:ext cx="3437890" cy="26035"/>
           </a:xfrm>
           <a:prstGeom prst="curvedConnector2">
             <a:avLst/>
@@ -4151,49 +4275,6 @@
           </a:fontRef>
         </p:style>
       </p:cxnSp>
-      <p:sp>
-        <p:nvSpPr>
-          <p:cNvPr id="51" name="Rounded Rectangle 50"/>
-          <p:cNvSpPr/>
-          <p:nvPr/>
-        </p:nvSpPr>
-        <p:spPr>
-          <a:xfrm>
-            <a:off x="358140" y="5502275"/>
-            <a:ext cx="10812780" cy="507365"/>
-          </a:xfrm>
-          <a:prstGeom prst="roundRect">
-            <a:avLst/>
-          </a:prstGeom>
-        </p:spPr>
-        <p:style>
-          <a:lnRef idx="2">
-            <a:schemeClr val="accent1">
-              <a:shade val="50000"/>
-            </a:schemeClr>
-          </a:lnRef>
-          <a:fillRef idx="1">
-            <a:schemeClr val="accent1"/>
-          </a:fillRef>
-          <a:effectRef idx="0">
-            <a:schemeClr val="accent1"/>
-          </a:effectRef>
-          <a:fontRef idx="minor">
-            <a:schemeClr val="lt1"/>
-          </a:fontRef>
-        </p:style>
-        <p:txBody>
-          <a:bodyPr rtlCol="0" anchor="ctr"/>
-          <a:p>
-            <a:pPr algn="ctr"/>
-            <a:r>
-              <a:rPr lang="en-US" sz="1200"/>
-              <a:t>BookingçPlatform- Data Fusion</a:t>
-            </a:r>
-            <a:endParaRPr lang="en-US" sz="1200"/>
-          </a:p>
-        </p:txBody>
-      </p:sp>
       <p:cxnSp>
         <p:nvCxnSpPr>
           <p:cNvPr id="52" name="Straight Arrow Connector 51"/>
@@ -4202,8 +4283,8 @@
         </p:nvCxnSpPr>
         <p:spPr>
           <a:xfrm>
-            <a:off x="9989185" y="4054475"/>
-            <a:ext cx="0" cy="793750"/>
+            <a:off x="10124440" y="4096385"/>
+            <a:ext cx="0" cy="579120"/>
           </a:xfrm>
           <a:prstGeom prst="straightConnector1">
             <a:avLst/>
@@ -4235,8 +4316,8 @@
         </p:nvSpPr>
         <p:spPr>
           <a:xfrm>
-            <a:off x="2628900" y="6332855"/>
-            <a:ext cx="384810" cy="384175"/>
+            <a:off x="3801745" y="5758180"/>
+            <a:ext cx="330835" cy="280035"/>
           </a:xfrm>
           <a:prstGeom prst="flowChartMagneticDisk">
             <a:avLst/>
@@ -4262,7 +4343,7 @@
         <p:txBody>
           <a:bodyPr/>
           <a:p>
-            <a:endParaRPr lang="en-US"/>
+            <a:endParaRPr lang="en-US" sz="800"/>
           </a:p>
         </p:txBody>
       </p:sp>
@@ -4274,8 +4355,8 @@
         </p:nvCxnSpPr>
         <p:spPr>
           <a:xfrm>
-            <a:off x="2821305" y="5976620"/>
-            <a:ext cx="0" cy="347980"/>
+            <a:off x="3966845" y="5498465"/>
+            <a:ext cx="0" cy="254000"/>
           </a:xfrm>
           <a:prstGeom prst="straightConnector1">
             <a:avLst/>
@@ -4307,8 +4388,8 @@
         </p:nvSpPr>
         <p:spPr>
           <a:xfrm>
-            <a:off x="2985770" y="6227445"/>
-            <a:ext cx="912495" cy="229870"/>
+            <a:off x="4107815" y="5681345"/>
+            <a:ext cx="1066165" cy="213995"/>
           </a:xfrm>
           <a:prstGeom prst="rect">
             <a:avLst/>
@@ -4316,17 +4397,17 @@
           <a:noFill/>
         </p:spPr>
         <p:txBody>
-          <a:bodyPr wrap="none" rtlCol="0" anchor="t">
+          <a:bodyPr wrap="square" rtlCol="0" anchor="t">
             <a:spAutoFit/>
           </a:bodyPr>
           <a:p>
             <a:r>
-              <a:rPr lang="en-US" sz="900">
+              <a:rPr lang="en-US" sz="800">
                 <a:sym typeface="+mn-ea"/>
               </a:rPr>
-              <a:t>Elastic Search</a:t>
-            </a:r>
-            <a:endParaRPr lang="en-US" sz="900">
+              <a:t>Redis</a:t>
+            </a:r>
+            <a:endParaRPr lang="en-US" sz="800">
               <a:sym typeface="+mn-ea"/>
             </a:endParaRPr>
           </a:p>
@@ -4340,8 +4421,8 @@
         </p:nvSpPr>
         <p:spPr>
           <a:xfrm>
-            <a:off x="4582160" y="6342380"/>
-            <a:ext cx="459105" cy="372110"/>
+            <a:off x="5479415" y="5765165"/>
+            <a:ext cx="394335" cy="271145"/>
           </a:xfrm>
           <a:prstGeom prst="flowChartMagneticDisk">
             <a:avLst/>
@@ -4367,7 +4448,7 @@
         <p:txBody>
           <a:bodyPr/>
           <a:p>
-            <a:endParaRPr lang="en-US"/>
+            <a:endParaRPr lang="en-US" sz="800"/>
           </a:p>
         </p:txBody>
       </p:sp>
@@ -4381,8 +4462,8 @@
         </p:nvCxnSpPr>
         <p:spPr>
           <a:xfrm>
-            <a:off x="4799330" y="5976620"/>
-            <a:ext cx="12700" cy="365760"/>
+            <a:off x="5666105" y="5498465"/>
+            <a:ext cx="10795" cy="266700"/>
           </a:xfrm>
           <a:prstGeom prst="straightConnector1">
             <a:avLst/>
@@ -4414,8 +4495,8 @@
         </p:nvSpPr>
         <p:spPr>
           <a:xfrm>
-            <a:off x="5189855" y="6224905"/>
-            <a:ext cx="1252855" cy="245110"/>
+            <a:off x="6001385" y="5679440"/>
+            <a:ext cx="1076325" cy="213995"/>
           </a:xfrm>
           <a:prstGeom prst="rect">
             <a:avLst/>
@@ -4428,10 +4509,10 @@
           </a:bodyPr>
           <a:p>
             <a:r>
-              <a:rPr lang="en-US" sz="1000"/>
-              <a:t>Casandara</a:t>
-            </a:r>
-            <a:endParaRPr lang="en-US" sz="1000"/>
+              <a:rPr lang="en-US" sz="800"/>
+              <a:t>Mongo</a:t>
+            </a:r>
+            <a:endParaRPr lang="en-US" sz="800"/>
           </a:p>
         </p:txBody>
       </p:sp>
@@ -4443,8 +4524,8 @@
         </p:nvSpPr>
         <p:spPr>
           <a:xfrm>
-            <a:off x="9486900" y="4860925"/>
-            <a:ext cx="1004570" cy="235585"/>
+            <a:off x="9693275" y="4684395"/>
+            <a:ext cx="862965" cy="172085"/>
           </a:xfrm>
           <a:prstGeom prst="flowChartMagneticDrum">
             <a:avLst/>
@@ -4470,7 +4551,7 @@
         <p:txBody>
           <a:bodyPr/>
           <a:p>
-            <a:endParaRPr lang="en-US"/>
+            <a:endParaRPr lang="en-US" sz="800"/>
           </a:p>
         </p:txBody>
       </p:sp>
@@ -4484,8 +4565,8 @@
         </p:nvCxnSpPr>
         <p:spPr>
           <a:xfrm>
-            <a:off x="9989185" y="5096510"/>
-            <a:ext cx="0" cy="347345"/>
+            <a:off x="10124440" y="4856480"/>
+            <a:ext cx="0" cy="253365"/>
           </a:xfrm>
           <a:prstGeom prst="straightConnector1">
             <a:avLst/>
@@ -4517,8 +4598,8 @@
         </p:nvSpPr>
         <p:spPr>
           <a:xfrm>
-            <a:off x="10683875" y="4798695"/>
-            <a:ext cx="880110" cy="460375"/>
+            <a:off x="10721340" y="4639310"/>
+            <a:ext cx="756285" cy="213995"/>
           </a:xfrm>
           <a:prstGeom prst="rect">
             <a:avLst/>
@@ -4531,10 +4612,10 @@
           </a:bodyPr>
           <a:p>
             <a:r>
-              <a:rPr lang="en-US" sz="1200"/>
-              <a:t>RabitMQ Queue</a:t>
-            </a:r>
-            <a:endParaRPr lang="en-US" sz="1200"/>
+              <a:rPr lang="en-US" sz="800"/>
+              <a:t> Queue</a:t>
+            </a:r>
+            <a:endParaRPr lang="en-US" sz="800"/>
           </a:p>
         </p:txBody>
       </p:sp>
@@ -4546,8 +4627,8 @@
         </p:nvCxnSpPr>
         <p:spPr>
           <a:xfrm flipV="1">
-            <a:off x="10224770" y="5121275"/>
-            <a:ext cx="0" cy="372110"/>
+            <a:off x="10327005" y="4874260"/>
+            <a:ext cx="0" cy="271145"/>
           </a:xfrm>
           <a:prstGeom prst="straightConnector1">
             <a:avLst/>
@@ -4581,8 +4662,8 @@
         </p:nvCxnSpPr>
         <p:spPr>
           <a:xfrm flipH="1" flipV="1">
-            <a:off x="10165080" y="4081780"/>
-            <a:ext cx="47625" cy="741680"/>
+            <a:off x="10275570" y="4116070"/>
+            <a:ext cx="40640" cy="541020"/>
           </a:xfrm>
           <a:prstGeom prst="straightConnector1">
             <a:avLst/>
@@ -4614,8 +4695,8 @@
         </p:nvCxnSpPr>
         <p:spPr>
           <a:xfrm>
-            <a:off x="3143885" y="4848225"/>
-            <a:ext cx="914400" cy="914400"/>
+            <a:off x="4243705" y="4675505"/>
+            <a:ext cx="785495" cy="666750"/>
           </a:xfrm>
           <a:prstGeom prst="curvedConnector3">
             <a:avLst>
@@ -4650,8 +4731,8 @@
         </p:nvSpPr>
         <p:spPr>
           <a:xfrm>
-            <a:off x="3655695" y="4222115"/>
-            <a:ext cx="297815" cy="273050"/>
+            <a:off x="4683760" y="4218305"/>
+            <a:ext cx="255905" cy="199390"/>
           </a:xfrm>
           <a:prstGeom prst="flowChartMagneticDisk">
             <a:avLst/>
@@ -4677,7 +4758,7 @@
         <p:txBody>
           <a:bodyPr/>
           <a:p>
-            <a:endParaRPr lang="en-US"/>
+            <a:endParaRPr lang="en-US" sz="800"/>
           </a:p>
         </p:txBody>
       </p:sp>
@@ -4692,8 +4773,8 @@
         </p:nvCxnSpPr>
         <p:spPr>
           <a:xfrm>
-            <a:off x="3804920" y="4069080"/>
-            <a:ext cx="0" cy="153035"/>
+            <a:off x="4811395" y="4107180"/>
+            <a:ext cx="635" cy="111125"/>
           </a:xfrm>
           <a:prstGeom prst="straightConnector1">
             <a:avLst/>
@@ -4725,8 +4806,8 @@
         </p:nvSpPr>
         <p:spPr>
           <a:xfrm>
-            <a:off x="5937250" y="4222115"/>
-            <a:ext cx="297815" cy="273050"/>
+            <a:off x="6644005" y="4218305"/>
+            <a:ext cx="255905" cy="199390"/>
           </a:xfrm>
           <a:prstGeom prst="flowChartMagneticDisk">
             <a:avLst/>
@@ -4752,7 +4833,7 @@
         <p:txBody>
           <a:bodyPr/>
           <a:p>
-            <a:endParaRPr lang="en-US"/>
+            <a:endParaRPr lang="en-US" sz="800"/>
           </a:p>
         </p:txBody>
       </p:sp>
@@ -4764,8 +4845,8 @@
         </p:nvSpPr>
         <p:spPr>
           <a:xfrm>
-            <a:off x="7938135" y="4222750"/>
-            <a:ext cx="297815" cy="273050"/>
+            <a:off x="8373745" y="4453255"/>
+            <a:ext cx="255905" cy="379095"/>
           </a:xfrm>
           <a:prstGeom prst="flowChartMagneticDisk">
             <a:avLst/>
@@ -4791,7 +4872,7 @@
         <p:txBody>
           <a:bodyPr/>
           <a:p>
-            <a:endParaRPr lang="en-US"/>
+            <a:endParaRPr lang="en-US" sz="800"/>
           </a:p>
         </p:txBody>
       </p:sp>
@@ -4803,8 +4884,8 @@
         </p:nvSpPr>
         <p:spPr>
           <a:xfrm>
-            <a:off x="10386060" y="4222115"/>
-            <a:ext cx="297815" cy="273050"/>
+            <a:off x="10465435" y="4218305"/>
+            <a:ext cx="255905" cy="199390"/>
           </a:xfrm>
           <a:prstGeom prst="flowChartMagneticDisk">
             <a:avLst/>
@@ -4830,7 +4911,7 @@
         <p:txBody>
           <a:bodyPr/>
           <a:p>
-            <a:endParaRPr lang="en-US"/>
+            <a:endParaRPr lang="en-US" sz="800"/>
           </a:p>
         </p:txBody>
       </p:sp>
@@ -4842,8 +4923,8 @@
         </p:nvSpPr>
         <p:spPr>
           <a:xfrm>
-            <a:off x="992505" y="5096510"/>
-            <a:ext cx="297815" cy="273050"/>
+            <a:off x="2395855" y="4856480"/>
+            <a:ext cx="255905" cy="199390"/>
           </a:xfrm>
           <a:prstGeom prst="flowChartMagneticDisk">
             <a:avLst/>
@@ -4869,7 +4950,7 @@
         <p:txBody>
           <a:bodyPr/>
           <a:p>
-            <a:endParaRPr lang="en-US"/>
+            <a:endParaRPr lang="en-US" sz="800"/>
           </a:p>
         </p:txBody>
       </p:sp>
@@ -4881,8 +4962,8 @@
         </p:nvSpPr>
         <p:spPr>
           <a:xfrm>
-            <a:off x="7527925" y="2405380"/>
-            <a:ext cx="297815" cy="273050"/>
+            <a:off x="10971530" y="2997835"/>
+            <a:ext cx="255905" cy="199390"/>
           </a:xfrm>
           <a:prstGeom prst="flowChartMagneticDisk">
             <a:avLst/>
@@ -4908,7 +4989,7 @@
         <p:txBody>
           <a:bodyPr/>
           <a:p>
-            <a:endParaRPr lang="en-US"/>
+            <a:endParaRPr lang="en-US" sz="800"/>
           </a:p>
         </p:txBody>
       </p:sp>
@@ -4920,8 +5001,8 @@
         </p:nvSpPr>
         <p:spPr>
           <a:xfrm>
-            <a:off x="540385" y="2879725"/>
-            <a:ext cx="297815" cy="273050"/>
+            <a:off x="2007235" y="3239770"/>
+            <a:ext cx="255905" cy="199390"/>
           </a:xfrm>
           <a:prstGeom prst="flowChartMagneticDisk">
             <a:avLst/>
@@ -4947,7 +5028,7 @@
         <p:txBody>
           <a:bodyPr/>
           <a:p>
-            <a:endParaRPr lang="en-US"/>
+            <a:endParaRPr lang="en-US" sz="800"/>
           </a:p>
         </p:txBody>
       </p:sp>
@@ -4961,8 +5042,8 @@
         </p:nvCxnSpPr>
         <p:spPr>
           <a:xfrm flipH="1">
-            <a:off x="6086475" y="4079240"/>
-            <a:ext cx="8890" cy="142875"/>
+            <a:off x="6771640" y="4114165"/>
+            <a:ext cx="7620" cy="104140"/>
           </a:xfrm>
           <a:prstGeom prst="straightConnector1">
             <a:avLst/>
@@ -4996,8 +5077,8 @@
         </p:nvCxnSpPr>
         <p:spPr>
           <a:xfrm>
-            <a:off x="8079105" y="4079240"/>
-            <a:ext cx="8255" cy="143510"/>
+            <a:off x="8502015" y="4191000"/>
+            <a:ext cx="0" cy="262255"/>
           </a:xfrm>
           <a:prstGeom prst="straightConnector1">
             <a:avLst/>
@@ -5032,8 +5113,8 @@
         </p:nvCxnSpPr>
         <p:spPr>
           <a:xfrm>
-            <a:off x="10165080" y="4081780"/>
-            <a:ext cx="370205" cy="140335"/>
+            <a:off x="10275570" y="4116070"/>
+            <a:ext cx="318135" cy="102235"/>
           </a:xfrm>
           <a:prstGeom prst="straightConnector1">
             <a:avLst/>
@@ -5068,8 +5149,8 @@
         </p:nvCxnSpPr>
         <p:spPr>
           <a:xfrm rot="10800000" flipV="1">
-            <a:off x="1141095" y="4918710"/>
-            <a:ext cx="489585" cy="177800"/>
+            <a:off x="2523490" y="4726305"/>
+            <a:ext cx="420370" cy="129540"/>
           </a:xfrm>
           <a:prstGeom prst="bentConnector2">
             <a:avLst/>
@@ -5103,13 +5184,13 @@
           <p:nvPr/>
         </p:nvCxnSpPr>
         <p:spPr>
-          <a:xfrm>
-            <a:off x="6985000" y="2487295"/>
-            <a:ext cx="542925" cy="54610"/>
+          <a:xfrm flipV="1">
+            <a:off x="10847070" y="3097530"/>
+            <a:ext cx="124460" cy="14605"/>
           </a:xfrm>
           <a:prstGeom prst="bentConnector3">
             <a:avLst>
-              <a:gd name="adj1" fmla="val 50058"/>
+              <a:gd name="adj1" fmla="val 50000"/>
             </a:avLst>
           </a:prstGeom>
           <a:ln>
@@ -5142,8 +5223,8 @@
         </p:nvCxnSpPr>
         <p:spPr>
           <a:xfrm rot="10800000" flipV="1">
-            <a:off x="689610" y="2491105"/>
-            <a:ext cx="34290" cy="387985"/>
+            <a:off x="2135505" y="2955925"/>
+            <a:ext cx="29210" cy="283210"/>
           </a:xfrm>
           <a:prstGeom prst="bentConnector2">
             <a:avLst/>
@@ -5175,8 +5256,8 @@
         </p:nvSpPr>
         <p:spPr>
           <a:xfrm>
-            <a:off x="7938135" y="2364105"/>
-            <a:ext cx="681990" cy="245110"/>
+            <a:off x="8362950" y="2863215"/>
+            <a:ext cx="586105" cy="213995"/>
           </a:xfrm>
           <a:prstGeom prst="rect">
             <a:avLst/>
@@ -5189,23 +5270,23 @@
           </a:bodyPr>
           <a:p>
             <a:r>
-              <a:rPr lang="en-US" sz="1000"/>
+              <a:rPr lang="en-US" sz="800"/>
               <a:t>MySQL</a:t>
             </a:r>
-            <a:endParaRPr lang="en-US" sz="1000"/>
-          </a:p>
-        </p:txBody>
-      </p:sp>
-      <p:sp>
-        <p:nvSpPr>
-          <p:cNvPr id="81" name="Text Box 80"/>
+            <a:endParaRPr lang="en-US" sz="800"/>
+          </a:p>
+        </p:txBody>
+      </p:sp>
+      <p:sp>
+        <p:nvSpPr>
+          <p:cNvPr id="83" name="Text Box 82"/>
           <p:cNvSpPr txBox="1"/>
           <p:nvPr/>
         </p:nvSpPr>
         <p:spPr>
           <a:xfrm>
-            <a:off x="310515" y="3145790"/>
-            <a:ext cx="681990" cy="245110"/>
+            <a:off x="4812030" y="4324350"/>
+            <a:ext cx="586105" cy="213995"/>
           </a:xfrm>
           <a:prstGeom prst="rect">
             <a:avLst/>
@@ -5218,23 +5299,23 @@
           </a:bodyPr>
           <a:p>
             <a:r>
-              <a:rPr lang="en-US" sz="1000"/>
+              <a:rPr lang="en-US" sz="800"/>
               <a:t>MySQL</a:t>
             </a:r>
-            <a:endParaRPr lang="en-US" sz="1000"/>
-          </a:p>
-        </p:txBody>
-      </p:sp>
-      <p:sp>
-        <p:nvSpPr>
-          <p:cNvPr id="82" name="Text Box 81"/>
+            <a:endParaRPr lang="en-US" sz="800"/>
+          </a:p>
+        </p:txBody>
+      </p:sp>
+      <p:sp>
+        <p:nvSpPr>
+          <p:cNvPr id="84" name="Text Box 83"/>
           <p:cNvSpPr txBox="1"/>
           <p:nvPr/>
         </p:nvSpPr>
         <p:spPr>
           <a:xfrm>
-            <a:off x="156210" y="5121275"/>
-            <a:ext cx="681990" cy="245110"/>
+            <a:off x="6957695" y="4239260"/>
+            <a:ext cx="586105" cy="213995"/>
           </a:xfrm>
           <a:prstGeom prst="rect">
             <a:avLst/>
@@ -5247,23 +5328,23 @@
           </a:bodyPr>
           <a:p>
             <a:r>
-              <a:rPr lang="en-US" sz="1000"/>
+              <a:rPr lang="en-US" sz="800"/>
               <a:t>MySQL</a:t>
             </a:r>
-            <a:endParaRPr lang="en-US" sz="1000"/>
-          </a:p>
-        </p:txBody>
-      </p:sp>
-      <p:sp>
-        <p:nvSpPr>
-          <p:cNvPr id="83" name="Text Box 82"/>
+            <a:endParaRPr lang="en-US" sz="800"/>
+          </a:p>
+        </p:txBody>
+      </p:sp>
+      <p:sp>
+        <p:nvSpPr>
+          <p:cNvPr id="85" name="Text Box 84"/>
           <p:cNvSpPr txBox="1"/>
           <p:nvPr/>
         </p:nvSpPr>
         <p:spPr>
           <a:xfrm>
-            <a:off x="3804920" y="4367530"/>
-            <a:ext cx="681990" cy="245110"/>
+            <a:off x="8362950" y="4470400"/>
+            <a:ext cx="586105" cy="213995"/>
           </a:xfrm>
           <a:prstGeom prst="rect">
             <a:avLst/>
@@ -5276,23 +5357,23 @@
           </a:bodyPr>
           <a:p>
             <a:r>
-              <a:rPr lang="en-US" sz="1000"/>
+              <a:rPr lang="en-US" sz="800"/>
               <a:t>MySQL</a:t>
             </a:r>
-            <a:endParaRPr lang="en-US" sz="1000"/>
-          </a:p>
-        </p:txBody>
-      </p:sp>
-      <p:sp>
-        <p:nvSpPr>
-          <p:cNvPr id="84" name="Text Box 83"/>
+            <a:endParaRPr lang="en-US" sz="800"/>
+          </a:p>
+        </p:txBody>
+      </p:sp>
+      <p:sp>
+        <p:nvSpPr>
+          <p:cNvPr id="86" name="Text Box 85"/>
           <p:cNvSpPr txBox="1"/>
           <p:nvPr/>
         </p:nvSpPr>
         <p:spPr>
           <a:xfrm>
-            <a:off x="6303010" y="4250690"/>
-            <a:ext cx="681990" cy="245110"/>
+            <a:off x="10806430" y="4239260"/>
+            <a:ext cx="586105" cy="213995"/>
           </a:xfrm>
           <a:prstGeom prst="rect">
             <a:avLst/>
@@ -5305,23 +5386,187 @@
           </a:bodyPr>
           <a:p>
             <a:r>
-              <a:rPr lang="en-US" sz="1000"/>
+              <a:rPr lang="en-US" sz="800"/>
               <a:t>MySQL</a:t>
             </a:r>
-            <a:endParaRPr lang="en-US" sz="1000"/>
-          </a:p>
-        </p:txBody>
-      </p:sp>
-      <p:sp>
-        <p:nvSpPr>
-          <p:cNvPr id="85" name="Text Box 84"/>
+            <a:endParaRPr lang="en-US" sz="800"/>
+          </a:p>
+        </p:txBody>
+      </p:sp>
+      <p:sp>
+        <p:nvSpPr>
+          <p:cNvPr id="5" name="Rectangles 4"/>
+          <p:cNvSpPr/>
+          <p:nvPr/>
+        </p:nvSpPr>
+        <p:spPr>
+          <a:xfrm>
+            <a:off x="1494155" y="2021205"/>
+            <a:ext cx="9645015" cy="3997325"/>
+          </a:xfrm>
+          <a:prstGeom prst="rect">
+            <a:avLst/>
+          </a:prstGeom>
+          <a:ln>
+            <a:solidFill>
+              <a:schemeClr val="accent1"/>
+            </a:solidFill>
+            <a:prstDash val="sysDash"/>
+            <a:tailEnd type="arrow"/>
+          </a:ln>
+        </p:spPr>
+        <p:style>
+          <a:lnRef idx="1">
+            <a:schemeClr val="accent1"/>
+          </a:lnRef>
+          <a:fillRef idx="0">
+            <a:schemeClr val="accent1"/>
+          </a:fillRef>
+          <a:effectRef idx="0">
+            <a:schemeClr val="accent1"/>
+          </a:effectRef>
+          <a:fontRef idx="minor">
+            <a:schemeClr val="tx1"/>
+          </a:fontRef>
+        </p:style>
+        <p:txBody>
+          <a:bodyPr/>
+          <a:p>
+            <a:endParaRPr lang="en-US"/>
+          </a:p>
+        </p:txBody>
+      </p:sp>
+      <p:sp>
+        <p:nvSpPr>
+          <p:cNvPr id="7" name="Rounded Rectangle 6"/>
+          <p:cNvSpPr/>
+          <p:nvPr/>
+        </p:nvSpPr>
+        <p:spPr>
+          <a:xfrm>
+            <a:off x="1517015" y="1329055"/>
+            <a:ext cx="2971165" cy="406400"/>
+          </a:xfrm>
+          <a:prstGeom prst="roundRect">
+            <a:avLst/>
+          </a:prstGeom>
+        </p:spPr>
+        <p:style>
+          <a:lnRef idx="2">
+            <a:schemeClr val="accent1">
+              <a:shade val="50000"/>
+            </a:schemeClr>
+          </a:lnRef>
+          <a:fillRef idx="1">
+            <a:schemeClr val="accent1"/>
+          </a:fillRef>
+          <a:effectRef idx="0">
+            <a:schemeClr val="accent1"/>
+          </a:effectRef>
+          <a:fontRef idx="minor">
+            <a:schemeClr val="lt1"/>
+          </a:fontRef>
+        </p:style>
+        <p:txBody>
+          <a:bodyPr rtlCol="0" anchor="ctr"/>
+          <a:p>
+            <a:pPr algn="ctr"/>
+            <a:r>
+              <a:rPr lang="en-US" sz="800"/>
+              <a:t>API GW</a:t>
+            </a:r>
+            <a:endParaRPr lang="en-US" sz="800"/>
+          </a:p>
+        </p:txBody>
+      </p:sp>
+      <p:sp>
+        <p:nvSpPr>
+          <p:cNvPr id="10" name="Smiley Face 9"/>
+          <p:cNvSpPr/>
+          <p:nvPr/>
+        </p:nvSpPr>
+        <p:spPr>
+          <a:xfrm>
+            <a:off x="1734185" y="872490"/>
+            <a:ext cx="273050" cy="260350"/>
+          </a:xfrm>
+          <a:prstGeom prst="smileyFace">
+            <a:avLst/>
+          </a:prstGeom>
+          <a:ln>
+            <a:tailEnd type="arrow"/>
+          </a:ln>
+        </p:spPr>
+        <p:style>
+          <a:lnRef idx="1">
+            <a:schemeClr val="accent1"/>
+          </a:lnRef>
+          <a:fillRef idx="0">
+            <a:schemeClr val="accent1"/>
+          </a:fillRef>
+          <a:effectRef idx="0">
+            <a:schemeClr val="accent1"/>
+          </a:effectRef>
+          <a:fontRef idx="minor">
+            <a:schemeClr val="tx1"/>
+          </a:fontRef>
+        </p:style>
+        <p:txBody>
+          <a:bodyPr/>
+          <a:p>
+            <a:endParaRPr lang="en-US"/>
+          </a:p>
+        </p:txBody>
+      </p:sp>
+      <p:sp>
+        <p:nvSpPr>
+          <p:cNvPr id="12" name="Smiley Face 11"/>
+          <p:cNvSpPr/>
+          <p:nvPr/>
+        </p:nvSpPr>
+        <p:spPr>
+          <a:xfrm>
+            <a:off x="9843135" y="1041400"/>
+            <a:ext cx="273050" cy="260350"/>
+          </a:xfrm>
+          <a:prstGeom prst="smileyFace">
+            <a:avLst/>
+          </a:prstGeom>
+          <a:ln>
+            <a:tailEnd type="arrow"/>
+          </a:ln>
+        </p:spPr>
+        <p:style>
+          <a:lnRef idx="1">
+            <a:schemeClr val="accent1"/>
+          </a:lnRef>
+          <a:fillRef idx="0">
+            <a:schemeClr val="accent1"/>
+          </a:fillRef>
+          <a:effectRef idx="0">
+            <a:schemeClr val="accent1"/>
+          </a:effectRef>
+          <a:fontRef idx="minor">
+            <a:schemeClr val="tx1"/>
+          </a:fontRef>
+        </p:style>
+        <p:txBody>
+          <a:bodyPr/>
+          <a:p>
+            <a:endParaRPr lang="en-US"/>
+          </a:p>
+        </p:txBody>
+      </p:sp>
+      <p:sp>
+        <p:nvSpPr>
+          <p:cNvPr id="14" name="Text Box 13"/>
           <p:cNvSpPr txBox="1"/>
           <p:nvPr/>
         </p:nvSpPr>
         <p:spPr>
           <a:xfrm>
-            <a:off x="8099425" y="4495165"/>
-            <a:ext cx="681990" cy="245110"/>
+            <a:off x="688340" y="918845"/>
+            <a:ext cx="669290" cy="213995"/>
           </a:xfrm>
           <a:prstGeom prst="rect">
             <a:avLst/>
@@ -5334,23 +5579,23 @@
           </a:bodyPr>
           <a:p>
             <a:r>
-              <a:rPr lang="en-US" sz="1000"/>
-              <a:t>MySQL</a:t>
-            </a:r>
-            <a:endParaRPr lang="en-US" sz="1000"/>
-          </a:p>
-        </p:txBody>
-      </p:sp>
-      <p:sp>
-        <p:nvSpPr>
-          <p:cNvPr id="86" name="Text Box 85"/>
+              <a:rPr lang="en-US" sz="800"/>
+              <a:t>Partner</a:t>
+            </a:r>
+            <a:endParaRPr lang="en-US" sz="800"/>
+          </a:p>
+        </p:txBody>
+      </p:sp>
+      <p:sp>
+        <p:nvSpPr>
+          <p:cNvPr id="17" name="Text Box 16"/>
           <p:cNvSpPr txBox="1"/>
           <p:nvPr/>
         </p:nvSpPr>
         <p:spPr>
           <a:xfrm>
-            <a:off x="10782935" y="4250690"/>
-            <a:ext cx="681990" cy="245110"/>
+            <a:off x="10209530" y="988695"/>
+            <a:ext cx="1543685" cy="213995"/>
           </a:xfrm>
           <a:prstGeom prst="rect">
             <a:avLst/>
@@ -5363,13 +5608,235 @@
           </a:bodyPr>
           <a:p>
             <a:r>
+              <a:rPr lang="en-US" sz="800"/>
+              <a:t>Operation Person</a:t>
+            </a:r>
+            <a:endParaRPr lang="en-US" sz="800"/>
+          </a:p>
+        </p:txBody>
+      </p:sp>
+      <p:cxnSp>
+        <p:nvCxnSpPr>
+          <p:cNvPr id="18" name="Straight Arrow Connector 17"/>
+          <p:cNvCxnSpPr>
+            <a:endCxn id="26" idx="0"/>
+          </p:cNvCxnSpPr>
+          <p:nvPr/>
+        </p:nvCxnSpPr>
+        <p:spPr>
+          <a:xfrm>
+            <a:off x="2800985" y="1735455"/>
+            <a:ext cx="20320" cy="461010"/>
+          </a:xfrm>
+          <a:prstGeom prst="straightConnector1">
+            <a:avLst/>
+          </a:prstGeom>
+          <a:ln>
+            <a:tailEnd type="arrow"/>
+          </a:ln>
+        </p:spPr>
+        <p:style>
+          <a:lnRef idx="1">
+            <a:schemeClr val="accent1"/>
+          </a:lnRef>
+          <a:fillRef idx="0">
+            <a:schemeClr val="accent1"/>
+          </a:fillRef>
+          <a:effectRef idx="0">
+            <a:schemeClr val="accent1"/>
+          </a:effectRef>
+          <a:fontRef idx="minor">
+            <a:schemeClr val="tx1"/>
+          </a:fontRef>
+        </p:style>
+      </p:cxnSp>
+      <p:cxnSp>
+        <p:nvCxnSpPr>
+          <p:cNvPr id="19" name="Straight Arrow Connector 18"/>
+          <p:cNvCxnSpPr>
+            <a:stCxn id="12" idx="4"/>
+            <a:endCxn id="27" idx="0"/>
+          </p:cNvCxnSpPr>
+          <p:nvPr/>
+        </p:nvCxnSpPr>
+        <p:spPr>
+          <a:xfrm>
+            <a:off x="9979660" y="1301750"/>
+            <a:ext cx="635" cy="894715"/>
+          </a:xfrm>
+          <a:prstGeom prst="straightConnector1">
+            <a:avLst/>
+          </a:prstGeom>
+          <a:ln>
+            <a:tailEnd type="arrow"/>
+          </a:ln>
+        </p:spPr>
+        <p:style>
+          <a:lnRef idx="1">
+            <a:schemeClr val="accent1"/>
+          </a:lnRef>
+          <a:fillRef idx="0">
+            <a:schemeClr val="accent1"/>
+          </a:fillRef>
+          <a:effectRef idx="0">
+            <a:schemeClr val="accent1"/>
+          </a:effectRef>
+          <a:fontRef idx="minor">
+            <a:schemeClr val="tx1"/>
+          </a:fontRef>
+        </p:style>
+      </p:cxnSp>
+      <p:cxnSp>
+        <p:nvCxnSpPr>
+          <p:cNvPr id="20" name="Straight Arrow Connector 19"/>
+          <p:cNvCxnSpPr/>
+          <p:nvPr/>
+        </p:nvCxnSpPr>
+        <p:spPr>
+          <a:xfrm>
+            <a:off x="1878965" y="1202690"/>
+            <a:ext cx="0" cy="99060"/>
+          </a:xfrm>
+          <a:prstGeom prst="straightConnector1">
+            <a:avLst/>
+          </a:prstGeom>
+          <a:ln>
+            <a:tailEnd type="arrow"/>
+          </a:ln>
+        </p:spPr>
+        <p:style>
+          <a:lnRef idx="1">
+            <a:schemeClr val="accent1"/>
+          </a:lnRef>
+          <a:fillRef idx="0">
+            <a:schemeClr val="accent1"/>
+          </a:fillRef>
+          <a:effectRef idx="0">
+            <a:schemeClr val="accent1"/>
+          </a:effectRef>
+          <a:fontRef idx="minor">
+            <a:schemeClr val="tx1"/>
+          </a:fontRef>
+        </p:style>
+      </p:cxnSp>
+      <p:cxnSp>
+        <p:nvCxnSpPr>
+          <p:cNvPr id="22" name="Straight Connector 21"/>
+          <p:cNvCxnSpPr/>
+          <p:nvPr/>
+        </p:nvCxnSpPr>
+        <p:spPr>
+          <a:xfrm>
+            <a:off x="6826885" y="880110"/>
+            <a:ext cx="0" cy="2604135"/>
+          </a:xfrm>
+          <a:prstGeom prst="line">
+            <a:avLst/>
+          </a:prstGeom>
+        </p:spPr>
+        <p:style>
+          <a:lnRef idx="1">
+            <a:schemeClr val="accent1"/>
+          </a:lnRef>
+          <a:fillRef idx="0">
+            <a:schemeClr val="accent1"/>
+          </a:fillRef>
+          <a:effectRef idx="0">
+            <a:schemeClr val="accent1"/>
+          </a:effectRef>
+          <a:fontRef idx="minor">
+            <a:schemeClr val="tx1"/>
+          </a:fontRef>
+        </p:style>
+      </p:cxnSp>
+      <p:sp>
+        <p:nvSpPr>
+          <p:cNvPr id="23" name="Text Box 22"/>
+          <p:cNvSpPr txBox="1"/>
+          <p:nvPr/>
+        </p:nvSpPr>
+        <p:spPr>
+          <a:xfrm>
+            <a:off x="6095365" y="979170"/>
+            <a:ext cx="669290" cy="245110"/>
+          </a:xfrm>
+          <a:prstGeom prst="rect">
+            <a:avLst/>
+          </a:prstGeom>
+          <a:noFill/>
+        </p:spPr>
+        <p:txBody>
+          <a:bodyPr wrap="square" rtlCol="0">
+            <a:spAutoFit/>
+          </a:bodyPr>
+          <a:p>
+            <a:r>
               <a:rPr lang="en-US" sz="1000"/>
-              <a:t>MySQL</a:t>
+              <a:t>Public</a:t>
             </a:r>
             <a:endParaRPr lang="en-US" sz="1000"/>
           </a:p>
         </p:txBody>
       </p:sp>
+      <p:sp>
+        <p:nvSpPr>
+          <p:cNvPr id="24" name="Text Box 23"/>
+          <p:cNvSpPr txBox="1"/>
+          <p:nvPr/>
+        </p:nvSpPr>
+        <p:spPr>
+          <a:xfrm>
+            <a:off x="7089775" y="988695"/>
+            <a:ext cx="669290" cy="245110"/>
+          </a:xfrm>
+          <a:prstGeom prst="rect">
+            <a:avLst/>
+          </a:prstGeom>
+          <a:noFill/>
+        </p:spPr>
+        <p:txBody>
+          <a:bodyPr wrap="square" rtlCol="0">
+            <a:spAutoFit/>
+          </a:bodyPr>
+          <a:p>
+            <a:r>
+              <a:rPr lang="en-US" sz="1000"/>
+              <a:t>Private</a:t>
+            </a:r>
+            <a:endParaRPr lang="en-US" sz="1000"/>
+          </a:p>
+        </p:txBody>
+      </p:sp>
+      <p:cxnSp>
+        <p:nvCxnSpPr>
+          <p:cNvPr id="34" name="Straight Connector 33"/>
+          <p:cNvCxnSpPr/>
+          <p:nvPr/>
+        </p:nvCxnSpPr>
+        <p:spPr>
+          <a:xfrm>
+            <a:off x="6838950" y="3484245"/>
+            <a:ext cx="4751705" cy="0"/>
+          </a:xfrm>
+          <a:prstGeom prst="line">
+            <a:avLst/>
+          </a:prstGeom>
+        </p:spPr>
+        <p:style>
+          <a:lnRef idx="1">
+            <a:schemeClr val="accent1"/>
+          </a:lnRef>
+          <a:fillRef idx="0">
+            <a:schemeClr val="accent1"/>
+          </a:fillRef>
+          <a:effectRef idx="0">
+            <a:schemeClr val="accent1"/>
+          </a:effectRef>
+          <a:fontRef idx="minor">
+            <a:schemeClr val="tx1"/>
+          </a:fontRef>
+        </p:style>
+      </p:cxnSp>
     </p:spTree>
   </p:cSld>
   <p:clrMapOvr>
@@ -5400,1386 +5867,449 @@
         </p:nvSpPr>
         <p:spPr>
           <a:xfrm>
-            <a:off x="788035" y="316865"/>
-            <a:ext cx="10615295" cy="521335"/>
+            <a:off x="838200" y="365125"/>
+            <a:ext cx="8394700" cy="545465"/>
           </a:xfrm>
         </p:spPr>
         <p:txBody>
           <a:bodyPr>
-            <a:normAutofit fontScale="90000"/>
+            <a:normAutofit/>
           </a:bodyPr>
           <a:p>
             <a:r>
-              <a:rPr lang="en-US" sz="3110">
-                <a:sym typeface="+mn-ea"/>
-              </a:rPr>
-              <a:t>Online Movie Booking Platfrom L1 User Architecture Architecture</a:t>
-            </a:r>
-            <a:br>
-              <a:rPr lang="en-US"/>
-            </a:br>
-            <a:endParaRPr lang="en-US"/>
-          </a:p>
-        </p:txBody>
-      </p:sp>
-      <p:sp>
-        <p:nvSpPr>
-          <p:cNvPr id="26" name="Rounded Rectangle 25"/>
-          <p:cNvSpPr/>
-          <p:nvPr/>
-        </p:nvSpPr>
-        <p:spPr>
-          <a:xfrm>
-            <a:off x="788035" y="1573530"/>
-            <a:ext cx="1377315" cy="428625"/>
-          </a:xfrm>
-          <a:prstGeom prst="roundRect">
-            <a:avLst/>
-          </a:prstGeom>
-        </p:spPr>
-        <p:style>
-          <a:lnRef idx="2">
-            <a:schemeClr val="accent1">
-              <a:shade val="50000"/>
-            </a:schemeClr>
-          </a:lnRef>
-          <a:fillRef idx="1">
-            <a:schemeClr val="accent1"/>
-          </a:fillRef>
-          <a:effectRef idx="0">
-            <a:schemeClr val="accent1"/>
-          </a:effectRef>
-          <a:fontRef idx="minor">
-            <a:schemeClr val="lt1"/>
-          </a:fontRef>
-        </p:style>
-        <p:txBody>
-          <a:bodyPr rtlCol="0" anchor="ctr"/>
-          <a:p>
-            <a:pPr algn="ctr"/>
-            <a:r>
-              <a:rPr lang="en-US" sz="1200"/>
-              <a:t>BookingPlatform- EndService-UI</a:t>
-            </a:r>
-            <a:endParaRPr lang="en-US" sz="1200"/>
-          </a:p>
-        </p:txBody>
-      </p:sp>
-      <p:sp>
-        <p:nvSpPr>
-          <p:cNvPr id="4" name="Rounded Rectangle 3"/>
-          <p:cNvSpPr/>
-          <p:nvPr/>
-        </p:nvSpPr>
-        <p:spPr>
-          <a:xfrm>
-            <a:off x="2911475" y="1573530"/>
-            <a:ext cx="1377315" cy="428625"/>
-          </a:xfrm>
-          <a:prstGeom prst="roundRect">
-            <a:avLst/>
-          </a:prstGeom>
-        </p:spPr>
-        <p:style>
-          <a:lnRef idx="2">
-            <a:schemeClr val="accent1">
-              <a:shade val="50000"/>
-            </a:schemeClr>
-          </a:lnRef>
-          <a:fillRef idx="1">
-            <a:schemeClr val="accent1"/>
-          </a:fillRef>
-          <a:effectRef idx="0">
-            <a:schemeClr val="accent1"/>
-          </a:effectRef>
-          <a:fontRef idx="minor">
-            <a:schemeClr val="lt1"/>
-          </a:fontRef>
-        </p:style>
-        <p:txBody>
-          <a:bodyPr rtlCol="0" anchor="ctr"/>
-          <a:p>
-            <a:pPr algn="ctr"/>
-            <a:r>
-              <a:rPr lang="en-US" sz="1200"/>
-              <a:t>BookingPlatform- BrowseMovie</a:t>
-            </a:r>
-            <a:endParaRPr lang="en-US" sz="1200"/>
-          </a:p>
-        </p:txBody>
-      </p:sp>
-      <p:sp>
-        <p:nvSpPr>
-          <p:cNvPr id="41" name="Rounded Rectangle 40"/>
-          <p:cNvSpPr/>
-          <p:nvPr/>
-        </p:nvSpPr>
-        <p:spPr>
-          <a:xfrm>
-            <a:off x="5315585" y="1573530"/>
-            <a:ext cx="1561465" cy="428625"/>
-          </a:xfrm>
-          <a:prstGeom prst="roundRect">
-            <a:avLst/>
-          </a:prstGeom>
-        </p:spPr>
-        <p:style>
-          <a:lnRef idx="2">
-            <a:schemeClr val="accent1">
-              <a:shade val="50000"/>
-            </a:schemeClr>
-          </a:lnRef>
-          <a:fillRef idx="1">
-            <a:schemeClr val="accent1"/>
-          </a:fillRef>
-          <a:effectRef idx="0">
-            <a:schemeClr val="accent1"/>
-          </a:effectRef>
-          <a:fontRef idx="minor">
-            <a:schemeClr val="lt1"/>
-          </a:fontRef>
-        </p:style>
-        <p:txBody>
-          <a:bodyPr vertOverflow="overflow" horzOverflow="overflow" vert="horz" wrap="square" numCol="1" spcCol="0" rtlCol="0" fromWordArt="0" anchor="ctr" anchorCtr="0" forceAA="0" compatLnSpc="1">
-            <a:noAutofit/>
-          </a:bodyPr>
-          <a:p>
-            <a:pPr lvl="0" algn="ctr">
-              <a:buClrTx/>
-              <a:buSzTx/>
-              <a:buFontTx/>
-            </a:pPr>
-            <a:r>
-              <a:rPr lang="en-US" sz="1200">
-                <a:sym typeface="+mn-ea"/>
-              </a:rPr>
-              <a:t>BookingPlatform- ShowManagement</a:t>
-            </a:r>
-            <a:endParaRPr lang="en-US" sz="1200">
-              <a:sym typeface="+mn-ea"/>
-            </a:endParaRPr>
-          </a:p>
-        </p:txBody>
-      </p:sp>
-      <p:sp>
-        <p:nvSpPr>
-          <p:cNvPr id="5" name="Flowchart: Magnetic Disk 4"/>
-          <p:cNvSpPr/>
-          <p:nvPr/>
-        </p:nvSpPr>
-        <p:spPr>
-          <a:xfrm>
-            <a:off x="4532630" y="1016635"/>
-            <a:ext cx="384810" cy="384175"/>
-          </a:xfrm>
-          <a:prstGeom prst="flowChartMagneticDisk">
-            <a:avLst/>
-          </a:prstGeom>
-          <a:ln>
-            <a:tailEnd type="arrow"/>
-          </a:ln>
-        </p:spPr>
-        <p:style>
-          <a:lnRef idx="1">
-            <a:schemeClr val="accent1"/>
-          </a:lnRef>
-          <a:fillRef idx="0">
-            <a:schemeClr val="accent1"/>
-          </a:fillRef>
-          <a:effectRef idx="0">
-            <a:schemeClr val="accent1"/>
-          </a:effectRef>
-          <a:fontRef idx="minor">
-            <a:schemeClr val="tx1"/>
-          </a:fontRef>
-        </p:style>
-        <p:txBody>
-          <a:bodyPr/>
-          <a:p>
-            <a:endParaRPr lang="en-US"/>
-          </a:p>
-        </p:txBody>
-      </p:sp>
-      <p:sp>
-        <p:nvSpPr>
-          <p:cNvPr id="6" name="Text Box 5"/>
-          <p:cNvSpPr txBox="1"/>
-          <p:nvPr/>
-        </p:nvSpPr>
-        <p:spPr>
-          <a:xfrm>
-            <a:off x="4917440" y="1016635"/>
-            <a:ext cx="793750" cy="337185"/>
-          </a:xfrm>
-          <a:prstGeom prst="rect">
-            <a:avLst/>
-          </a:prstGeom>
-          <a:noFill/>
-        </p:spPr>
-        <p:txBody>
-          <a:bodyPr wrap="square" rtlCol="0">
-            <a:spAutoFit/>
-          </a:bodyPr>
-          <a:p>
-            <a:r>
-              <a:rPr lang="en-US" sz="800"/>
-              <a:t>Elastic Search</a:t>
-            </a:r>
-            <a:endParaRPr lang="en-US" sz="800"/>
-          </a:p>
-        </p:txBody>
-      </p:sp>
-      <p:cxnSp>
-        <p:nvCxnSpPr>
-          <p:cNvPr id="7" name="Elbow Connector 6"/>
-          <p:cNvCxnSpPr>
-            <a:stCxn id="5" idx="2"/>
-            <a:endCxn id="4" idx="0"/>
-          </p:cNvCxnSpPr>
-          <p:nvPr/>
-        </p:nvCxnSpPr>
-        <p:spPr>
-          <a:xfrm rot="10800000" flipV="1">
-            <a:off x="3600450" y="1209040"/>
-            <a:ext cx="932180" cy="364490"/>
-          </a:xfrm>
-          <a:prstGeom prst="bentConnector2">
-            <a:avLst/>
-          </a:prstGeom>
-          <a:ln>
-            <a:tailEnd type="arrow"/>
-          </a:ln>
-        </p:spPr>
-        <p:style>
-          <a:lnRef idx="1">
-            <a:schemeClr val="accent1"/>
-          </a:lnRef>
-          <a:fillRef idx="0">
-            <a:schemeClr val="accent1"/>
-          </a:fillRef>
-          <a:effectRef idx="0">
-            <a:schemeClr val="accent1"/>
-          </a:effectRef>
-          <a:fontRef idx="minor">
-            <a:schemeClr val="tx1"/>
-          </a:fontRef>
-        </p:style>
-      </p:cxnSp>
-      <p:cxnSp>
-        <p:nvCxnSpPr>
-          <p:cNvPr id="8" name="Straight Arrow Connector 7"/>
-          <p:cNvCxnSpPr>
-            <a:stCxn id="26" idx="3"/>
-            <a:endCxn id="4" idx="1"/>
-          </p:cNvCxnSpPr>
-          <p:nvPr/>
-        </p:nvCxnSpPr>
-        <p:spPr>
-          <a:xfrm>
-            <a:off x="2165350" y="1788160"/>
-            <a:ext cx="746125" cy="0"/>
-          </a:xfrm>
-          <a:prstGeom prst="straightConnector1">
-            <a:avLst/>
-          </a:prstGeom>
-          <a:ln>
-            <a:tailEnd type="arrow"/>
-          </a:ln>
-        </p:spPr>
-        <p:style>
-          <a:lnRef idx="1">
-            <a:schemeClr val="accent1"/>
-          </a:lnRef>
-          <a:fillRef idx="0">
-            <a:schemeClr val="accent1"/>
-          </a:fillRef>
-          <a:effectRef idx="0">
-            <a:schemeClr val="accent1"/>
-          </a:effectRef>
-          <a:fontRef idx="minor">
-            <a:schemeClr val="tx1"/>
-          </a:fontRef>
-        </p:style>
-      </p:cxnSp>
-      <p:sp>
-        <p:nvSpPr>
-          <p:cNvPr id="9" name="Rounded Rectangle 8"/>
-          <p:cNvSpPr/>
-          <p:nvPr/>
-        </p:nvSpPr>
-        <p:spPr>
-          <a:xfrm>
-            <a:off x="2911475" y="2737485"/>
-            <a:ext cx="1377315" cy="428625"/>
-          </a:xfrm>
-          <a:prstGeom prst="roundRect">
-            <a:avLst/>
-          </a:prstGeom>
-        </p:spPr>
-        <p:style>
-          <a:lnRef idx="2">
-            <a:schemeClr val="accent1">
-              <a:shade val="50000"/>
-            </a:schemeClr>
-          </a:lnRef>
-          <a:fillRef idx="1">
-            <a:schemeClr val="accent1"/>
-          </a:fillRef>
-          <a:effectRef idx="0">
-            <a:schemeClr val="accent1"/>
-          </a:effectRef>
-          <a:fontRef idx="minor">
-            <a:schemeClr val="lt1"/>
-          </a:fontRef>
-        </p:style>
-        <p:txBody>
-          <a:bodyPr rtlCol="0" anchor="ctr"/>
-          <a:p>
-            <a:pPr algn="ctr"/>
-            <a:r>
-              <a:rPr lang="en-US" sz="900"/>
-              <a:t>BookingPlatform- Booking Aggregator</a:t>
-            </a:r>
-            <a:endParaRPr lang="en-US" sz="900"/>
-          </a:p>
-        </p:txBody>
-      </p:sp>
-      <p:sp>
-        <p:nvSpPr>
-          <p:cNvPr id="11" name="Smiley Face 10"/>
-          <p:cNvSpPr/>
-          <p:nvPr/>
-        </p:nvSpPr>
-        <p:spPr>
-          <a:xfrm>
-            <a:off x="180340" y="1676400"/>
-            <a:ext cx="198120" cy="222885"/>
-          </a:xfrm>
-          <a:prstGeom prst="smileyFace">
-            <a:avLst/>
-          </a:prstGeom>
-          <a:ln>
-            <a:tailEnd type="arrow"/>
-          </a:ln>
-        </p:spPr>
-        <p:style>
-          <a:lnRef idx="1">
-            <a:schemeClr val="accent1"/>
-          </a:lnRef>
-          <a:fillRef idx="0">
-            <a:schemeClr val="accent1"/>
-          </a:fillRef>
-          <a:effectRef idx="0">
-            <a:schemeClr val="accent1"/>
-          </a:effectRef>
-          <a:fontRef idx="minor">
-            <a:schemeClr val="tx1"/>
-          </a:fontRef>
-        </p:style>
-        <p:txBody>
-          <a:bodyPr/>
-          <a:p>
-            <a:endParaRPr lang="en-US"/>
-          </a:p>
-        </p:txBody>
-      </p:sp>
-      <p:cxnSp>
-        <p:nvCxnSpPr>
-          <p:cNvPr id="12" name="Straight Arrow Connector 11"/>
-          <p:cNvCxnSpPr>
-            <a:stCxn id="11" idx="6"/>
-            <a:endCxn id="26" idx="1"/>
-          </p:cNvCxnSpPr>
-          <p:nvPr/>
-        </p:nvCxnSpPr>
-        <p:spPr>
-          <a:xfrm>
-            <a:off x="378460" y="1788160"/>
-            <a:ext cx="409575" cy="0"/>
-          </a:xfrm>
-          <a:prstGeom prst="straightConnector1">
-            <a:avLst/>
-          </a:prstGeom>
-          <a:ln>
-            <a:tailEnd type="arrow"/>
-          </a:ln>
-        </p:spPr>
-        <p:style>
-          <a:lnRef idx="1">
-            <a:schemeClr val="accent1"/>
-          </a:lnRef>
-          <a:fillRef idx="0">
-            <a:schemeClr val="accent1"/>
-          </a:fillRef>
-          <a:effectRef idx="0">
-            <a:schemeClr val="accent1"/>
-          </a:effectRef>
-          <a:fontRef idx="minor">
-            <a:schemeClr val="tx1"/>
-          </a:fontRef>
-        </p:style>
-      </p:cxnSp>
-      <p:sp>
-        <p:nvSpPr>
-          <p:cNvPr id="13" name="Text Box 12"/>
-          <p:cNvSpPr txBox="1"/>
-          <p:nvPr/>
-        </p:nvSpPr>
-        <p:spPr>
-          <a:xfrm>
-            <a:off x="87630" y="2002155"/>
-            <a:ext cx="558165" cy="398780"/>
-          </a:xfrm>
-          <a:prstGeom prst="rect">
-            <a:avLst/>
-          </a:prstGeom>
-          <a:noFill/>
-        </p:spPr>
-        <p:txBody>
-          <a:bodyPr wrap="square" rtlCol="0">
-            <a:spAutoFit/>
-          </a:bodyPr>
-          <a:p>
-            <a:r>
-              <a:rPr lang="en-US" sz="1000"/>
-              <a:t>End User</a:t>
-            </a:r>
-            <a:endParaRPr lang="en-US" sz="1000"/>
-          </a:p>
-        </p:txBody>
-      </p:sp>
-      <p:cxnSp>
-        <p:nvCxnSpPr>
-          <p:cNvPr id="14" name="Straight Arrow Connector 13"/>
-          <p:cNvCxnSpPr>
-            <a:stCxn id="4" idx="2"/>
-            <a:endCxn id="9" idx="0"/>
-          </p:cNvCxnSpPr>
-          <p:nvPr/>
-        </p:nvCxnSpPr>
-        <p:spPr>
-          <a:xfrm>
-            <a:off x="3600450" y="2002155"/>
-            <a:ext cx="0" cy="735330"/>
-          </a:xfrm>
-          <a:prstGeom prst="straightConnector1">
-            <a:avLst/>
-          </a:prstGeom>
-          <a:ln>
-            <a:tailEnd type="arrow"/>
-          </a:ln>
-        </p:spPr>
-        <p:style>
-          <a:lnRef idx="1">
-            <a:schemeClr val="accent1"/>
-          </a:lnRef>
-          <a:fillRef idx="0">
-            <a:schemeClr val="accent1"/>
-          </a:fillRef>
-          <a:effectRef idx="0">
-            <a:schemeClr val="accent1"/>
-          </a:effectRef>
-          <a:fontRef idx="minor">
-            <a:schemeClr val="tx1"/>
-          </a:fontRef>
-        </p:style>
-      </p:cxnSp>
-      <p:cxnSp>
-        <p:nvCxnSpPr>
-          <p:cNvPr id="16" name="Curved Connector 15"/>
-          <p:cNvCxnSpPr>
-            <a:stCxn id="41" idx="2"/>
-            <a:endCxn id="9" idx="3"/>
-          </p:cNvCxnSpPr>
-          <p:nvPr/>
-        </p:nvCxnSpPr>
-        <p:spPr>
-          <a:xfrm rot="5400000">
-            <a:off x="4717415" y="1572895"/>
-            <a:ext cx="949960" cy="1807845"/>
-          </a:xfrm>
-          <a:prstGeom prst="curvedConnector2">
-            <a:avLst/>
-          </a:prstGeom>
-          <a:ln>
-            <a:headEnd type="arrow"/>
-            <a:tailEnd type="arrow"/>
-          </a:ln>
-        </p:spPr>
-        <p:style>
-          <a:lnRef idx="1">
-            <a:schemeClr val="accent1"/>
-          </a:lnRef>
-          <a:fillRef idx="0">
-            <a:schemeClr val="accent1"/>
-          </a:fillRef>
-          <a:effectRef idx="0">
-            <a:schemeClr val="accent1"/>
-          </a:effectRef>
-          <a:fontRef idx="minor">
-            <a:schemeClr val="tx1"/>
-          </a:fontRef>
-        </p:style>
-      </p:cxnSp>
-      <p:sp>
-        <p:nvSpPr>
-          <p:cNvPr id="17" name="Rounded Rectangle 16"/>
-          <p:cNvSpPr/>
-          <p:nvPr/>
-        </p:nvSpPr>
-        <p:spPr>
-          <a:xfrm>
-            <a:off x="5499735" y="2737485"/>
-            <a:ext cx="1377315" cy="428625"/>
-          </a:xfrm>
-          <a:prstGeom prst="roundRect">
-            <a:avLst/>
-          </a:prstGeom>
-        </p:spPr>
-        <p:style>
-          <a:lnRef idx="2">
-            <a:schemeClr val="accent1">
-              <a:shade val="50000"/>
-            </a:schemeClr>
-          </a:lnRef>
-          <a:fillRef idx="1">
-            <a:schemeClr val="accent1"/>
-          </a:fillRef>
-          <a:effectRef idx="0">
-            <a:schemeClr val="accent1"/>
-          </a:effectRef>
-          <a:fontRef idx="minor">
-            <a:schemeClr val="lt1"/>
-          </a:fontRef>
-        </p:style>
-        <p:txBody>
-          <a:bodyPr rtlCol="0" anchor="ctr"/>
-          <a:p>
-            <a:pPr algn="ctr"/>
-            <a:r>
-              <a:rPr lang="en-US" sz="900"/>
-              <a:t>BookingPlatform-Seat Selector</a:t>
-            </a:r>
-            <a:endParaRPr lang="en-US" sz="900"/>
-          </a:p>
-        </p:txBody>
-      </p:sp>
-      <p:sp>
-        <p:nvSpPr>
-          <p:cNvPr id="18" name="Flowchart: Magnetic Disk 17"/>
-          <p:cNvSpPr/>
-          <p:nvPr/>
-        </p:nvSpPr>
-        <p:spPr>
-          <a:xfrm>
-            <a:off x="7313295" y="2759710"/>
-            <a:ext cx="384810" cy="384175"/>
-          </a:xfrm>
-          <a:prstGeom prst="flowChartMagneticDisk">
-            <a:avLst/>
-          </a:prstGeom>
-          <a:ln>
-            <a:tailEnd type="arrow"/>
-          </a:ln>
-        </p:spPr>
-        <p:style>
-          <a:lnRef idx="1">
-            <a:schemeClr val="accent1"/>
-          </a:lnRef>
-          <a:fillRef idx="0">
-            <a:schemeClr val="accent1"/>
-          </a:fillRef>
-          <a:effectRef idx="0">
-            <a:schemeClr val="accent1"/>
-          </a:effectRef>
-          <a:fontRef idx="minor">
-            <a:schemeClr val="tx1"/>
-          </a:fontRef>
-        </p:style>
-        <p:txBody>
-          <a:bodyPr/>
-          <a:p>
-            <a:endParaRPr lang="en-US"/>
-          </a:p>
-        </p:txBody>
-      </p:sp>
-      <p:sp>
-        <p:nvSpPr>
-          <p:cNvPr id="19" name="Text Box 18"/>
-          <p:cNvSpPr txBox="1"/>
-          <p:nvPr/>
-        </p:nvSpPr>
-        <p:spPr>
-          <a:xfrm>
-            <a:off x="7073265" y="2529840"/>
-            <a:ext cx="738505" cy="229870"/>
-          </a:xfrm>
-          <a:prstGeom prst="rect">
-            <a:avLst/>
-          </a:prstGeom>
-          <a:noFill/>
-        </p:spPr>
-        <p:txBody>
-          <a:bodyPr wrap="none" rtlCol="0" anchor="t">
-            <a:spAutoFit/>
-          </a:bodyPr>
-          <a:p>
-            <a:r>
-              <a:rPr lang="en-US" sz="900">
-                <a:sym typeface="+mn-ea"/>
-              </a:rPr>
-              <a:t>Casandara</a:t>
-            </a:r>
-            <a:endParaRPr lang="en-US" sz="900">
-              <a:sym typeface="+mn-ea"/>
-            </a:endParaRPr>
-          </a:p>
-        </p:txBody>
-      </p:sp>
-      <p:cxnSp>
-        <p:nvCxnSpPr>
-          <p:cNvPr id="21" name="Curved Connector 20"/>
-          <p:cNvCxnSpPr>
-            <a:stCxn id="9" idx="3"/>
-            <a:endCxn id="17" idx="1"/>
-          </p:cNvCxnSpPr>
-          <p:nvPr/>
-        </p:nvCxnSpPr>
-        <p:spPr>
-          <a:xfrm>
-            <a:off x="4288790" y="2952115"/>
-            <a:ext cx="1210945" cy="3175"/>
-          </a:xfrm>
-          <a:prstGeom prst="curvedConnector2">
-            <a:avLst/>
-          </a:prstGeom>
-          <a:ln>
-            <a:headEnd type="arrow"/>
-            <a:tailEnd type="arrow"/>
-          </a:ln>
-        </p:spPr>
-        <p:style>
-          <a:lnRef idx="1">
-            <a:schemeClr val="accent1"/>
-          </a:lnRef>
-          <a:fillRef idx="0">
-            <a:schemeClr val="accent1"/>
-          </a:fillRef>
-          <a:effectRef idx="0">
-            <a:schemeClr val="accent1"/>
-          </a:effectRef>
-          <a:fontRef idx="minor">
-            <a:schemeClr val="tx1"/>
-          </a:fontRef>
-        </p:style>
-      </p:cxnSp>
-      <p:sp>
-        <p:nvSpPr>
-          <p:cNvPr id="22" name="Rounded Rectangle 21"/>
-          <p:cNvSpPr/>
-          <p:nvPr/>
-        </p:nvSpPr>
-        <p:spPr>
-          <a:xfrm>
-            <a:off x="2912110" y="3769360"/>
-            <a:ext cx="1377315" cy="428625"/>
-          </a:xfrm>
-          <a:prstGeom prst="roundRect">
-            <a:avLst/>
-          </a:prstGeom>
-        </p:spPr>
-        <p:style>
-          <a:lnRef idx="2">
-            <a:schemeClr val="accent1">
-              <a:shade val="50000"/>
-            </a:schemeClr>
-          </a:lnRef>
-          <a:fillRef idx="1">
-            <a:schemeClr val="accent1"/>
-          </a:fillRef>
-          <a:effectRef idx="0">
-            <a:schemeClr val="accent1"/>
-          </a:effectRef>
-          <a:fontRef idx="minor">
-            <a:schemeClr val="lt1"/>
-          </a:fontRef>
-        </p:style>
-        <p:txBody>
-          <a:bodyPr rtlCol="0" anchor="ctr"/>
-          <a:p>
-            <a:pPr algn="ctr"/>
-            <a:r>
-              <a:rPr lang="en-US" sz="900"/>
-              <a:t>BookingPlatform- Booking Order</a:t>
-            </a:r>
-            <a:endParaRPr lang="en-US" sz="900"/>
-          </a:p>
-        </p:txBody>
-      </p:sp>
-      <p:cxnSp>
-        <p:nvCxnSpPr>
-          <p:cNvPr id="23" name="Straight Arrow Connector 22"/>
-          <p:cNvCxnSpPr>
-            <a:stCxn id="9" idx="2"/>
-            <a:endCxn id="22" idx="0"/>
-          </p:cNvCxnSpPr>
-          <p:nvPr/>
-        </p:nvCxnSpPr>
-        <p:spPr>
-          <a:xfrm>
-            <a:off x="3600450" y="3166110"/>
-            <a:ext cx="635" cy="603250"/>
-          </a:xfrm>
-          <a:prstGeom prst="straightConnector1">
-            <a:avLst/>
-          </a:prstGeom>
-          <a:ln>
-            <a:tailEnd type="arrow"/>
-          </a:ln>
-        </p:spPr>
-        <p:style>
-          <a:lnRef idx="1">
-            <a:schemeClr val="accent1"/>
-          </a:lnRef>
-          <a:fillRef idx="0">
-            <a:schemeClr val="accent1"/>
-          </a:fillRef>
-          <a:effectRef idx="0">
-            <a:schemeClr val="accent1"/>
-          </a:effectRef>
-          <a:fontRef idx="minor">
-            <a:schemeClr val="tx1"/>
-          </a:fontRef>
-        </p:style>
-      </p:cxnSp>
-      <p:cxnSp>
-        <p:nvCxnSpPr>
-          <p:cNvPr id="24" name="Curved Connector 23"/>
-          <p:cNvCxnSpPr>
-            <a:stCxn id="22" idx="3"/>
-            <a:endCxn id="17" idx="2"/>
-          </p:cNvCxnSpPr>
-          <p:nvPr/>
-        </p:nvCxnSpPr>
-        <p:spPr>
-          <a:xfrm flipV="1">
-            <a:off x="4289425" y="3166110"/>
-            <a:ext cx="1899285" cy="817880"/>
-          </a:xfrm>
-          <a:prstGeom prst="curvedConnector2">
-            <a:avLst/>
-          </a:prstGeom>
-          <a:ln>
-            <a:headEnd type="arrow"/>
-            <a:tailEnd type="arrow"/>
-          </a:ln>
-        </p:spPr>
-        <p:style>
-          <a:lnRef idx="1">
-            <a:schemeClr val="accent1"/>
-          </a:lnRef>
-          <a:fillRef idx="0">
-            <a:schemeClr val="accent1"/>
-          </a:fillRef>
-          <a:effectRef idx="0">
-            <a:schemeClr val="accent1"/>
-          </a:effectRef>
-          <a:fontRef idx="minor">
-            <a:schemeClr val="tx1"/>
-          </a:fontRef>
-        </p:style>
-      </p:cxnSp>
-      <p:sp>
-        <p:nvSpPr>
-          <p:cNvPr id="25" name="Text Box 24"/>
-          <p:cNvSpPr txBox="1"/>
-          <p:nvPr/>
-        </p:nvSpPr>
-        <p:spPr>
-          <a:xfrm>
-            <a:off x="5016500" y="3558540"/>
-            <a:ext cx="1078865" cy="245110"/>
-          </a:xfrm>
-          <a:prstGeom prst="rect">
-            <a:avLst/>
-          </a:prstGeom>
-          <a:noFill/>
-        </p:spPr>
-        <p:txBody>
-          <a:bodyPr wrap="square" rtlCol="0">
-            <a:spAutoFit/>
-          </a:bodyPr>
-          <a:p>
-            <a:r>
-              <a:rPr lang="en-US" sz="1000"/>
-              <a:t>Reserve Seat</a:t>
-            </a:r>
-            <a:endParaRPr lang="en-US" sz="1000"/>
-          </a:p>
-        </p:txBody>
-      </p:sp>
-      <p:sp>
-        <p:nvSpPr>
-          <p:cNvPr id="27" name="Rounded Rectangle 26"/>
-          <p:cNvSpPr/>
-          <p:nvPr/>
-        </p:nvSpPr>
-        <p:spPr>
-          <a:xfrm>
-            <a:off x="2912110" y="4801235"/>
-            <a:ext cx="1377315" cy="428625"/>
-          </a:xfrm>
-          <a:prstGeom prst="roundRect">
-            <a:avLst/>
-          </a:prstGeom>
-        </p:spPr>
-        <p:style>
-          <a:lnRef idx="2">
-            <a:schemeClr val="accent1">
-              <a:shade val="50000"/>
-            </a:schemeClr>
-          </a:lnRef>
-          <a:fillRef idx="1">
-            <a:schemeClr val="accent1"/>
-          </a:fillRef>
-          <a:effectRef idx="0">
-            <a:schemeClr val="accent1"/>
-          </a:effectRef>
-          <a:fontRef idx="minor">
-            <a:schemeClr val="lt1"/>
-          </a:fontRef>
-        </p:style>
-        <p:txBody>
-          <a:bodyPr rtlCol="0" anchor="ctr"/>
-          <a:p>
-            <a:pPr algn="ctr"/>
-            <a:r>
-              <a:rPr lang="en-US" sz="900"/>
-              <a:t>BookingPlatform- Payment</a:t>
-            </a:r>
-            <a:endParaRPr lang="en-US" sz="900"/>
-          </a:p>
-        </p:txBody>
-      </p:sp>
-      <p:sp>
-        <p:nvSpPr>
-          <p:cNvPr id="46" name="Rounded Rectangle 45"/>
-          <p:cNvSpPr/>
-          <p:nvPr/>
-        </p:nvSpPr>
-        <p:spPr>
-          <a:xfrm>
-            <a:off x="7571740" y="1570355"/>
-            <a:ext cx="2169795" cy="458470"/>
-          </a:xfrm>
-          <a:prstGeom prst="roundRect">
-            <a:avLst/>
-          </a:prstGeom>
-        </p:spPr>
-        <p:style>
-          <a:lnRef idx="2">
-            <a:schemeClr val="accent1">
-              <a:shade val="50000"/>
-            </a:schemeClr>
-          </a:lnRef>
-          <a:fillRef idx="1">
-            <a:schemeClr val="accent1"/>
-          </a:fillRef>
-          <a:effectRef idx="0">
-            <a:schemeClr val="accent1"/>
-          </a:effectRef>
-          <a:fontRef idx="minor">
-            <a:schemeClr val="lt1"/>
-          </a:fontRef>
-        </p:style>
-        <p:txBody>
-          <a:bodyPr rtlCol="0" anchor="ctr"/>
-          <a:p>
-            <a:pPr algn="ctr"/>
-            <a:r>
-              <a:rPr lang="en-US" sz="1200"/>
-              <a:t>BookingPlatform- PromotionMngt Service</a:t>
-            </a:r>
-            <a:endParaRPr lang="en-US" sz="1200"/>
-          </a:p>
-        </p:txBody>
-      </p:sp>
-      <p:cxnSp>
-        <p:nvCxnSpPr>
-          <p:cNvPr id="29" name="Curved Connector 28"/>
-          <p:cNvCxnSpPr>
-            <a:endCxn id="46" idx="2"/>
-          </p:cNvCxnSpPr>
-          <p:nvPr/>
-        </p:nvCxnSpPr>
-        <p:spPr>
-          <a:xfrm flipV="1">
-            <a:off x="4333875" y="2028825"/>
-            <a:ext cx="4323080" cy="1939290"/>
-          </a:xfrm>
-          <a:prstGeom prst="curvedConnector2">
-            <a:avLst/>
-          </a:prstGeom>
-          <a:ln>
-            <a:headEnd type="arrow"/>
-            <a:tailEnd type="arrow"/>
-          </a:ln>
-        </p:spPr>
-        <p:style>
-          <a:lnRef idx="1">
-            <a:schemeClr val="accent1"/>
-          </a:lnRef>
-          <a:fillRef idx="0">
-            <a:schemeClr val="accent1"/>
-          </a:fillRef>
-          <a:effectRef idx="0">
-            <a:schemeClr val="accent1"/>
-          </a:effectRef>
-          <a:fontRef idx="minor">
-            <a:schemeClr val="tx1"/>
-          </a:fontRef>
-        </p:style>
-      </p:cxnSp>
-      <p:cxnSp>
-        <p:nvCxnSpPr>
-          <p:cNvPr id="30" name="Curved Connector 29"/>
-          <p:cNvCxnSpPr>
-            <a:endCxn id="46" idx="2"/>
-          </p:cNvCxnSpPr>
-          <p:nvPr/>
-        </p:nvCxnSpPr>
-        <p:spPr>
-          <a:xfrm flipV="1">
-            <a:off x="4321810" y="2028825"/>
-            <a:ext cx="4335145" cy="922020"/>
-          </a:xfrm>
-          <a:prstGeom prst="curvedConnector2">
-            <a:avLst/>
-          </a:prstGeom>
-          <a:ln>
-            <a:headEnd type="arrow"/>
-            <a:tailEnd type="arrow"/>
-          </a:ln>
-        </p:spPr>
-        <p:style>
-          <a:lnRef idx="1">
-            <a:schemeClr val="accent1"/>
-          </a:lnRef>
-          <a:fillRef idx="0">
-            <a:schemeClr val="accent1"/>
-          </a:fillRef>
-          <a:effectRef idx="0">
-            <a:schemeClr val="accent1"/>
-          </a:effectRef>
-          <a:fontRef idx="minor">
-            <a:schemeClr val="tx1"/>
-          </a:fontRef>
-        </p:style>
-      </p:cxnSp>
-      <p:cxnSp>
-        <p:nvCxnSpPr>
-          <p:cNvPr id="31" name="Straight Arrow Connector 30"/>
-          <p:cNvCxnSpPr>
-            <a:stCxn id="22" idx="2"/>
-            <a:endCxn id="27" idx="0"/>
-          </p:cNvCxnSpPr>
-          <p:nvPr/>
-        </p:nvCxnSpPr>
-        <p:spPr>
-          <a:xfrm>
-            <a:off x="3601085" y="4197985"/>
-            <a:ext cx="0" cy="603250"/>
-          </a:xfrm>
-          <a:prstGeom prst="straightConnector1">
-            <a:avLst/>
-          </a:prstGeom>
-          <a:ln>
-            <a:tailEnd type="arrow"/>
-          </a:ln>
-        </p:spPr>
-        <p:style>
-          <a:lnRef idx="1">
-            <a:schemeClr val="accent1"/>
-          </a:lnRef>
-          <a:fillRef idx="0">
-            <a:schemeClr val="accent1"/>
-          </a:fillRef>
-          <a:effectRef idx="0">
-            <a:schemeClr val="accent1"/>
-          </a:effectRef>
-          <a:fontRef idx="minor">
-            <a:schemeClr val="tx1"/>
-          </a:fontRef>
-        </p:style>
-      </p:cxnSp>
-      <p:cxnSp>
-        <p:nvCxnSpPr>
-          <p:cNvPr id="33" name="Straight Arrow Connector 32"/>
-          <p:cNvCxnSpPr>
-            <a:stCxn id="17" idx="3"/>
-            <a:endCxn id="18" idx="2"/>
-          </p:cNvCxnSpPr>
-          <p:nvPr/>
-        </p:nvCxnSpPr>
-        <p:spPr>
-          <a:xfrm>
-            <a:off x="6877050" y="2952115"/>
-            <a:ext cx="436245" cy="0"/>
-          </a:xfrm>
-          <a:prstGeom prst="straightConnector1">
-            <a:avLst/>
-          </a:prstGeom>
-          <a:ln>
-            <a:tailEnd type="arrow"/>
-          </a:ln>
-        </p:spPr>
-        <p:style>
-          <a:lnRef idx="1">
-            <a:schemeClr val="accent1"/>
-          </a:lnRef>
-          <a:fillRef idx="0">
-            <a:schemeClr val="accent1"/>
-          </a:fillRef>
-          <a:effectRef idx="0">
-            <a:schemeClr val="accent1"/>
-          </a:effectRef>
-          <a:fontRef idx="minor">
-            <a:schemeClr val="tx1"/>
-          </a:fontRef>
-        </p:style>
-      </p:cxnSp>
-      <p:sp>
-        <p:nvSpPr>
-          <p:cNvPr id="34" name="Rounded Rectangle 33"/>
-          <p:cNvSpPr/>
-          <p:nvPr/>
-        </p:nvSpPr>
-        <p:spPr>
-          <a:xfrm>
-            <a:off x="6486525" y="5536565"/>
-            <a:ext cx="1377315" cy="428625"/>
-          </a:xfrm>
-          <a:prstGeom prst="roundRect">
-            <a:avLst/>
-          </a:prstGeom>
-        </p:spPr>
-        <p:style>
-          <a:lnRef idx="2">
-            <a:schemeClr val="accent1">
-              <a:shade val="50000"/>
-            </a:schemeClr>
-          </a:lnRef>
-          <a:fillRef idx="1">
-            <a:schemeClr val="accent1"/>
-          </a:fillRef>
-          <a:effectRef idx="0">
-            <a:schemeClr val="accent1"/>
-          </a:effectRef>
-          <a:fontRef idx="minor">
-            <a:schemeClr val="lt1"/>
-          </a:fontRef>
-        </p:style>
-        <p:txBody>
-          <a:bodyPr rtlCol="0" anchor="ctr"/>
-          <a:p>
-            <a:pPr algn="ctr"/>
-            <a:r>
-              <a:rPr lang="en-US" sz="900"/>
-              <a:t>BookingPlatform- Notification</a:t>
-            </a:r>
-            <a:endParaRPr lang="en-US" sz="900"/>
-          </a:p>
-        </p:txBody>
-      </p:sp>
-      <p:sp>
-        <p:nvSpPr>
-          <p:cNvPr id="60" name="Flowchart: Direct Access Storage 59"/>
-          <p:cNvSpPr/>
-          <p:nvPr/>
-        </p:nvSpPr>
-        <p:spPr>
-          <a:xfrm>
-            <a:off x="4812030" y="4897755"/>
-            <a:ext cx="1004570" cy="235585"/>
-          </a:xfrm>
-          <a:prstGeom prst="flowChartMagneticDrum">
-            <a:avLst/>
-          </a:prstGeom>
-          <a:ln>
-            <a:tailEnd type="arrow"/>
-          </a:ln>
-        </p:spPr>
-        <p:style>
-          <a:lnRef idx="1">
-            <a:schemeClr val="accent1"/>
-          </a:lnRef>
-          <a:fillRef idx="0">
-            <a:schemeClr val="accent1"/>
-          </a:fillRef>
-          <a:effectRef idx="0">
-            <a:schemeClr val="accent1"/>
-          </a:effectRef>
-          <a:fontRef idx="minor">
-            <a:schemeClr val="tx1"/>
-          </a:fontRef>
-        </p:style>
-        <p:txBody>
-          <a:bodyPr/>
-          <a:p>
-            <a:endParaRPr lang="en-US"/>
-          </a:p>
-        </p:txBody>
-      </p:sp>
-      <p:sp>
-        <p:nvSpPr>
-          <p:cNvPr id="35" name="Text Box 34"/>
-          <p:cNvSpPr txBox="1"/>
-          <p:nvPr/>
-        </p:nvSpPr>
-        <p:spPr>
-          <a:xfrm>
-            <a:off x="4886325" y="5229860"/>
-            <a:ext cx="1183640" cy="306705"/>
-          </a:xfrm>
-          <a:prstGeom prst="rect">
-            <a:avLst/>
-          </a:prstGeom>
-          <a:noFill/>
-        </p:spPr>
-        <p:txBody>
-          <a:bodyPr wrap="none" rtlCol="0" anchor="t">
-            <a:spAutoFit/>
-          </a:bodyPr>
-          <a:p>
-            <a:r>
-              <a:rPr lang="en-US" sz="1400">
-                <a:sym typeface="+mn-ea"/>
-              </a:rPr>
-              <a:t>kafka Queue</a:t>
-            </a:r>
-            <a:endParaRPr lang="en-US" sz="1400">
-              <a:sym typeface="+mn-ea"/>
-            </a:endParaRPr>
-          </a:p>
-        </p:txBody>
-      </p:sp>
-      <p:cxnSp>
-        <p:nvCxnSpPr>
-          <p:cNvPr id="36" name="Straight Arrow Connector 35"/>
-          <p:cNvCxnSpPr>
-            <a:stCxn id="27" idx="3"/>
-            <a:endCxn id="60" idx="1"/>
-          </p:cNvCxnSpPr>
-          <p:nvPr/>
-        </p:nvCxnSpPr>
-        <p:spPr>
-          <a:xfrm>
-            <a:off x="4289425" y="5015865"/>
-            <a:ext cx="522605" cy="0"/>
-          </a:xfrm>
-          <a:prstGeom prst="straightConnector1">
-            <a:avLst/>
-          </a:prstGeom>
-          <a:ln>
-            <a:tailEnd type="arrow"/>
-          </a:ln>
-        </p:spPr>
-        <p:style>
-          <a:lnRef idx="1">
-            <a:schemeClr val="accent1"/>
-          </a:lnRef>
-          <a:fillRef idx="0">
-            <a:schemeClr val="accent1"/>
-          </a:fillRef>
-          <a:effectRef idx="0">
-            <a:schemeClr val="accent1"/>
-          </a:effectRef>
-          <a:fontRef idx="minor">
-            <a:schemeClr val="tx1"/>
-          </a:fontRef>
-        </p:style>
-      </p:cxnSp>
-      <p:cxnSp>
-        <p:nvCxnSpPr>
-          <p:cNvPr id="37" name="Straight Arrow Connector 36"/>
-          <p:cNvCxnSpPr>
-            <a:stCxn id="60" idx="4"/>
-            <a:endCxn id="34" idx="1"/>
-          </p:cNvCxnSpPr>
-          <p:nvPr/>
-        </p:nvCxnSpPr>
-        <p:spPr>
-          <a:xfrm>
-            <a:off x="5816600" y="5015865"/>
-            <a:ext cx="669925" cy="735330"/>
-          </a:xfrm>
-          <a:prstGeom prst="straightConnector1">
-            <a:avLst/>
-          </a:prstGeom>
-          <a:ln>
-            <a:tailEnd type="arrow"/>
-          </a:ln>
-        </p:spPr>
-        <p:style>
-          <a:lnRef idx="1">
-            <a:schemeClr val="accent1"/>
-          </a:lnRef>
-          <a:fillRef idx="0">
-            <a:schemeClr val="accent1"/>
-          </a:fillRef>
-          <a:effectRef idx="0">
-            <a:schemeClr val="accent1"/>
-          </a:effectRef>
-          <a:fontRef idx="minor">
-            <a:schemeClr val="tx1"/>
-          </a:fontRef>
-        </p:style>
-      </p:cxnSp>
-      <p:sp>
-        <p:nvSpPr>
-          <p:cNvPr id="39" name="Rounded Rectangle 38"/>
-          <p:cNvSpPr/>
-          <p:nvPr/>
-        </p:nvSpPr>
-        <p:spPr>
-          <a:xfrm>
-            <a:off x="6406515" y="4596130"/>
-            <a:ext cx="1377315" cy="428625"/>
-          </a:xfrm>
-          <a:prstGeom prst="roundRect">
-            <a:avLst/>
-          </a:prstGeom>
-        </p:spPr>
-        <p:style>
-          <a:lnRef idx="2">
-            <a:schemeClr val="accent1">
-              <a:shade val="50000"/>
-            </a:schemeClr>
-          </a:lnRef>
-          <a:fillRef idx="1">
-            <a:schemeClr val="accent1"/>
-          </a:fillRef>
-          <a:effectRef idx="0">
-            <a:schemeClr val="accent1"/>
-          </a:effectRef>
-          <a:fontRef idx="minor">
-            <a:schemeClr val="lt1"/>
-          </a:fontRef>
-        </p:style>
-        <p:txBody>
-          <a:bodyPr rtlCol="0" anchor="ctr"/>
-          <a:p>
-            <a:pPr algn="ctr"/>
-            <a:r>
-              <a:rPr lang="en-US" sz="900"/>
-              <a:t>BookingPlatform- Post Order Processor</a:t>
-            </a:r>
-            <a:endParaRPr lang="en-US" sz="900"/>
-          </a:p>
-        </p:txBody>
-      </p:sp>
-      <p:cxnSp>
-        <p:nvCxnSpPr>
-          <p:cNvPr id="40" name="Straight Arrow Connector 39"/>
-          <p:cNvCxnSpPr>
-            <a:stCxn id="60" idx="4"/>
-            <a:endCxn id="39" idx="1"/>
-          </p:cNvCxnSpPr>
-          <p:nvPr/>
-        </p:nvCxnSpPr>
-        <p:spPr>
-          <a:xfrm flipV="1">
-            <a:off x="5816600" y="4810760"/>
-            <a:ext cx="589915" cy="205105"/>
-          </a:xfrm>
-          <a:prstGeom prst="straightConnector1">
-            <a:avLst/>
-          </a:prstGeom>
-          <a:ln>
-            <a:tailEnd type="arrow"/>
-          </a:ln>
-        </p:spPr>
-        <p:style>
-          <a:lnRef idx="1">
-            <a:schemeClr val="accent1"/>
-          </a:lnRef>
-          <a:fillRef idx="0">
-            <a:schemeClr val="accent1"/>
-          </a:fillRef>
-          <a:effectRef idx="0">
-            <a:schemeClr val="accent1"/>
-          </a:effectRef>
-          <a:fontRef idx="minor">
-            <a:schemeClr val="tx1"/>
-          </a:fontRef>
-        </p:style>
-      </p:cxnSp>
-      <p:cxnSp>
-        <p:nvCxnSpPr>
-          <p:cNvPr id="42" name="Curved Connector 41"/>
-          <p:cNvCxnSpPr>
-            <a:stCxn id="39" idx="0"/>
-          </p:cNvCxnSpPr>
-          <p:nvPr/>
-        </p:nvCxnSpPr>
-        <p:spPr>
-          <a:xfrm rot="16200000" flipV="1">
-            <a:off x="5951855" y="3453130"/>
-            <a:ext cx="1384935" cy="901065"/>
-          </a:xfrm>
-          <a:prstGeom prst="curvedConnector3">
-            <a:avLst>
-              <a:gd name="adj1" fmla="val 49977"/>
-            </a:avLst>
-          </a:prstGeom>
-          <a:ln>
-            <a:tailEnd type="arrow"/>
-          </a:ln>
-        </p:spPr>
-        <p:style>
-          <a:lnRef idx="1">
-            <a:schemeClr val="accent1"/>
-          </a:lnRef>
-          <a:fillRef idx="0">
-            <a:schemeClr val="accent1"/>
-          </a:fillRef>
-          <a:effectRef idx="0">
-            <a:schemeClr val="accent1"/>
-          </a:effectRef>
-          <a:fontRef idx="minor">
-            <a:schemeClr val="tx1"/>
-          </a:fontRef>
-        </p:style>
-      </p:cxnSp>
-      <p:sp>
-        <p:nvSpPr>
-          <p:cNvPr id="43" name="Text Box 42"/>
-          <p:cNvSpPr txBox="1"/>
-          <p:nvPr/>
-        </p:nvSpPr>
-        <p:spPr>
-          <a:xfrm>
-            <a:off x="7062470" y="4004945"/>
-            <a:ext cx="1748790" cy="229870"/>
-          </a:xfrm>
-          <a:prstGeom prst="rect">
-            <a:avLst/>
-          </a:prstGeom>
-          <a:noFill/>
-        </p:spPr>
-        <p:txBody>
-          <a:bodyPr wrap="square" rtlCol="0">
-            <a:spAutoFit/>
-          </a:bodyPr>
-          <a:p>
-            <a:r>
-              <a:rPr lang="en-US" sz="900"/>
-              <a:t>commit/rollback reserved seat</a:t>
-            </a:r>
-            <a:endParaRPr lang="en-US" sz="900"/>
-          </a:p>
-        </p:txBody>
-      </p:sp>
+              <a:rPr lang="en-US" sz="2800"/>
+              <a:t>Services Details</a:t>
+            </a:r>
+            <a:endParaRPr lang="en-US" sz="2800"/>
+          </a:p>
+        </p:txBody>
+      </p:sp>
+      <p:graphicFrame>
+        <p:nvGraphicFramePr>
+          <p:cNvPr id="4" name="Table 3"/>
+          <p:cNvGraphicFramePr/>
+          <p:nvPr/>
+        </p:nvGraphicFramePr>
+        <p:xfrm>
+          <a:off x="1122045" y="1344295"/>
+          <a:ext cx="8534400" cy="4419600"/>
+        </p:xfrm>
+        <a:graphic>
+          <a:graphicData uri="http://schemas.openxmlformats.org/drawingml/2006/table">
+            <a:tbl>
+              <a:tblPr firstRow="1" bandRow="1">
+                <a:tableStyleId>{5C22544A-7EE6-4342-B048-85BDC9FD1C3A}</a:tableStyleId>
+              </a:tblPr>
+              <a:tblGrid>
+                <a:gridCol w="4267200"/>
+                <a:gridCol w="4267200"/>
+              </a:tblGrid>
+              <a:tr h="381000">
+                <a:tc>
+                  <a:txBody>
+                    <a:bodyPr/>
+                    <a:p>
+                      <a:pPr>
+                        <a:buNone/>
+                      </a:pPr>
+                      <a:r>
+                        <a:rPr lang="en-US" sz="1200"/>
+                        <a:t>Service Name</a:t>
+                      </a:r>
+                      <a:endParaRPr lang="en-US" sz="1200"/>
+                    </a:p>
+                  </a:txBody>
+                  <a:tcPr/>
+                </a:tc>
+                <a:tc>
+                  <a:txBody>
+                    <a:bodyPr/>
+                    <a:p>
+                      <a:pPr>
+                        <a:buNone/>
+                      </a:pPr>
+                      <a:r>
+                        <a:rPr lang="en-US" sz="1200"/>
+                        <a:t>Description</a:t>
+                      </a:r>
+                      <a:endParaRPr lang="en-US" sz="1200"/>
+                    </a:p>
+                  </a:txBody>
+                  <a:tcPr/>
+                </a:tc>
+              </a:tr>
+              <a:tr h="381000">
+                <a:tc>
+                  <a:txBody>
+                    <a:bodyPr/>
+                    <a:p>
+                      <a:pPr algn="l">
+                        <a:buNone/>
+                      </a:pPr>
+                      <a:r>
+                        <a:rPr lang="en-US" sz="1200">
+                          <a:sym typeface="+mn-ea"/>
+                        </a:rPr>
+                        <a:t>BookingPlatform- PartnerService-UI</a:t>
+                      </a:r>
+                      <a:endParaRPr lang="en-US" sz="1200">
+                        <a:sym typeface="+mn-ea"/>
+                      </a:endParaRPr>
+                    </a:p>
+                  </a:txBody>
+                  <a:tcPr/>
+                </a:tc>
+                <a:tc>
+                  <a:txBody>
+                    <a:bodyPr/>
+                    <a:p>
+                      <a:pPr>
+                        <a:buNone/>
+                      </a:pPr>
+                      <a:r>
+                        <a:rPr lang="en-US" sz="1200"/>
+                        <a:t>UI Service to login Parternes and and manage the theather,shows</a:t>
+                      </a:r>
+                      <a:endParaRPr lang="en-US" sz="1200"/>
+                    </a:p>
+                  </a:txBody>
+                  <a:tcPr/>
+                </a:tc>
+              </a:tr>
+              <a:tr h="381000">
+                <a:tc>
+                  <a:txBody>
+                    <a:bodyPr/>
+                    <a:p>
+                      <a:pPr algn="l">
+                        <a:buNone/>
+                      </a:pPr>
+                      <a:r>
+                        <a:rPr lang="en-US" sz="1200">
+                          <a:sym typeface="+mn-ea"/>
+                        </a:rPr>
+                        <a:t>BookingPlatform- PartnerService-API</a:t>
+                      </a:r>
+                      <a:endParaRPr lang="en-US" sz="1200"/>
+                    </a:p>
+                    <a:p>
+                      <a:pPr algn="l">
+                        <a:buNone/>
+                      </a:pPr>
+                      <a:endParaRPr lang="en-US" sz="1200"/>
+                    </a:p>
+                  </a:txBody>
+                  <a:tcPr/>
+                </a:tc>
+                <a:tc>
+                  <a:txBody>
+                    <a:bodyPr/>
+                    <a:p>
+                      <a:pPr>
+                        <a:buNone/>
+                      </a:pPr>
+                      <a:r>
+                        <a:rPr lang="en-US" sz="1200"/>
+                        <a:t>Backend system of ParterService UI</a:t>
+                      </a:r>
+                      <a:endParaRPr lang="en-US" sz="1200"/>
+                    </a:p>
+                  </a:txBody>
+                  <a:tcPr/>
+                </a:tc>
+              </a:tr>
+              <a:tr h="381000">
+                <a:tc>
+                  <a:txBody>
+                    <a:bodyPr/>
+                    <a:p>
+                      <a:pPr algn="l">
+                        <a:buNone/>
+                      </a:pPr>
+                      <a:r>
+                        <a:rPr lang="en-US" sz="1200">
+                          <a:sym typeface="+mn-ea"/>
+                        </a:rPr>
+                        <a:t>BookingPlatform- Permission Service</a:t>
+                      </a:r>
+                      <a:endParaRPr lang="en-US" sz="1200"/>
+                    </a:p>
+                    <a:p>
+                      <a:pPr algn="l">
+                        <a:buNone/>
+                      </a:pPr>
+                      <a:endParaRPr lang="en-US" sz="1200"/>
+                    </a:p>
+                  </a:txBody>
+                  <a:tcPr/>
+                </a:tc>
+                <a:tc>
+                  <a:txBody>
+                    <a:bodyPr/>
+                    <a:p>
+                      <a:pPr>
+                        <a:buNone/>
+                      </a:pPr>
+                      <a:r>
+                        <a:rPr lang="en-US" sz="1200"/>
+                        <a:t>Permission service for for Parterns and OPS </a:t>
+                      </a:r>
+                      <a:endParaRPr lang="en-US" sz="1200"/>
+                    </a:p>
+                  </a:txBody>
+                  <a:tcPr/>
+                </a:tc>
+              </a:tr>
+              <a:tr h="381000">
+                <a:tc>
+                  <a:txBody>
+                    <a:bodyPr/>
+                    <a:p>
+                      <a:pPr algn="l">
+                        <a:buNone/>
+                      </a:pPr>
+                      <a:r>
+                        <a:rPr lang="en-US" sz="1200">
+                          <a:sym typeface="+mn-ea"/>
+                        </a:rPr>
+                        <a:t>BookingPlatform- PartnerManagement</a:t>
+                      </a:r>
+                      <a:endParaRPr lang="en-US" sz="1200"/>
+                    </a:p>
+                    <a:p>
+                      <a:pPr algn="l">
+                        <a:buNone/>
+                      </a:pPr>
+                      <a:endParaRPr lang="en-US" sz="1200"/>
+                    </a:p>
+                  </a:txBody>
+                  <a:tcPr/>
+                </a:tc>
+                <a:tc>
+                  <a:txBody>
+                    <a:bodyPr/>
+                    <a:p>
+                      <a:pPr>
+                        <a:buNone/>
+                      </a:pPr>
+                      <a:r>
+                        <a:rPr lang="en-US" sz="1200"/>
+                        <a:t>Registration of partner , partner details , partner contract details</a:t>
+                      </a:r>
+                      <a:endParaRPr lang="en-US" sz="1200"/>
+                    </a:p>
+                  </a:txBody>
+                  <a:tcPr/>
+                </a:tc>
+              </a:tr>
+              <a:tr h="381000">
+                <a:tc>
+                  <a:txBody>
+                    <a:bodyPr/>
+                    <a:p>
+                      <a:pPr algn="l">
+                        <a:buNone/>
+                      </a:pPr>
+                      <a:r>
+                        <a:rPr lang="en-US" sz="1200">
+                          <a:sym typeface="+mn-ea"/>
+                        </a:rPr>
+                        <a:t>BookingPlatform- Theatre</a:t>
+                      </a:r>
+                      <a:endParaRPr lang="en-US" sz="1200"/>
+                    </a:p>
+                    <a:p>
+                      <a:pPr algn="l">
+                        <a:buNone/>
+                      </a:pPr>
+                      <a:endParaRPr lang="en-US" sz="1200"/>
+                    </a:p>
+                  </a:txBody>
+                  <a:tcPr/>
+                </a:tc>
+                <a:tc>
+                  <a:txBody>
+                    <a:bodyPr/>
+                    <a:p>
+                      <a:pPr>
+                        <a:buNone/>
+                      </a:pPr>
+                      <a:r>
+                        <a:rPr lang="en-US" sz="1200"/>
+                        <a:t>Service to manage theater of partners, screen, seats etc </a:t>
+                      </a:r>
+                      <a:endParaRPr lang="en-US" sz="1200"/>
+                    </a:p>
+                  </a:txBody>
+                  <a:tcPr/>
+                </a:tc>
+              </a:tr>
+              <a:tr h="381000">
+                <a:tc>
+                  <a:txBody>
+                    <a:bodyPr/>
+                    <a:p>
+                      <a:pPr algn="l"/>
+                      <a:r>
+                        <a:rPr lang="en-US" sz="1200">
+                          <a:sym typeface="+mn-ea"/>
+                        </a:rPr>
+                        <a:t>BookingPlatform- MovieManagement</a:t>
+                      </a:r>
+                      <a:endParaRPr lang="en-US" sz="1200">
+                        <a:sym typeface="+mn-ea"/>
+                      </a:endParaRPr>
+                    </a:p>
+                  </a:txBody>
+                  <a:tcPr/>
+                </a:tc>
+                <a:tc>
+                  <a:txBody>
+                    <a:bodyPr/>
+                    <a:p>
+                      <a:pPr>
+                        <a:buNone/>
+                      </a:pPr>
+                      <a:r>
+                        <a:rPr lang="en-US" sz="1200"/>
+                        <a:t>Management of Movies , add/delete/update/query movies going to release with release date etc.</a:t>
+                      </a:r>
+                      <a:endParaRPr lang="en-US" sz="1200"/>
+                    </a:p>
+                  </a:txBody>
+                  <a:tcPr/>
+                </a:tc>
+              </a:tr>
+              <a:tr h="381000">
+                <a:tc>
+                  <a:txBody>
+                    <a:bodyPr/>
+                    <a:p>
+                      <a:pPr algn="l">
+                        <a:buNone/>
+                      </a:pPr>
+                      <a:r>
+                        <a:rPr lang="en-US" sz="1200">
+                          <a:sym typeface="+mn-ea"/>
+                        </a:rPr>
+                        <a:t>BookingçPlatform- ShowManagement</a:t>
+                      </a:r>
+                      <a:endParaRPr lang="en-US" sz="1200"/>
+                    </a:p>
+                    <a:p>
+                      <a:pPr algn="l">
+                        <a:buNone/>
+                      </a:pPr>
+                      <a:endParaRPr lang="en-US" sz="1200"/>
+                    </a:p>
+                  </a:txBody>
+                  <a:tcPr/>
+                </a:tc>
+                <a:tc>
+                  <a:txBody>
+                    <a:bodyPr/>
+                    <a:p>
+                      <a:pPr>
+                        <a:buNone/>
+                      </a:pPr>
+                      <a:r>
+                        <a:rPr lang="en-US" sz="1200"/>
+                        <a:t>Creation of movies by selecting Theater,screen, show timing etc</a:t>
+                      </a:r>
+                      <a:endParaRPr lang="en-US" sz="1200"/>
+                    </a:p>
+                  </a:txBody>
+                  <a:tcPr/>
+                </a:tc>
+              </a:tr>
+              <a:tr h="381000">
+                <a:tc>
+                  <a:txBody>
+                    <a:bodyPr/>
+                    <a:p>
+                      <a:pPr algn="l">
+                        <a:buNone/>
+                      </a:pPr>
+                      <a:r>
+                        <a:rPr lang="en-US" sz="1200">
+                          <a:sym typeface="+mn-ea"/>
+                        </a:rPr>
+                        <a:t>BookingçPlatform- Data Fusion</a:t>
+                      </a:r>
+                      <a:endParaRPr lang="en-US" sz="1200"/>
+                    </a:p>
+                    <a:p>
+                      <a:pPr algn="l">
+                        <a:buNone/>
+                      </a:pPr>
+                      <a:endParaRPr lang="en-US" sz="1200"/>
+                    </a:p>
+                  </a:txBody>
+                  <a:tcPr/>
+                </a:tc>
+                <a:tc>
+                  <a:txBody>
+                    <a:bodyPr/>
+                    <a:p>
+                      <a:pPr>
+                        <a:buNone/>
+                      </a:pPr>
+                      <a:r>
+                        <a:rPr lang="en-US" sz="1200"/>
+                        <a:t>Synchronizing Shows data from different region to central DB</a:t>
+                      </a:r>
+                      <a:endParaRPr lang="en-US" sz="1200"/>
+                    </a:p>
+                  </a:txBody>
+                  <a:tcPr/>
+                </a:tc>
+              </a:tr>
+              <a:tr h="381000">
+                <a:tc>
+                  <a:txBody>
+                    <a:bodyPr/>
+                    <a:p>
+                      <a:pPr algn="l">
+                        <a:buNone/>
+                      </a:pPr>
+                      <a:r>
+                        <a:rPr lang="en-US" sz="1200">
+                          <a:sym typeface="+mn-ea"/>
+                        </a:rPr>
+                        <a:t>BookingPlatform- PromotionMngt Service</a:t>
+                      </a:r>
+                      <a:endParaRPr lang="en-US" sz="1200"/>
+                    </a:p>
+                    <a:p>
+                      <a:pPr algn="l">
+                        <a:buNone/>
+                      </a:pPr>
+                      <a:endParaRPr lang="en-US" sz="1200"/>
+                    </a:p>
+                  </a:txBody>
+                  <a:tcPr/>
+                </a:tc>
+                <a:tc>
+                  <a:txBody>
+                    <a:bodyPr/>
+                    <a:p>
+                      <a:pPr>
+                        <a:buNone/>
+                      </a:pPr>
+                      <a:r>
+                        <a:rPr lang="en-US" sz="1200"/>
+                        <a:t>Partner can create promotion for shows and discounts can be offer</a:t>
+                      </a:r>
+                      <a:endParaRPr lang="en-US" sz="1200"/>
+                    </a:p>
+                  </a:txBody>
+                  <a:tcPr/>
+                </a:tc>
+              </a:tr>
+            </a:tbl>
+          </a:graphicData>
+        </a:graphic>
+      </p:graphicFrame>
     </p:spTree>
   </p:cSld>
   <p:clrMapOvr>
@@ -6800,14 +6330,122 @@
       <p:grpSpPr/>
       <p:sp>
         <p:nvSpPr>
-          <p:cNvPr id="5" name="Text Box 4"/>
+          <p:cNvPr id="2" name="Title 1"/>
+          <p:cNvSpPr>
+            <a:spLocks noGrp="1"/>
+          </p:cNvSpPr>
+          <p:nvPr>
+            <p:ph type="title"/>
+          </p:nvPr>
+        </p:nvSpPr>
+        <p:spPr>
+          <a:xfrm>
+            <a:off x="788035" y="316865"/>
+            <a:ext cx="10615295" cy="521335"/>
+          </a:xfrm>
+        </p:spPr>
+        <p:txBody>
+          <a:bodyPr>
+            <a:normAutofit fontScale="90000"/>
+          </a:bodyPr>
+          <a:p>
+            <a:r>
+              <a:rPr lang="en-US" sz="3110">
+                <a:sym typeface="+mn-ea"/>
+              </a:rPr>
+              <a:t>Online Movie Booking Platfrom L1 User Architecture Architecture</a:t>
+            </a:r>
+            <a:br>
+              <a:rPr lang="en-US"/>
+            </a:br>
+            <a:endParaRPr lang="en-US"/>
+          </a:p>
+        </p:txBody>
+      </p:sp>
+      <p:sp>
+        <p:nvSpPr>
+          <p:cNvPr id="11" name="Smiley Face 10"/>
+          <p:cNvSpPr/>
+          <p:nvPr/>
+        </p:nvSpPr>
+        <p:spPr>
+          <a:xfrm>
+            <a:off x="180340" y="1596390"/>
+            <a:ext cx="198120" cy="222885"/>
+          </a:xfrm>
+          <a:prstGeom prst="smileyFace">
+            <a:avLst/>
+          </a:prstGeom>
+          <a:ln>
+            <a:tailEnd type="arrow"/>
+          </a:ln>
+        </p:spPr>
+        <p:style>
+          <a:lnRef idx="1">
+            <a:schemeClr val="accent1"/>
+          </a:lnRef>
+          <a:fillRef idx="0">
+            <a:schemeClr val="accent1"/>
+          </a:fillRef>
+          <a:effectRef idx="0">
+            <a:schemeClr val="accent1"/>
+          </a:effectRef>
+          <a:fontRef idx="minor">
+            <a:schemeClr val="tx1"/>
+          </a:fontRef>
+        </p:style>
+        <p:txBody>
+          <a:bodyPr/>
+          <a:p>
+            <a:endParaRPr lang="en-US"/>
+          </a:p>
+        </p:txBody>
+      </p:sp>
+      <p:cxnSp>
+        <p:nvCxnSpPr>
+          <p:cNvPr id="12" name="Straight Arrow Connector 11"/>
+          <p:cNvCxnSpPr>
+            <a:stCxn id="11" idx="6"/>
+          </p:cNvCxnSpPr>
+          <p:nvPr/>
+        </p:nvCxnSpPr>
+        <p:spPr>
+          <a:xfrm>
+            <a:off x="378460" y="1708150"/>
+            <a:ext cx="1053465" cy="0"/>
+          </a:xfrm>
+          <a:prstGeom prst="straightConnector1">
+            <a:avLst/>
+          </a:prstGeom>
+          <a:ln>
+            <a:tailEnd type="arrow"/>
+          </a:ln>
+        </p:spPr>
+        <p:style>
+          <a:lnRef idx="1">
+            <a:schemeClr val="accent1"/>
+          </a:lnRef>
+          <a:fillRef idx="0">
+            <a:schemeClr val="accent1"/>
+          </a:fillRef>
+          <a:effectRef idx="0">
+            <a:schemeClr val="accent1"/>
+          </a:effectRef>
+          <a:fontRef idx="minor">
+            <a:schemeClr val="tx1"/>
+          </a:fontRef>
+        </p:style>
+      </p:cxnSp>
+      <p:sp>
+        <p:nvSpPr>
+          <p:cNvPr id="13" name="Text Box 12"/>
           <p:cNvSpPr txBox="1"/>
           <p:nvPr/>
         </p:nvSpPr>
         <p:spPr>
           <a:xfrm>
-            <a:off x="1097280" y="284480"/>
-            <a:ext cx="8272145" cy="368300"/>
+            <a:off x="87630" y="2002155"/>
+            <a:ext cx="558165" cy="398780"/>
           </a:xfrm>
           <a:prstGeom prst="rect">
             <a:avLst/>
@@ -6820,8 +6458,2098 @@
           </a:bodyPr>
           <a:p>
             <a:r>
+              <a:rPr lang="en-US" sz="1000"/>
+              <a:t>End User</a:t>
+            </a:r>
+            <a:endParaRPr lang="en-US" sz="1000"/>
+          </a:p>
+        </p:txBody>
+      </p:sp>
+      <p:grpSp>
+        <p:nvGrpSpPr>
+          <p:cNvPr id="3" name="Group 2"/>
+          <p:cNvGrpSpPr/>
+          <p:nvPr/>
+        </p:nvGrpSpPr>
+        <p:grpSpPr>
+          <a:xfrm>
+            <a:off x="3714115" y="1259205"/>
+            <a:ext cx="6039913" cy="4031497"/>
+            <a:chOff x="1241" y="1601"/>
+            <a:chExt cx="14100" cy="7793"/>
+          </a:xfrm>
+        </p:grpSpPr>
+        <p:sp>
+          <p:nvSpPr>
+            <p:cNvPr id="26" name="Rounded Rectangle 25"/>
+            <p:cNvSpPr/>
+            <p:nvPr/>
+          </p:nvSpPr>
+          <p:spPr>
+            <a:xfrm>
+              <a:off x="1241" y="2478"/>
+              <a:ext cx="2169" cy="675"/>
+            </a:xfrm>
+            <a:prstGeom prst="roundRect">
+              <a:avLst/>
+            </a:prstGeom>
+          </p:spPr>
+          <p:style>
+            <a:lnRef idx="2">
+              <a:schemeClr val="accent1">
+                <a:shade val="50000"/>
+              </a:schemeClr>
+            </a:lnRef>
+            <a:fillRef idx="1">
+              <a:schemeClr val="accent1"/>
+            </a:fillRef>
+            <a:effectRef idx="0">
+              <a:schemeClr val="accent1"/>
+            </a:effectRef>
+            <a:fontRef idx="minor">
+              <a:schemeClr val="lt1"/>
+            </a:fontRef>
+          </p:style>
+          <p:txBody>
+            <a:bodyPr rtlCol="0" anchor="ctr"/>
+            <a:p>
+              <a:pPr algn="ctr"/>
+              <a:r>
+                <a:rPr lang="en-US" sz="800"/>
+                <a:t>BookingPlatform- EndService-UI</a:t>
+              </a:r>
+              <a:endParaRPr lang="en-US" sz="800"/>
+            </a:p>
+          </p:txBody>
+        </p:sp>
+        <p:sp>
+          <p:nvSpPr>
+            <p:cNvPr id="4" name="Rounded Rectangle 3"/>
+            <p:cNvSpPr/>
+            <p:nvPr/>
+          </p:nvSpPr>
+          <p:spPr>
+            <a:xfrm>
+              <a:off x="4585" y="2478"/>
+              <a:ext cx="2169" cy="675"/>
+            </a:xfrm>
+            <a:prstGeom prst="roundRect">
+              <a:avLst/>
+            </a:prstGeom>
+          </p:spPr>
+          <p:style>
+            <a:lnRef idx="2">
+              <a:schemeClr val="accent1">
+                <a:shade val="50000"/>
+              </a:schemeClr>
+            </a:lnRef>
+            <a:fillRef idx="1">
+              <a:schemeClr val="accent1"/>
+            </a:fillRef>
+            <a:effectRef idx="0">
+              <a:schemeClr val="accent1"/>
+            </a:effectRef>
+            <a:fontRef idx="minor">
+              <a:schemeClr val="lt1"/>
+            </a:fontRef>
+          </p:style>
+          <p:txBody>
+            <a:bodyPr rtlCol="0" anchor="ctr"/>
+            <a:p>
+              <a:pPr algn="ctr"/>
+              <a:r>
+                <a:rPr lang="en-US" sz="800"/>
+                <a:t>BookingPlatform- BrowseMovie</a:t>
+              </a:r>
+              <a:endParaRPr lang="en-US" sz="800"/>
+            </a:p>
+          </p:txBody>
+        </p:sp>
+        <p:sp>
+          <p:nvSpPr>
+            <p:cNvPr id="41" name="Rounded Rectangle 40"/>
+            <p:cNvSpPr/>
+            <p:nvPr/>
+          </p:nvSpPr>
+          <p:spPr>
+            <a:xfrm>
+              <a:off x="8371" y="2478"/>
+              <a:ext cx="2459" cy="675"/>
+            </a:xfrm>
+            <a:prstGeom prst="roundRect">
+              <a:avLst/>
+            </a:prstGeom>
+          </p:spPr>
+          <p:style>
+            <a:lnRef idx="2">
+              <a:schemeClr val="accent1">
+                <a:shade val="50000"/>
+              </a:schemeClr>
+            </a:lnRef>
+            <a:fillRef idx="1">
+              <a:schemeClr val="accent1"/>
+            </a:fillRef>
+            <a:effectRef idx="0">
+              <a:schemeClr val="accent1"/>
+            </a:effectRef>
+            <a:fontRef idx="minor">
+              <a:schemeClr val="lt1"/>
+            </a:fontRef>
+          </p:style>
+          <p:txBody>
+            <a:bodyPr vertOverflow="overflow" horzOverflow="overflow" vert="horz" wrap="square" numCol="1" spcCol="0" rtlCol="0" fromWordArt="0" anchor="ctr" anchorCtr="0" forceAA="0" compatLnSpc="1">
+              <a:noAutofit/>
+            </a:bodyPr>
+            <a:p>
+              <a:pPr lvl="0" algn="ctr">
+                <a:buClrTx/>
+                <a:buSzTx/>
+                <a:buFontTx/>
+              </a:pPr>
+              <a:r>
+                <a:rPr lang="en-US" sz="800">
+                  <a:sym typeface="+mn-ea"/>
+                </a:rPr>
+                <a:t>BookingPlatform- ShowManagement</a:t>
+              </a:r>
+              <a:endParaRPr lang="en-US" sz="800">
+                <a:sym typeface="+mn-ea"/>
+              </a:endParaRPr>
+            </a:p>
+          </p:txBody>
+        </p:sp>
+        <p:sp>
+          <p:nvSpPr>
+            <p:cNvPr id="5" name="Flowchart: Magnetic Disk 4"/>
+            <p:cNvSpPr/>
+            <p:nvPr/>
+          </p:nvSpPr>
+          <p:spPr>
+            <a:xfrm>
+              <a:off x="7138" y="1601"/>
+              <a:ext cx="606" cy="605"/>
+            </a:xfrm>
+            <a:prstGeom prst="flowChartMagneticDisk">
+              <a:avLst/>
+            </a:prstGeom>
+            <a:ln>
+              <a:tailEnd type="arrow"/>
+            </a:ln>
+          </p:spPr>
+          <p:style>
+            <a:lnRef idx="1">
+              <a:schemeClr val="accent1"/>
+            </a:lnRef>
+            <a:fillRef idx="0">
+              <a:schemeClr val="accent1"/>
+            </a:fillRef>
+            <a:effectRef idx="0">
+              <a:schemeClr val="accent1"/>
+            </a:effectRef>
+            <a:fontRef idx="minor">
+              <a:schemeClr val="tx1"/>
+            </a:fontRef>
+          </p:style>
+          <p:txBody>
+            <a:bodyPr/>
+            <a:p>
+              <a:endParaRPr lang="en-US" sz="800"/>
+            </a:p>
+          </p:txBody>
+        </p:sp>
+        <p:sp>
+          <p:nvSpPr>
+            <p:cNvPr id="6" name="Text Box 5"/>
+            <p:cNvSpPr txBox="1"/>
+            <p:nvPr/>
+          </p:nvSpPr>
+          <p:spPr>
+            <a:xfrm>
+              <a:off x="7744" y="1601"/>
+              <a:ext cx="1250" cy="414"/>
+            </a:xfrm>
+            <a:prstGeom prst="rect">
+              <a:avLst/>
+            </a:prstGeom>
+            <a:noFill/>
+          </p:spPr>
+          <p:txBody>
+            <a:bodyPr wrap="square" rtlCol="0">
+              <a:spAutoFit/>
+            </a:bodyPr>
+            <a:p>
+              <a:r>
+                <a:rPr lang="en-US" sz="800"/>
+                <a:t>cache</a:t>
+              </a:r>
+              <a:endParaRPr lang="en-US" sz="800"/>
+            </a:p>
+          </p:txBody>
+        </p:sp>
+        <p:cxnSp>
+          <p:nvCxnSpPr>
+            <p:cNvPr id="7" name="Elbow Connector 6"/>
+            <p:cNvCxnSpPr>
+              <a:stCxn id="5" idx="2"/>
+              <a:endCxn id="4" idx="0"/>
+            </p:cNvCxnSpPr>
+            <p:nvPr/>
+          </p:nvCxnSpPr>
+          <p:spPr>
+            <a:xfrm rot="10800000" flipV="1">
+              <a:off x="5670" y="1904"/>
+              <a:ext cx="1468" cy="574"/>
+            </a:xfrm>
+            <a:prstGeom prst="bentConnector2">
+              <a:avLst/>
+            </a:prstGeom>
+            <a:ln>
+              <a:tailEnd type="arrow"/>
+            </a:ln>
+          </p:spPr>
+          <p:style>
+            <a:lnRef idx="1">
+              <a:schemeClr val="accent1"/>
+            </a:lnRef>
+            <a:fillRef idx="0">
+              <a:schemeClr val="accent1"/>
+            </a:fillRef>
+            <a:effectRef idx="0">
+              <a:schemeClr val="accent1"/>
+            </a:effectRef>
+            <a:fontRef idx="minor">
+              <a:schemeClr val="tx1"/>
+            </a:fontRef>
+          </p:style>
+        </p:cxnSp>
+        <p:cxnSp>
+          <p:nvCxnSpPr>
+            <p:cNvPr id="8" name="Straight Arrow Connector 7"/>
+            <p:cNvCxnSpPr>
+              <a:stCxn id="26" idx="3"/>
+              <a:endCxn id="4" idx="1"/>
+            </p:cNvCxnSpPr>
+            <p:nvPr/>
+          </p:nvCxnSpPr>
+          <p:spPr>
+            <a:xfrm>
+              <a:off x="3410" y="2816"/>
+              <a:ext cx="1175" cy="0"/>
+            </a:xfrm>
+            <a:prstGeom prst="straightConnector1">
+              <a:avLst/>
+            </a:prstGeom>
+            <a:ln>
+              <a:tailEnd type="arrow"/>
+            </a:ln>
+          </p:spPr>
+          <p:style>
+            <a:lnRef idx="1">
+              <a:schemeClr val="accent1"/>
+            </a:lnRef>
+            <a:fillRef idx="0">
+              <a:schemeClr val="accent1"/>
+            </a:fillRef>
+            <a:effectRef idx="0">
+              <a:schemeClr val="accent1"/>
+            </a:effectRef>
+            <a:fontRef idx="minor">
+              <a:schemeClr val="tx1"/>
+            </a:fontRef>
+          </p:style>
+        </p:cxnSp>
+        <p:sp>
+          <p:nvSpPr>
+            <p:cNvPr id="9" name="Rounded Rectangle 8"/>
+            <p:cNvSpPr/>
+            <p:nvPr/>
+          </p:nvSpPr>
+          <p:spPr>
+            <a:xfrm>
+              <a:off x="4585" y="4311"/>
+              <a:ext cx="2169" cy="675"/>
+            </a:xfrm>
+            <a:prstGeom prst="roundRect">
+              <a:avLst/>
+            </a:prstGeom>
+          </p:spPr>
+          <p:style>
+            <a:lnRef idx="2">
+              <a:schemeClr val="accent1">
+                <a:shade val="50000"/>
+              </a:schemeClr>
+            </a:lnRef>
+            <a:fillRef idx="1">
+              <a:schemeClr val="accent1"/>
+            </a:fillRef>
+            <a:effectRef idx="0">
+              <a:schemeClr val="accent1"/>
+            </a:effectRef>
+            <a:fontRef idx="minor">
+              <a:schemeClr val="lt1"/>
+            </a:fontRef>
+          </p:style>
+          <p:txBody>
+            <a:bodyPr rtlCol="0" anchor="ctr"/>
+            <a:p>
+              <a:pPr algn="ctr"/>
+              <a:r>
+                <a:rPr lang="en-US" sz="800"/>
+                <a:t>BookingPlatform- Booking Aggregator</a:t>
+              </a:r>
+              <a:endParaRPr lang="en-US" sz="800"/>
+            </a:p>
+          </p:txBody>
+        </p:sp>
+        <p:cxnSp>
+          <p:nvCxnSpPr>
+            <p:cNvPr id="14" name="Straight Arrow Connector 13"/>
+            <p:cNvCxnSpPr>
+              <a:stCxn id="4" idx="2"/>
+              <a:endCxn id="9" idx="0"/>
+            </p:cNvCxnSpPr>
+            <p:nvPr/>
+          </p:nvCxnSpPr>
+          <p:spPr>
+            <a:xfrm>
+              <a:off x="5670" y="3153"/>
+              <a:ext cx="0" cy="1158"/>
+            </a:xfrm>
+            <a:prstGeom prst="straightConnector1">
+              <a:avLst/>
+            </a:prstGeom>
+            <a:ln>
+              <a:tailEnd type="arrow"/>
+            </a:ln>
+          </p:spPr>
+          <p:style>
+            <a:lnRef idx="1">
+              <a:schemeClr val="accent1"/>
+            </a:lnRef>
+            <a:fillRef idx="0">
+              <a:schemeClr val="accent1"/>
+            </a:fillRef>
+            <a:effectRef idx="0">
+              <a:schemeClr val="accent1"/>
+            </a:effectRef>
+            <a:fontRef idx="minor">
+              <a:schemeClr val="tx1"/>
+            </a:fontRef>
+          </p:style>
+        </p:cxnSp>
+        <p:cxnSp>
+          <p:nvCxnSpPr>
+            <p:cNvPr id="16" name="Curved Connector 15"/>
+            <p:cNvCxnSpPr>
+              <a:stCxn id="41" idx="2"/>
+              <a:endCxn id="9" idx="3"/>
+            </p:cNvCxnSpPr>
+            <p:nvPr/>
+          </p:nvCxnSpPr>
+          <p:spPr>
+            <a:xfrm rot="5400000">
+              <a:off x="7429" y="2477"/>
+              <a:ext cx="1496" cy="2847"/>
+            </a:xfrm>
+            <a:prstGeom prst="curvedConnector2">
+              <a:avLst/>
+            </a:prstGeom>
+            <a:ln>
+              <a:headEnd type="arrow"/>
+              <a:tailEnd type="arrow"/>
+            </a:ln>
+          </p:spPr>
+          <p:style>
+            <a:lnRef idx="1">
+              <a:schemeClr val="accent1"/>
+            </a:lnRef>
+            <a:fillRef idx="0">
+              <a:schemeClr val="accent1"/>
+            </a:fillRef>
+            <a:effectRef idx="0">
+              <a:schemeClr val="accent1"/>
+            </a:effectRef>
+            <a:fontRef idx="minor">
+              <a:schemeClr val="tx1"/>
+            </a:fontRef>
+          </p:style>
+        </p:cxnSp>
+        <p:sp>
+          <p:nvSpPr>
+            <p:cNvPr id="17" name="Rounded Rectangle 16"/>
+            <p:cNvSpPr/>
+            <p:nvPr/>
+          </p:nvSpPr>
+          <p:spPr>
+            <a:xfrm>
+              <a:off x="8661" y="4311"/>
+              <a:ext cx="2169" cy="675"/>
+            </a:xfrm>
+            <a:prstGeom prst="roundRect">
+              <a:avLst/>
+            </a:prstGeom>
+          </p:spPr>
+          <p:style>
+            <a:lnRef idx="2">
+              <a:schemeClr val="accent1">
+                <a:shade val="50000"/>
+              </a:schemeClr>
+            </a:lnRef>
+            <a:fillRef idx="1">
+              <a:schemeClr val="accent1"/>
+            </a:fillRef>
+            <a:effectRef idx="0">
+              <a:schemeClr val="accent1"/>
+            </a:effectRef>
+            <a:fontRef idx="minor">
+              <a:schemeClr val="lt1"/>
+            </a:fontRef>
+          </p:style>
+          <p:txBody>
+            <a:bodyPr rtlCol="0" anchor="ctr"/>
+            <a:p>
+              <a:pPr algn="ctr"/>
+              <a:r>
+                <a:rPr lang="en-US" sz="800"/>
+                <a:t>BookingPlatform-Seat Selector</a:t>
+              </a:r>
+              <a:endParaRPr lang="en-US" sz="800"/>
+            </a:p>
+          </p:txBody>
+        </p:sp>
+        <p:sp>
+          <p:nvSpPr>
+            <p:cNvPr id="18" name="Flowchart: Magnetic Disk 17"/>
+            <p:cNvSpPr/>
+            <p:nvPr/>
+          </p:nvSpPr>
+          <p:spPr>
+            <a:xfrm>
+              <a:off x="11517" y="4346"/>
+              <a:ext cx="606" cy="605"/>
+            </a:xfrm>
+            <a:prstGeom prst="flowChartMagneticDisk">
+              <a:avLst/>
+            </a:prstGeom>
+            <a:ln>
+              <a:tailEnd type="arrow"/>
+            </a:ln>
+          </p:spPr>
+          <p:style>
+            <a:lnRef idx="1">
+              <a:schemeClr val="accent1"/>
+            </a:lnRef>
+            <a:fillRef idx="0">
+              <a:schemeClr val="accent1"/>
+            </a:fillRef>
+            <a:effectRef idx="0">
+              <a:schemeClr val="accent1"/>
+            </a:effectRef>
+            <a:fontRef idx="minor">
+              <a:schemeClr val="tx1"/>
+            </a:fontRef>
+          </p:style>
+          <p:txBody>
+            <a:bodyPr/>
+            <a:p>
+              <a:endParaRPr lang="en-US" sz="800"/>
+            </a:p>
+          </p:txBody>
+        </p:sp>
+        <p:sp>
+          <p:nvSpPr>
+            <p:cNvPr id="19" name="Text Box 18"/>
+            <p:cNvSpPr txBox="1"/>
+            <p:nvPr/>
+          </p:nvSpPr>
+          <p:spPr>
+            <a:xfrm>
+              <a:off x="11790" y="4690"/>
+              <a:ext cx="1419" cy="414"/>
+            </a:xfrm>
+            <a:prstGeom prst="rect">
+              <a:avLst/>
+            </a:prstGeom>
+            <a:noFill/>
+          </p:spPr>
+          <p:txBody>
+            <a:bodyPr wrap="square" rtlCol="0" anchor="t">
+              <a:spAutoFit/>
+            </a:bodyPr>
+            <a:p>
+              <a:r>
+                <a:rPr lang="en-US" sz="800">
+                  <a:sym typeface="+mn-ea"/>
+                </a:rPr>
+                <a:t>Mongo</a:t>
+              </a:r>
+              <a:endParaRPr lang="en-US" sz="800">
+                <a:sym typeface="+mn-ea"/>
+              </a:endParaRPr>
+            </a:p>
+          </p:txBody>
+        </p:sp>
+        <p:cxnSp>
+          <p:nvCxnSpPr>
+            <p:cNvPr id="21" name="Curved Connector 20"/>
+            <p:cNvCxnSpPr>
+              <a:stCxn id="9" idx="3"/>
+              <a:endCxn id="17" idx="1"/>
+            </p:cNvCxnSpPr>
+            <p:nvPr/>
+          </p:nvCxnSpPr>
+          <p:spPr>
+            <a:xfrm>
+              <a:off x="6754" y="4649"/>
+              <a:ext cx="1907" cy="5"/>
+            </a:xfrm>
+            <a:prstGeom prst="curvedConnector2">
+              <a:avLst/>
+            </a:prstGeom>
+            <a:ln>
+              <a:headEnd type="arrow"/>
+              <a:tailEnd type="arrow"/>
+            </a:ln>
+          </p:spPr>
+          <p:style>
+            <a:lnRef idx="1">
+              <a:schemeClr val="accent1"/>
+            </a:lnRef>
+            <a:fillRef idx="0">
+              <a:schemeClr val="accent1"/>
+            </a:fillRef>
+            <a:effectRef idx="0">
+              <a:schemeClr val="accent1"/>
+            </a:effectRef>
+            <a:fontRef idx="minor">
+              <a:schemeClr val="tx1"/>
+            </a:fontRef>
+          </p:style>
+        </p:cxnSp>
+        <p:sp>
+          <p:nvSpPr>
+            <p:cNvPr id="22" name="Rounded Rectangle 21"/>
+            <p:cNvSpPr/>
+            <p:nvPr/>
+          </p:nvSpPr>
+          <p:spPr>
+            <a:xfrm>
+              <a:off x="4586" y="5936"/>
+              <a:ext cx="2169" cy="675"/>
+            </a:xfrm>
+            <a:prstGeom prst="roundRect">
+              <a:avLst/>
+            </a:prstGeom>
+          </p:spPr>
+          <p:style>
+            <a:lnRef idx="2">
+              <a:schemeClr val="accent1">
+                <a:shade val="50000"/>
+              </a:schemeClr>
+            </a:lnRef>
+            <a:fillRef idx="1">
+              <a:schemeClr val="accent1"/>
+            </a:fillRef>
+            <a:effectRef idx="0">
+              <a:schemeClr val="accent1"/>
+            </a:effectRef>
+            <a:fontRef idx="minor">
+              <a:schemeClr val="lt1"/>
+            </a:fontRef>
+          </p:style>
+          <p:txBody>
+            <a:bodyPr rtlCol="0" anchor="ctr"/>
+            <a:p>
+              <a:pPr algn="ctr"/>
+              <a:r>
+                <a:rPr lang="en-US" sz="800"/>
+                <a:t>BookingPlatform- Booking Order</a:t>
+              </a:r>
+              <a:endParaRPr lang="en-US" sz="800"/>
+            </a:p>
+          </p:txBody>
+        </p:sp>
+        <p:cxnSp>
+          <p:nvCxnSpPr>
+            <p:cNvPr id="23" name="Straight Arrow Connector 22"/>
+            <p:cNvCxnSpPr>
+              <a:stCxn id="9" idx="2"/>
+              <a:endCxn id="22" idx="0"/>
+            </p:cNvCxnSpPr>
+            <p:nvPr/>
+          </p:nvCxnSpPr>
+          <p:spPr>
+            <a:xfrm>
+              <a:off x="5670" y="4986"/>
+              <a:ext cx="1" cy="950"/>
+            </a:xfrm>
+            <a:prstGeom prst="straightConnector1">
+              <a:avLst/>
+            </a:prstGeom>
+            <a:ln>
+              <a:tailEnd type="arrow"/>
+            </a:ln>
+          </p:spPr>
+          <p:style>
+            <a:lnRef idx="1">
+              <a:schemeClr val="accent1"/>
+            </a:lnRef>
+            <a:fillRef idx="0">
+              <a:schemeClr val="accent1"/>
+            </a:fillRef>
+            <a:effectRef idx="0">
+              <a:schemeClr val="accent1"/>
+            </a:effectRef>
+            <a:fontRef idx="minor">
+              <a:schemeClr val="tx1"/>
+            </a:fontRef>
+          </p:style>
+        </p:cxnSp>
+        <p:cxnSp>
+          <p:nvCxnSpPr>
+            <p:cNvPr id="24" name="Curved Connector 23"/>
+            <p:cNvCxnSpPr>
+              <a:stCxn id="22" idx="3"/>
+              <a:endCxn id="17" idx="2"/>
+            </p:cNvCxnSpPr>
+            <p:nvPr/>
+          </p:nvCxnSpPr>
+          <p:spPr>
+            <a:xfrm flipV="1">
+              <a:off x="6755" y="4986"/>
+              <a:ext cx="2991" cy="1288"/>
+            </a:xfrm>
+            <a:prstGeom prst="curvedConnector2">
+              <a:avLst/>
+            </a:prstGeom>
+            <a:ln>
+              <a:headEnd type="arrow"/>
+              <a:tailEnd type="arrow"/>
+            </a:ln>
+          </p:spPr>
+          <p:style>
+            <a:lnRef idx="1">
+              <a:schemeClr val="accent1"/>
+            </a:lnRef>
+            <a:fillRef idx="0">
+              <a:schemeClr val="accent1"/>
+            </a:fillRef>
+            <a:effectRef idx="0">
+              <a:schemeClr val="accent1"/>
+            </a:effectRef>
+            <a:fontRef idx="minor">
+              <a:schemeClr val="tx1"/>
+            </a:fontRef>
+          </p:style>
+        </p:cxnSp>
+        <p:sp>
+          <p:nvSpPr>
+            <p:cNvPr id="25" name="Text Box 24"/>
+            <p:cNvSpPr txBox="1"/>
+            <p:nvPr/>
+          </p:nvSpPr>
+          <p:spPr>
+            <a:xfrm>
+              <a:off x="7900" y="5604"/>
+              <a:ext cx="1699" cy="652"/>
+            </a:xfrm>
+            <a:prstGeom prst="rect">
+              <a:avLst/>
+            </a:prstGeom>
+            <a:noFill/>
+          </p:spPr>
+          <p:txBody>
+            <a:bodyPr wrap="square" rtlCol="0">
+              <a:spAutoFit/>
+            </a:bodyPr>
+            <a:p>
+              <a:r>
+                <a:rPr lang="en-US" sz="800"/>
+                <a:t>Reserve Seat</a:t>
+              </a:r>
+              <a:endParaRPr lang="en-US" sz="800"/>
+            </a:p>
+          </p:txBody>
+        </p:sp>
+        <p:sp>
+          <p:nvSpPr>
+            <p:cNvPr id="27" name="Rounded Rectangle 26"/>
+            <p:cNvSpPr/>
+            <p:nvPr/>
+          </p:nvSpPr>
+          <p:spPr>
+            <a:xfrm>
+              <a:off x="4586" y="7561"/>
+              <a:ext cx="2169" cy="675"/>
+            </a:xfrm>
+            <a:prstGeom prst="roundRect">
+              <a:avLst/>
+            </a:prstGeom>
+          </p:spPr>
+          <p:style>
+            <a:lnRef idx="2">
+              <a:schemeClr val="accent1">
+                <a:shade val="50000"/>
+              </a:schemeClr>
+            </a:lnRef>
+            <a:fillRef idx="1">
+              <a:schemeClr val="accent1"/>
+            </a:fillRef>
+            <a:effectRef idx="0">
+              <a:schemeClr val="accent1"/>
+            </a:effectRef>
+            <a:fontRef idx="minor">
+              <a:schemeClr val="lt1"/>
+            </a:fontRef>
+          </p:style>
+          <p:txBody>
+            <a:bodyPr rtlCol="0" anchor="ctr"/>
+            <a:p>
+              <a:pPr algn="ctr"/>
+              <a:r>
+                <a:rPr lang="en-US" sz="800"/>
+                <a:t>BookingPlatform- Payment</a:t>
+              </a:r>
+              <a:endParaRPr lang="en-US" sz="800"/>
+            </a:p>
+          </p:txBody>
+        </p:sp>
+        <p:sp>
+          <p:nvSpPr>
+            <p:cNvPr id="46" name="Rounded Rectangle 45"/>
+            <p:cNvSpPr/>
+            <p:nvPr/>
+          </p:nvSpPr>
+          <p:spPr>
+            <a:xfrm>
+              <a:off x="11924" y="2473"/>
+              <a:ext cx="3417" cy="722"/>
+            </a:xfrm>
+            <a:prstGeom prst="roundRect">
+              <a:avLst/>
+            </a:prstGeom>
+          </p:spPr>
+          <p:style>
+            <a:lnRef idx="2">
+              <a:schemeClr val="accent1">
+                <a:shade val="50000"/>
+              </a:schemeClr>
+            </a:lnRef>
+            <a:fillRef idx="1">
+              <a:schemeClr val="accent1"/>
+            </a:fillRef>
+            <a:effectRef idx="0">
+              <a:schemeClr val="accent1"/>
+            </a:effectRef>
+            <a:fontRef idx="minor">
+              <a:schemeClr val="lt1"/>
+            </a:fontRef>
+          </p:style>
+          <p:txBody>
+            <a:bodyPr rtlCol="0" anchor="ctr"/>
+            <a:p>
+              <a:pPr algn="ctr"/>
+              <a:r>
+                <a:rPr lang="en-US" sz="800"/>
+                <a:t>BookingPlatform- PromotionMngt Service</a:t>
+              </a:r>
+              <a:endParaRPr lang="en-US" sz="800"/>
+            </a:p>
+          </p:txBody>
+        </p:sp>
+        <p:cxnSp>
+          <p:nvCxnSpPr>
+            <p:cNvPr id="29" name="Curved Connector 28"/>
+            <p:cNvCxnSpPr>
+              <a:endCxn id="46" idx="2"/>
+            </p:cNvCxnSpPr>
+            <p:nvPr/>
+          </p:nvCxnSpPr>
+          <p:spPr>
+            <a:xfrm flipV="1">
+              <a:off x="6825" y="3195"/>
+              <a:ext cx="6808" cy="3054"/>
+            </a:xfrm>
+            <a:prstGeom prst="curvedConnector2">
+              <a:avLst/>
+            </a:prstGeom>
+            <a:ln>
+              <a:headEnd type="arrow"/>
+              <a:tailEnd type="arrow"/>
+            </a:ln>
+          </p:spPr>
+          <p:style>
+            <a:lnRef idx="1">
+              <a:schemeClr val="accent1"/>
+            </a:lnRef>
+            <a:fillRef idx="0">
+              <a:schemeClr val="accent1"/>
+            </a:fillRef>
+            <a:effectRef idx="0">
+              <a:schemeClr val="accent1"/>
+            </a:effectRef>
+            <a:fontRef idx="minor">
+              <a:schemeClr val="tx1"/>
+            </a:fontRef>
+          </p:style>
+        </p:cxnSp>
+        <p:cxnSp>
+          <p:nvCxnSpPr>
+            <p:cNvPr id="30" name="Curved Connector 29"/>
+            <p:cNvCxnSpPr/>
+            <p:nvPr/>
+          </p:nvCxnSpPr>
+          <p:spPr>
+            <a:xfrm flipV="1">
+              <a:off x="6825" y="3195"/>
+              <a:ext cx="6827" cy="1452"/>
+            </a:xfrm>
+            <a:prstGeom prst="curvedConnector2">
+              <a:avLst/>
+            </a:prstGeom>
+            <a:ln>
+              <a:headEnd type="arrow"/>
+              <a:tailEnd type="arrow"/>
+            </a:ln>
+          </p:spPr>
+          <p:style>
+            <a:lnRef idx="1">
+              <a:schemeClr val="accent1"/>
+            </a:lnRef>
+            <a:fillRef idx="0">
+              <a:schemeClr val="accent1"/>
+            </a:fillRef>
+            <a:effectRef idx="0">
+              <a:schemeClr val="accent1"/>
+            </a:effectRef>
+            <a:fontRef idx="minor">
+              <a:schemeClr val="tx1"/>
+            </a:fontRef>
+          </p:style>
+        </p:cxnSp>
+        <p:cxnSp>
+          <p:nvCxnSpPr>
+            <p:cNvPr id="31" name="Straight Arrow Connector 30"/>
+            <p:cNvCxnSpPr>
+              <a:stCxn id="22" idx="2"/>
+              <a:endCxn id="27" idx="0"/>
+            </p:cNvCxnSpPr>
+            <p:nvPr/>
+          </p:nvCxnSpPr>
+          <p:spPr>
+            <a:xfrm>
+              <a:off x="5671" y="6611"/>
+              <a:ext cx="0" cy="950"/>
+            </a:xfrm>
+            <a:prstGeom prst="straightConnector1">
+              <a:avLst/>
+            </a:prstGeom>
+            <a:ln>
+              <a:tailEnd type="arrow"/>
+            </a:ln>
+          </p:spPr>
+          <p:style>
+            <a:lnRef idx="1">
+              <a:schemeClr val="accent1"/>
+            </a:lnRef>
+            <a:fillRef idx="0">
+              <a:schemeClr val="accent1"/>
+            </a:fillRef>
+            <a:effectRef idx="0">
+              <a:schemeClr val="accent1"/>
+            </a:effectRef>
+            <a:fontRef idx="minor">
+              <a:schemeClr val="tx1"/>
+            </a:fontRef>
+          </p:style>
+        </p:cxnSp>
+        <p:cxnSp>
+          <p:nvCxnSpPr>
+            <p:cNvPr id="33" name="Straight Arrow Connector 32"/>
+            <p:cNvCxnSpPr>
+              <a:stCxn id="17" idx="3"/>
+              <a:endCxn id="18" idx="2"/>
+            </p:cNvCxnSpPr>
+            <p:nvPr/>
+          </p:nvCxnSpPr>
+          <p:spPr>
+            <a:xfrm>
+              <a:off x="10830" y="4649"/>
+              <a:ext cx="687" cy="0"/>
+            </a:xfrm>
+            <a:prstGeom prst="straightConnector1">
+              <a:avLst/>
+            </a:prstGeom>
+            <a:ln>
+              <a:tailEnd type="arrow"/>
+            </a:ln>
+          </p:spPr>
+          <p:style>
+            <a:lnRef idx="1">
+              <a:schemeClr val="accent1"/>
+            </a:lnRef>
+            <a:fillRef idx="0">
+              <a:schemeClr val="accent1"/>
+            </a:fillRef>
+            <a:effectRef idx="0">
+              <a:schemeClr val="accent1"/>
+            </a:effectRef>
+            <a:fontRef idx="minor">
+              <a:schemeClr val="tx1"/>
+            </a:fontRef>
+          </p:style>
+        </p:cxnSp>
+        <p:sp>
+          <p:nvSpPr>
+            <p:cNvPr id="34" name="Rounded Rectangle 33"/>
+            <p:cNvSpPr/>
+            <p:nvPr/>
+          </p:nvSpPr>
+          <p:spPr>
+            <a:xfrm>
+              <a:off x="10215" y="8719"/>
+              <a:ext cx="2169" cy="675"/>
+            </a:xfrm>
+            <a:prstGeom prst="roundRect">
+              <a:avLst/>
+            </a:prstGeom>
+          </p:spPr>
+          <p:style>
+            <a:lnRef idx="2">
+              <a:schemeClr val="accent1">
+                <a:shade val="50000"/>
+              </a:schemeClr>
+            </a:lnRef>
+            <a:fillRef idx="1">
+              <a:schemeClr val="accent1"/>
+            </a:fillRef>
+            <a:effectRef idx="0">
+              <a:schemeClr val="accent1"/>
+            </a:effectRef>
+            <a:fontRef idx="minor">
+              <a:schemeClr val="lt1"/>
+            </a:fontRef>
+          </p:style>
+          <p:txBody>
+            <a:bodyPr rtlCol="0" anchor="ctr"/>
+            <a:p>
+              <a:pPr algn="ctr"/>
+              <a:r>
+                <a:rPr lang="en-US" sz="800"/>
+                <a:t>BookingPlatform- Notification</a:t>
+              </a:r>
+              <a:endParaRPr lang="en-US" sz="800"/>
+            </a:p>
+          </p:txBody>
+        </p:sp>
+        <p:sp>
+          <p:nvSpPr>
+            <p:cNvPr id="60" name="Flowchart: Direct Access Storage 59"/>
+            <p:cNvSpPr/>
+            <p:nvPr/>
+          </p:nvSpPr>
+          <p:spPr>
+            <a:xfrm>
+              <a:off x="7578" y="7713"/>
+              <a:ext cx="1582" cy="371"/>
+            </a:xfrm>
+            <a:prstGeom prst="flowChartMagneticDrum">
+              <a:avLst/>
+            </a:prstGeom>
+            <a:ln>
+              <a:tailEnd type="arrow"/>
+            </a:ln>
+          </p:spPr>
+          <p:style>
+            <a:lnRef idx="1">
+              <a:schemeClr val="accent1"/>
+            </a:lnRef>
+            <a:fillRef idx="0">
+              <a:schemeClr val="accent1"/>
+            </a:fillRef>
+            <a:effectRef idx="0">
+              <a:schemeClr val="accent1"/>
+            </a:effectRef>
+            <a:fontRef idx="minor">
+              <a:schemeClr val="tx1"/>
+            </a:fontRef>
+          </p:style>
+          <p:txBody>
+            <a:bodyPr/>
+            <a:p>
+              <a:endParaRPr lang="en-US" sz="800"/>
+            </a:p>
+          </p:txBody>
+        </p:sp>
+        <p:sp>
+          <p:nvSpPr>
+            <p:cNvPr id="35" name="Text Box 34"/>
+            <p:cNvSpPr txBox="1"/>
+            <p:nvPr/>
+          </p:nvSpPr>
+          <p:spPr>
+            <a:xfrm>
+              <a:off x="7390" y="8235"/>
+              <a:ext cx="1419" cy="414"/>
+            </a:xfrm>
+            <a:prstGeom prst="rect">
+              <a:avLst/>
+            </a:prstGeom>
+            <a:noFill/>
+          </p:spPr>
+          <p:txBody>
+            <a:bodyPr wrap="square" rtlCol="0" anchor="t">
+              <a:spAutoFit/>
+            </a:bodyPr>
+            <a:p>
+              <a:r>
+                <a:rPr lang="en-US" sz="800">
+                  <a:sym typeface="+mn-ea"/>
+                </a:rPr>
+                <a:t>Queue</a:t>
+              </a:r>
+              <a:endParaRPr lang="en-US" sz="800">
+                <a:sym typeface="+mn-ea"/>
+              </a:endParaRPr>
+            </a:p>
+          </p:txBody>
+        </p:sp>
+        <p:cxnSp>
+          <p:nvCxnSpPr>
+            <p:cNvPr id="36" name="Straight Arrow Connector 35"/>
+            <p:cNvCxnSpPr>
+              <a:stCxn id="27" idx="3"/>
+              <a:endCxn id="60" idx="1"/>
+            </p:cNvCxnSpPr>
+            <p:nvPr/>
+          </p:nvCxnSpPr>
+          <p:spPr>
+            <a:xfrm>
+              <a:off x="6755" y="7899"/>
+              <a:ext cx="823" cy="0"/>
+            </a:xfrm>
+            <a:prstGeom prst="straightConnector1">
+              <a:avLst/>
+            </a:prstGeom>
+            <a:ln>
+              <a:tailEnd type="arrow"/>
+            </a:ln>
+          </p:spPr>
+          <p:style>
+            <a:lnRef idx="1">
+              <a:schemeClr val="accent1"/>
+            </a:lnRef>
+            <a:fillRef idx="0">
+              <a:schemeClr val="accent1"/>
+            </a:fillRef>
+            <a:effectRef idx="0">
+              <a:schemeClr val="accent1"/>
+            </a:effectRef>
+            <a:fontRef idx="minor">
+              <a:schemeClr val="tx1"/>
+            </a:fontRef>
+          </p:style>
+        </p:cxnSp>
+        <p:cxnSp>
+          <p:nvCxnSpPr>
+            <p:cNvPr id="37" name="Straight Arrow Connector 36"/>
+            <p:cNvCxnSpPr>
+              <a:stCxn id="60" idx="4"/>
+              <a:endCxn id="34" idx="1"/>
+            </p:cNvCxnSpPr>
+            <p:nvPr/>
+          </p:nvCxnSpPr>
+          <p:spPr>
+            <a:xfrm>
+              <a:off x="9160" y="7899"/>
+              <a:ext cx="1055" cy="1158"/>
+            </a:xfrm>
+            <a:prstGeom prst="straightConnector1">
+              <a:avLst/>
+            </a:prstGeom>
+            <a:ln>
+              <a:tailEnd type="arrow"/>
+            </a:ln>
+          </p:spPr>
+          <p:style>
+            <a:lnRef idx="1">
+              <a:schemeClr val="accent1"/>
+            </a:lnRef>
+            <a:fillRef idx="0">
+              <a:schemeClr val="accent1"/>
+            </a:fillRef>
+            <a:effectRef idx="0">
+              <a:schemeClr val="accent1"/>
+            </a:effectRef>
+            <a:fontRef idx="minor">
+              <a:schemeClr val="tx1"/>
+            </a:fontRef>
+          </p:style>
+        </p:cxnSp>
+        <p:sp>
+          <p:nvSpPr>
+            <p:cNvPr id="39" name="Rounded Rectangle 38"/>
+            <p:cNvSpPr/>
+            <p:nvPr/>
+          </p:nvSpPr>
+          <p:spPr>
+            <a:xfrm>
+              <a:off x="10089" y="7238"/>
+              <a:ext cx="2169" cy="675"/>
+            </a:xfrm>
+            <a:prstGeom prst="roundRect">
+              <a:avLst/>
+            </a:prstGeom>
+          </p:spPr>
+          <p:style>
+            <a:lnRef idx="2">
+              <a:schemeClr val="accent1">
+                <a:shade val="50000"/>
+              </a:schemeClr>
+            </a:lnRef>
+            <a:fillRef idx="1">
+              <a:schemeClr val="accent1"/>
+            </a:fillRef>
+            <a:effectRef idx="0">
+              <a:schemeClr val="accent1"/>
+            </a:effectRef>
+            <a:fontRef idx="minor">
+              <a:schemeClr val="lt1"/>
+            </a:fontRef>
+          </p:style>
+          <p:txBody>
+            <a:bodyPr rtlCol="0" anchor="ctr"/>
+            <a:p>
+              <a:pPr algn="ctr"/>
+              <a:r>
+                <a:rPr lang="en-US" sz="800"/>
+                <a:t>BookingPlatform- Post Order Processor</a:t>
+              </a:r>
+              <a:endParaRPr lang="en-US" sz="800"/>
+            </a:p>
+          </p:txBody>
+        </p:sp>
+        <p:cxnSp>
+          <p:nvCxnSpPr>
+            <p:cNvPr id="40" name="Straight Arrow Connector 39"/>
+            <p:cNvCxnSpPr>
+              <a:stCxn id="60" idx="4"/>
+              <a:endCxn id="39" idx="1"/>
+            </p:cNvCxnSpPr>
+            <p:nvPr/>
+          </p:nvCxnSpPr>
+          <p:spPr>
+            <a:xfrm flipV="1">
+              <a:off x="9160" y="7576"/>
+              <a:ext cx="929" cy="323"/>
+            </a:xfrm>
+            <a:prstGeom prst="straightConnector1">
+              <a:avLst/>
+            </a:prstGeom>
+            <a:ln>
+              <a:tailEnd type="arrow"/>
+            </a:ln>
+          </p:spPr>
+          <p:style>
+            <a:lnRef idx="1">
+              <a:schemeClr val="accent1"/>
+            </a:lnRef>
+            <a:fillRef idx="0">
+              <a:schemeClr val="accent1"/>
+            </a:fillRef>
+            <a:effectRef idx="0">
+              <a:schemeClr val="accent1"/>
+            </a:effectRef>
+            <a:fontRef idx="minor">
+              <a:schemeClr val="tx1"/>
+            </a:fontRef>
+          </p:style>
+        </p:cxnSp>
+        <p:cxnSp>
+          <p:nvCxnSpPr>
+            <p:cNvPr id="42" name="Curved Connector 41"/>
+            <p:cNvCxnSpPr>
+              <a:stCxn id="39" idx="0"/>
+            </p:cNvCxnSpPr>
+            <p:nvPr/>
+          </p:nvCxnSpPr>
+          <p:spPr>
+            <a:xfrm rot="16200000" flipV="1">
+              <a:off x="9373" y="5438"/>
+              <a:ext cx="2181" cy="1419"/>
+            </a:xfrm>
+            <a:prstGeom prst="curvedConnector3">
+              <a:avLst>
+                <a:gd name="adj1" fmla="val 49977"/>
+              </a:avLst>
+            </a:prstGeom>
+            <a:ln>
+              <a:tailEnd type="arrow"/>
+            </a:ln>
+          </p:spPr>
+          <p:style>
+            <a:lnRef idx="1">
+              <a:schemeClr val="accent1"/>
+            </a:lnRef>
+            <a:fillRef idx="0">
+              <a:schemeClr val="accent1"/>
+            </a:fillRef>
+            <a:effectRef idx="0">
+              <a:schemeClr val="accent1"/>
+            </a:effectRef>
+            <a:fontRef idx="minor">
+              <a:schemeClr val="tx1"/>
+            </a:fontRef>
+          </p:style>
+        </p:cxnSp>
+        <p:sp>
+          <p:nvSpPr>
+            <p:cNvPr id="43" name="Text Box 42"/>
+            <p:cNvSpPr txBox="1"/>
+            <p:nvPr/>
+          </p:nvSpPr>
+          <p:spPr>
+            <a:xfrm>
+              <a:off x="11122" y="6307"/>
+              <a:ext cx="2754" cy="652"/>
+            </a:xfrm>
+            <a:prstGeom prst="rect">
+              <a:avLst/>
+            </a:prstGeom>
+            <a:noFill/>
+          </p:spPr>
+          <p:txBody>
+            <a:bodyPr wrap="square" rtlCol="0">
+              <a:spAutoFit/>
+            </a:bodyPr>
+            <a:p>
+              <a:r>
+                <a:rPr lang="en-US" sz="800"/>
+                <a:t>commit/rollback reserved seat</a:t>
+              </a:r>
+              <a:endParaRPr lang="en-US" sz="800"/>
+            </a:p>
+          </p:txBody>
+        </p:sp>
+      </p:grpSp>
+      <p:sp>
+        <p:nvSpPr>
+          <p:cNvPr id="10" name="Rectangles 9"/>
+          <p:cNvSpPr/>
+          <p:nvPr/>
+        </p:nvSpPr>
+        <p:spPr>
+          <a:xfrm>
+            <a:off x="3044190" y="880110"/>
+            <a:ext cx="7577455" cy="4873625"/>
+          </a:xfrm>
+          <a:prstGeom prst="rect">
+            <a:avLst/>
+          </a:prstGeom>
+          <a:ln>
+            <a:prstDash val="dash"/>
+            <a:tailEnd type="arrow"/>
+          </a:ln>
+        </p:spPr>
+        <p:style>
+          <a:lnRef idx="1">
+            <a:schemeClr val="accent1"/>
+          </a:lnRef>
+          <a:fillRef idx="0">
+            <a:schemeClr val="accent1"/>
+          </a:fillRef>
+          <a:effectRef idx="0">
+            <a:schemeClr val="accent1"/>
+          </a:effectRef>
+          <a:fontRef idx="minor">
+            <a:schemeClr val="tx1"/>
+          </a:fontRef>
+        </p:style>
+        <p:txBody>
+          <a:bodyPr/>
+          <a:p>
+            <a:endParaRPr lang="en-US"/>
+          </a:p>
+        </p:txBody>
+      </p:sp>
+      <p:sp>
+        <p:nvSpPr>
+          <p:cNvPr id="15" name="Rounded Rectangle 14"/>
+          <p:cNvSpPr/>
+          <p:nvPr/>
+        </p:nvSpPr>
+        <p:spPr>
+          <a:xfrm>
+            <a:off x="1431925" y="916940"/>
+            <a:ext cx="955040" cy="4774565"/>
+          </a:xfrm>
+          <a:prstGeom prst="roundRect">
+            <a:avLst/>
+          </a:prstGeom>
+          <a:ln>
+            <a:tailEnd type="arrow" w="med" len="med"/>
+          </a:ln>
+        </p:spPr>
+        <p:style>
+          <a:lnRef idx="2">
+            <a:schemeClr val="accent1">
+              <a:shade val="50000"/>
+            </a:schemeClr>
+          </a:lnRef>
+          <a:fillRef idx="1">
+            <a:schemeClr val="accent1"/>
+          </a:fillRef>
+          <a:effectRef idx="0">
+            <a:schemeClr val="accent1"/>
+          </a:effectRef>
+          <a:fontRef idx="minor">
+            <a:schemeClr val="lt1"/>
+          </a:fontRef>
+        </p:style>
+        <p:txBody>
+          <a:bodyPr/>
+          <a:p>
+            <a:pPr algn="ctr">
+              <a:lnSpc>
+                <a:spcPct val="100000"/>
+              </a:lnSpc>
+            </a:pPr>
+            <a:r>
               <a:rPr lang="en-US"/>
-              <a:t>Data Model 1+ N</a:t>
+              <a:t>API GW</a:t>
+            </a:r>
+            <a:endParaRPr lang="en-US"/>
+          </a:p>
+        </p:txBody>
+      </p:sp>
+      <p:cxnSp>
+        <p:nvCxnSpPr>
+          <p:cNvPr id="28" name="Straight Arrow Connector 27"/>
+          <p:cNvCxnSpPr>
+            <a:endCxn id="26" idx="1"/>
+          </p:cNvCxnSpPr>
+          <p:nvPr/>
+        </p:nvCxnSpPr>
+        <p:spPr>
+          <a:xfrm>
+            <a:off x="2399665" y="1887220"/>
+            <a:ext cx="1314450" cy="0"/>
+          </a:xfrm>
+          <a:prstGeom prst="straightConnector1">
+            <a:avLst/>
+          </a:prstGeom>
+          <a:ln>
+            <a:tailEnd type="arrow"/>
+          </a:ln>
+        </p:spPr>
+        <p:style>
+          <a:lnRef idx="1">
+            <a:schemeClr val="accent1"/>
+          </a:lnRef>
+          <a:fillRef idx="0">
+            <a:schemeClr val="accent1"/>
+          </a:fillRef>
+          <a:effectRef idx="0">
+            <a:schemeClr val="accent1"/>
+          </a:effectRef>
+          <a:fontRef idx="minor">
+            <a:schemeClr val="tx1"/>
+          </a:fontRef>
+        </p:style>
+      </p:cxnSp>
+      <p:sp>
+        <p:nvSpPr>
+          <p:cNvPr id="32" name="Flowchart: Magnetic Disk 31"/>
+          <p:cNvSpPr/>
+          <p:nvPr/>
+        </p:nvSpPr>
+        <p:spPr>
+          <a:xfrm>
+            <a:off x="4383440" y="4365816"/>
+            <a:ext cx="259588" cy="312980"/>
+          </a:xfrm>
+          <a:prstGeom prst="flowChartMagneticDisk">
+            <a:avLst/>
+          </a:prstGeom>
+          <a:ln>
+            <a:tailEnd type="arrow"/>
+          </a:ln>
+        </p:spPr>
+        <p:style>
+          <a:lnRef idx="1">
+            <a:schemeClr val="accent1"/>
+          </a:lnRef>
+          <a:fillRef idx="0">
+            <a:schemeClr val="accent1"/>
+          </a:fillRef>
+          <a:effectRef idx="0">
+            <a:schemeClr val="accent1"/>
+          </a:effectRef>
+          <a:fontRef idx="minor">
+            <a:schemeClr val="tx1"/>
+          </a:fontRef>
+        </p:style>
+        <p:txBody>
+          <a:bodyPr/>
+          <a:p>
+            <a:endParaRPr lang="en-US" sz="800"/>
+          </a:p>
+        </p:txBody>
+      </p:sp>
+      <p:cxnSp>
+        <p:nvCxnSpPr>
+          <p:cNvPr id="38" name="Straight Arrow Connector 37"/>
+          <p:cNvCxnSpPr>
+            <a:stCxn id="32" idx="4"/>
+            <a:endCxn id="27" idx="1"/>
+          </p:cNvCxnSpPr>
+          <p:nvPr/>
+        </p:nvCxnSpPr>
+        <p:spPr>
+          <a:xfrm flipV="1">
+            <a:off x="4643120" y="4517390"/>
+            <a:ext cx="503555" cy="5080"/>
+          </a:xfrm>
+          <a:prstGeom prst="straightConnector1">
+            <a:avLst/>
+          </a:prstGeom>
+          <a:ln>
+            <a:tailEnd type="arrow"/>
+          </a:ln>
+        </p:spPr>
+        <p:style>
+          <a:lnRef idx="1">
+            <a:schemeClr val="accent1"/>
+          </a:lnRef>
+          <a:fillRef idx="0">
+            <a:schemeClr val="accent1"/>
+          </a:fillRef>
+          <a:effectRef idx="0">
+            <a:schemeClr val="accent1"/>
+          </a:effectRef>
+          <a:fontRef idx="minor">
+            <a:schemeClr val="tx1"/>
+          </a:fontRef>
+        </p:style>
+      </p:cxnSp>
+      <p:sp>
+        <p:nvSpPr>
+          <p:cNvPr id="44" name="Flowchart: Magnetic Disk 43"/>
+          <p:cNvSpPr/>
+          <p:nvPr/>
+        </p:nvSpPr>
+        <p:spPr>
+          <a:xfrm>
+            <a:off x="4383440" y="3502216"/>
+            <a:ext cx="259588" cy="312980"/>
+          </a:xfrm>
+          <a:prstGeom prst="flowChartMagneticDisk">
+            <a:avLst/>
+          </a:prstGeom>
+          <a:ln>
+            <a:tailEnd type="arrow"/>
+          </a:ln>
+        </p:spPr>
+        <p:style>
+          <a:lnRef idx="1">
+            <a:schemeClr val="accent1"/>
+          </a:lnRef>
+          <a:fillRef idx="0">
+            <a:schemeClr val="accent1"/>
+          </a:fillRef>
+          <a:effectRef idx="0">
+            <a:schemeClr val="accent1"/>
+          </a:effectRef>
+          <a:fontRef idx="minor">
+            <a:schemeClr val="tx1"/>
+          </a:fontRef>
+        </p:style>
+        <p:txBody>
+          <a:bodyPr/>
+          <a:p>
+            <a:endParaRPr lang="en-US" sz="800"/>
+          </a:p>
+        </p:txBody>
+      </p:sp>
+      <p:cxnSp>
+        <p:nvCxnSpPr>
+          <p:cNvPr id="45" name="Straight Arrow Connector 44"/>
+          <p:cNvCxnSpPr>
+            <a:endCxn id="22" idx="1"/>
+          </p:cNvCxnSpPr>
+          <p:nvPr/>
+        </p:nvCxnSpPr>
+        <p:spPr>
+          <a:xfrm>
+            <a:off x="4643120" y="3662680"/>
+            <a:ext cx="503555" cy="13970"/>
+          </a:xfrm>
+          <a:prstGeom prst="straightConnector1">
+            <a:avLst/>
+          </a:prstGeom>
+          <a:ln>
+            <a:tailEnd type="arrow"/>
+          </a:ln>
+        </p:spPr>
+        <p:style>
+          <a:lnRef idx="1">
+            <a:schemeClr val="accent1"/>
+          </a:lnRef>
+          <a:fillRef idx="0">
+            <a:schemeClr val="accent1"/>
+          </a:fillRef>
+          <a:effectRef idx="0">
+            <a:schemeClr val="accent1"/>
+          </a:effectRef>
+          <a:fontRef idx="minor">
+            <a:schemeClr val="tx1"/>
+          </a:fontRef>
+        </p:style>
+      </p:cxnSp>
+      <p:sp>
+        <p:nvSpPr>
+          <p:cNvPr id="49" name="Flowchart: Magnetic Disk 48"/>
+          <p:cNvSpPr/>
+          <p:nvPr/>
+        </p:nvSpPr>
+        <p:spPr>
+          <a:xfrm>
+            <a:off x="5816635" y="946341"/>
+            <a:ext cx="259588" cy="312980"/>
+          </a:xfrm>
+          <a:prstGeom prst="flowChartMagneticDisk">
+            <a:avLst/>
+          </a:prstGeom>
+          <a:ln>
+            <a:tailEnd type="arrow"/>
+          </a:ln>
+        </p:spPr>
+        <p:style>
+          <a:lnRef idx="1">
+            <a:schemeClr val="accent1"/>
+          </a:lnRef>
+          <a:fillRef idx="0">
+            <a:schemeClr val="accent1"/>
+          </a:fillRef>
+          <a:effectRef idx="0">
+            <a:schemeClr val="accent1"/>
+          </a:effectRef>
+          <a:fontRef idx="minor">
+            <a:schemeClr val="tx1"/>
+          </a:fontRef>
+        </p:style>
+        <p:txBody>
+          <a:bodyPr/>
+          <a:p>
+            <a:endParaRPr lang="en-US" sz="800"/>
+          </a:p>
+        </p:txBody>
+      </p:sp>
+      <p:sp>
+        <p:nvSpPr>
+          <p:cNvPr id="51" name="Text Box 50"/>
+          <p:cNvSpPr txBox="1"/>
+          <p:nvPr/>
+        </p:nvSpPr>
+        <p:spPr>
+          <a:xfrm>
+            <a:off x="6233160" y="890905"/>
+            <a:ext cx="542290" cy="229870"/>
+          </a:xfrm>
+          <a:prstGeom prst="rect">
+            <a:avLst/>
+          </a:prstGeom>
+          <a:noFill/>
+        </p:spPr>
+        <p:txBody>
+          <a:bodyPr wrap="none" rtlCol="0" anchor="t">
+            <a:spAutoFit/>
+          </a:bodyPr>
+          <a:p>
+            <a:r>
+              <a:rPr lang="en-US" sz="900">
+                <a:sym typeface="+mn-ea"/>
+              </a:rPr>
+              <a:t>Mongo</a:t>
+            </a:r>
+            <a:endParaRPr lang="en-US" sz="900"/>
+          </a:p>
+        </p:txBody>
+      </p:sp>
+      <p:cxnSp>
+        <p:nvCxnSpPr>
+          <p:cNvPr id="52" name="Elbow Connector 51"/>
+          <p:cNvCxnSpPr>
+            <a:stCxn id="49" idx="2"/>
+          </p:cNvCxnSpPr>
+          <p:nvPr/>
+        </p:nvCxnSpPr>
+        <p:spPr>
+          <a:xfrm rot="10800000" flipV="1">
+            <a:off x="5623560" y="1102360"/>
+            <a:ext cx="192405" cy="570865"/>
+          </a:xfrm>
+          <a:prstGeom prst="bentConnector2">
+            <a:avLst/>
+          </a:prstGeom>
+          <a:ln>
+            <a:tailEnd type="arrow"/>
+          </a:ln>
+        </p:spPr>
+        <p:style>
+          <a:lnRef idx="1">
+            <a:schemeClr val="accent1"/>
+          </a:lnRef>
+          <a:fillRef idx="0">
+            <a:schemeClr val="accent1"/>
+          </a:fillRef>
+          <a:effectRef idx="0">
+            <a:schemeClr val="accent1"/>
+          </a:effectRef>
+          <a:fontRef idx="minor">
+            <a:schemeClr val="tx1"/>
+          </a:fontRef>
+        </p:style>
+      </p:cxnSp>
+    </p:spTree>
+  </p:cSld>
+  <p:clrMapOvr>
+    <a:masterClrMapping/>
+  </p:clrMapOvr>
+</p:sld>
+</file>
+
+<file path=ppt/slides/slide5.xml><?xml version="1.0" encoding="utf-8"?>
+<p:sld xmlns:a="http://schemas.openxmlformats.org/drawingml/2006/main" xmlns:r="http://schemas.openxmlformats.org/officeDocument/2006/relationships" xmlns:p="http://schemas.openxmlformats.org/presentationml/2006/main">
+  <p:cSld>
+    <p:spTree>
+      <p:nvGrpSpPr>
+        <p:cNvPr id="1" name=""/>
+        <p:cNvGrpSpPr/>
+        <p:nvPr/>
+      </p:nvGrpSpPr>
+      <p:grpSpPr/>
+      <p:sp>
+        <p:nvSpPr>
+          <p:cNvPr id="4" name="Text Box 3"/>
+          <p:cNvSpPr txBox="1"/>
+          <p:nvPr/>
+        </p:nvSpPr>
+        <p:spPr>
+          <a:xfrm>
+            <a:off x="701040" y="342900"/>
+            <a:ext cx="2717800" cy="521970"/>
+          </a:xfrm>
+          <a:prstGeom prst="rect">
+            <a:avLst/>
+          </a:prstGeom>
+          <a:noFill/>
+        </p:spPr>
+        <p:txBody>
+          <a:bodyPr wrap="none" rtlCol="0" anchor="t">
+            <a:spAutoFit/>
+          </a:bodyPr>
+          <a:p>
+            <a:r>
+              <a:rPr lang="en-US" sz="2800">
+                <a:sym typeface="+mn-ea"/>
+              </a:rPr>
+              <a:t>Services Details</a:t>
+            </a:r>
+            <a:endParaRPr lang="en-US" sz="2800"/>
+          </a:p>
+        </p:txBody>
+      </p:sp>
+      <p:graphicFrame>
+        <p:nvGraphicFramePr>
+          <p:cNvPr id="5" name="Table 4"/>
+          <p:cNvGraphicFramePr/>
+          <p:nvPr/>
+        </p:nvGraphicFramePr>
+        <p:xfrm>
+          <a:off x="1568450" y="1195070"/>
+          <a:ext cx="8534400" cy="3688080"/>
+        </p:xfrm>
+        <a:graphic>
+          <a:graphicData uri="http://schemas.openxmlformats.org/drawingml/2006/table">
+            <a:tbl>
+              <a:tblPr firstRow="1" bandRow="1">
+                <a:tableStyleId>{5C22544A-7EE6-4342-B048-85BDC9FD1C3A}</a:tableStyleId>
+              </a:tblPr>
+              <a:tblGrid>
+                <a:gridCol w="4267200"/>
+                <a:gridCol w="4267200"/>
+              </a:tblGrid>
+              <a:tr h="381000">
+                <a:tc>
+                  <a:txBody>
+                    <a:bodyPr/>
+                    <a:p>
+                      <a:pPr>
+                        <a:buNone/>
+                      </a:pPr>
+                      <a:r>
+                        <a:rPr lang="en-US"/>
+                        <a:t>Sevice Name</a:t>
+                      </a:r>
+                      <a:endParaRPr lang="en-US"/>
+                    </a:p>
+                  </a:txBody>
+                  <a:tcPr/>
+                </a:tc>
+                <a:tc>
+                  <a:txBody>
+                    <a:bodyPr/>
+                    <a:p>
+                      <a:pPr>
+                        <a:buNone/>
+                      </a:pPr>
+                      <a:r>
+                        <a:rPr lang="en-US"/>
+                        <a:t>Description</a:t>
+                      </a:r>
+                      <a:endParaRPr lang="en-US"/>
+                    </a:p>
+                  </a:txBody>
+                  <a:tcPr/>
+                </a:tc>
+              </a:tr>
+              <a:tr h="381000">
+                <a:tc>
+                  <a:txBody>
+                    <a:bodyPr/>
+                    <a:p>
+                      <a:pPr>
+                        <a:buNone/>
+                      </a:pPr>
+                      <a:r>
+                        <a:rPr lang="en-US" sz="1200">
+                          <a:sym typeface="+mn-ea"/>
+                        </a:rPr>
+                        <a:t>BookingPlatform- EndService-UI</a:t>
+                      </a:r>
+                      <a:endParaRPr lang="en-US" sz="1200">
+                        <a:sym typeface="+mn-ea"/>
+                      </a:endParaRPr>
+                    </a:p>
+                  </a:txBody>
+                  <a:tcPr/>
+                </a:tc>
+                <a:tc>
+                  <a:txBody>
+                    <a:bodyPr/>
+                    <a:p>
+                      <a:pPr>
+                        <a:buNone/>
+                      </a:pPr>
+                      <a:r>
+                        <a:rPr lang="en-US" sz="1200"/>
+                        <a:t>UI Service of End user to login, Here we can have different UI based on agent like Desktop Browser,APPS etc and their corrosponding Backend service also can be added</a:t>
+                      </a:r>
+                      <a:endParaRPr lang="en-US" sz="1200"/>
+                    </a:p>
+                  </a:txBody>
+                  <a:tcPr/>
+                </a:tc>
+              </a:tr>
+              <a:tr h="381000">
+                <a:tc>
+                  <a:txBody>
+                    <a:bodyPr/>
+                    <a:p>
+                      <a:pPr>
+                        <a:buNone/>
+                      </a:pPr>
+                      <a:r>
+                        <a:rPr lang="en-US" sz="1200">
+                          <a:sym typeface="+mn-ea"/>
+                        </a:rPr>
+                        <a:t>BookingPlatform- BrowseMovie</a:t>
+                      </a:r>
+                      <a:endParaRPr lang="en-US" sz="1200"/>
+                    </a:p>
+                    <a:p>
+                      <a:pPr>
+                        <a:buNone/>
+                      </a:pPr>
+                      <a:endParaRPr lang="en-US" sz="1200"/>
+                    </a:p>
+                  </a:txBody>
+                  <a:tcPr/>
+                </a:tc>
+                <a:tc>
+                  <a:txBody>
+                    <a:bodyPr/>
+                    <a:p>
+                      <a:pPr>
+                        <a:buNone/>
+                      </a:pPr>
+                      <a:r>
+                        <a:rPr lang="en-US" sz="1200"/>
+                        <a:t>Browse Movies show based on City, Movie , Genere and show times</a:t>
+                      </a:r>
+                      <a:endParaRPr lang="en-US" sz="1200"/>
+                    </a:p>
+                  </a:txBody>
+                  <a:tcPr/>
+                </a:tc>
+              </a:tr>
+              <a:tr h="381000">
+                <a:tc>
+                  <a:txBody>
+                    <a:bodyPr/>
+                    <a:p>
+                      <a:pPr>
+                        <a:buNone/>
+                      </a:pPr>
+                      <a:r>
+                        <a:rPr lang="en-US" sz="1200">
+                          <a:sym typeface="+mn-ea"/>
+                        </a:rPr>
+                        <a:t>BookingPlatform- Booking Aggregator</a:t>
+                      </a:r>
+                      <a:endParaRPr lang="en-US" sz="1200"/>
+                    </a:p>
+                    <a:p>
+                      <a:pPr>
+                        <a:buNone/>
+                      </a:pPr>
+                      <a:endParaRPr lang="en-US" sz="1200"/>
+                    </a:p>
+                  </a:txBody>
+                  <a:tcPr/>
+                </a:tc>
+                <a:tc>
+                  <a:txBody>
+                    <a:bodyPr/>
+                    <a:p>
+                      <a:pPr>
+                        <a:buNone/>
+                      </a:pPr>
+                      <a:r>
+                        <a:rPr lang="en-US" sz="1200"/>
+                        <a:t>Aggerator service to get details of shows , no of seat filled/vacant/seat price / seat category etc</a:t>
+                      </a:r>
+                      <a:endParaRPr lang="en-US" sz="1200"/>
+                    </a:p>
+                  </a:txBody>
+                  <a:tcPr/>
+                </a:tc>
+              </a:tr>
+              <a:tr h="381000">
+                <a:tc>
+                  <a:txBody>
+                    <a:bodyPr/>
+                    <a:p>
+                      <a:pPr>
+                        <a:buNone/>
+                      </a:pPr>
+                      <a:r>
+                        <a:rPr lang="en-US" sz="1200">
+                          <a:sym typeface="+mn-ea"/>
+                        </a:rPr>
+                        <a:t>BookingPlatform- Booking Order</a:t>
+                      </a:r>
+                      <a:endParaRPr lang="en-US" sz="1200"/>
+                    </a:p>
+                    <a:p>
+                      <a:pPr>
+                        <a:buNone/>
+                      </a:pPr>
+                      <a:endParaRPr lang="en-US" sz="1200"/>
+                    </a:p>
+                  </a:txBody>
+                  <a:tcPr/>
+                </a:tc>
+                <a:tc>
+                  <a:txBody>
+                    <a:bodyPr/>
+                    <a:p>
+                      <a:pPr>
+                        <a:buNone/>
+                      </a:pPr>
+                      <a:r>
+                        <a:rPr lang="en-US" sz="1200"/>
+                        <a:t>Create reservation and genrate reservation/bookingid and do the booking and apply the promotional discount</a:t>
+                      </a:r>
+                      <a:endParaRPr lang="en-US" sz="1200"/>
+                    </a:p>
+                  </a:txBody>
+                  <a:tcPr/>
+                </a:tc>
+              </a:tr>
+              <a:tr h="381000">
+                <a:tc>
+                  <a:txBody>
+                    <a:bodyPr/>
+                    <a:p>
+                      <a:pPr>
+                        <a:buNone/>
+                      </a:pPr>
+                      <a:r>
+                        <a:rPr lang="en-US" sz="1200">
+                          <a:sym typeface="+mn-ea"/>
+                        </a:rPr>
+                        <a:t>BookingPlatform- Payment</a:t>
+                      </a:r>
+                      <a:endParaRPr lang="en-US" sz="1200"/>
+                    </a:p>
+                    <a:p>
+                      <a:pPr>
+                        <a:buNone/>
+                      </a:pPr>
+                      <a:endParaRPr lang="en-US" sz="1200"/>
+                    </a:p>
+                  </a:txBody>
+                  <a:tcPr/>
+                </a:tc>
+                <a:tc>
+                  <a:txBody>
+                    <a:bodyPr/>
+                    <a:p>
+                      <a:pPr>
+                        <a:buNone/>
+                      </a:pPr>
+                      <a:r>
+                        <a:rPr lang="en-US" sz="1200"/>
+                        <a:t>Paymet service based of different patyment option perform payment</a:t>
+                      </a:r>
+                      <a:endParaRPr lang="en-US" sz="1200"/>
+                    </a:p>
+                  </a:txBody>
+                  <a:tcPr/>
+                </a:tc>
+              </a:tr>
+              <a:tr h="381000">
+                <a:tc>
+                  <a:txBody>
+                    <a:bodyPr/>
+                    <a:p>
+                      <a:pPr>
+                        <a:buNone/>
+                      </a:pPr>
+                      <a:r>
+                        <a:rPr lang="en-US" sz="1200">
+                          <a:sym typeface="+mn-ea"/>
+                        </a:rPr>
+                        <a:t>BookingPlatform- Notification</a:t>
+                      </a:r>
+                      <a:endParaRPr lang="en-US" sz="1200"/>
+                    </a:p>
+                    <a:p>
+                      <a:pPr>
+                        <a:buNone/>
+                      </a:pPr>
+                      <a:endParaRPr lang="en-US" sz="1200"/>
+                    </a:p>
+                  </a:txBody>
+                  <a:tcPr/>
+                </a:tc>
+                <a:tc>
+                  <a:txBody>
+                    <a:bodyPr/>
+                    <a:p>
+                      <a:pPr>
+                        <a:buNone/>
+                      </a:pPr>
+                      <a:r>
+                        <a:rPr lang="en-US" sz="1200"/>
+                        <a:t>Notify the user about booking details after payment.</a:t>
+                      </a:r>
+                      <a:endParaRPr lang="en-US" sz="1200"/>
+                    </a:p>
+                  </a:txBody>
+                  <a:tcPr/>
+                </a:tc>
+              </a:tr>
+              <a:tr h="381000">
+                <a:tc>
+                  <a:txBody>
+                    <a:bodyPr/>
+                    <a:p>
+                      <a:pPr>
+                        <a:buNone/>
+                      </a:pPr>
+                      <a:r>
+                        <a:rPr lang="en-US" sz="1200">
+                          <a:sym typeface="+mn-ea"/>
+                        </a:rPr>
+                        <a:t>BookingPlatform- Post Order Processor</a:t>
+                      </a:r>
+                      <a:endParaRPr lang="en-US" sz="1200"/>
+                    </a:p>
+                    <a:p>
+                      <a:pPr>
+                        <a:buNone/>
+                      </a:pPr>
+                      <a:endParaRPr lang="en-US" sz="1200"/>
+                    </a:p>
+                  </a:txBody>
+                  <a:tcPr/>
+                </a:tc>
+                <a:tc>
+                  <a:txBody>
+                    <a:bodyPr/>
+                    <a:p>
+                      <a:pPr>
+                        <a:buNone/>
+                      </a:pPr>
+                      <a:r>
+                        <a:rPr lang="en-US" sz="1200"/>
+                        <a:t>Service do the post operation after booking is successfull </a:t>
+                      </a:r>
+                      <a:endParaRPr lang="en-US" sz="1200"/>
+                    </a:p>
+                  </a:txBody>
+                  <a:tcPr/>
+                </a:tc>
+              </a:tr>
+            </a:tbl>
+          </a:graphicData>
+        </a:graphic>
+      </p:graphicFrame>
+    </p:spTree>
+  </p:cSld>
+  <p:clrMapOvr>
+    <a:masterClrMapping/>
+  </p:clrMapOvr>
+</p:sld>
+</file>
+
+<file path=ppt/slides/slide6.xml><?xml version="1.0" encoding="utf-8"?>
+<p:sld xmlns:a="http://schemas.openxmlformats.org/drawingml/2006/main" xmlns:r="http://schemas.openxmlformats.org/officeDocument/2006/relationships" xmlns:p="http://schemas.openxmlformats.org/presentationml/2006/main">
+  <p:cSld>
+    <p:spTree>
+      <p:nvGrpSpPr>
+        <p:cNvPr id="1" name=""/>
+        <p:cNvGrpSpPr/>
+        <p:nvPr/>
+      </p:nvGrpSpPr>
+      <p:grpSpPr/>
+      <p:sp>
+        <p:nvSpPr>
+          <p:cNvPr id="5" name="Text Box 4"/>
+          <p:cNvSpPr txBox="1"/>
+          <p:nvPr/>
+        </p:nvSpPr>
+        <p:spPr>
+          <a:xfrm>
+            <a:off x="1097280" y="284480"/>
+            <a:ext cx="8272145" cy="368300"/>
+          </a:xfrm>
+          <a:prstGeom prst="rect">
+            <a:avLst/>
+          </a:prstGeom>
+          <a:noFill/>
+        </p:spPr>
+        <p:txBody>
+          <a:bodyPr wrap="square" rtlCol="0">
+            <a:spAutoFit/>
+          </a:bodyPr>
+          <a:p>
+            <a:r>
+              <a:rPr lang="en-US"/>
+              <a:t>Data Model </a:t>
             </a:r>
             <a:endParaRPr lang="en-US"/>
           </a:p>
@@ -6851,6 +8579,523 @@
           </a:prstGeom>
         </p:spPr>
       </p:pic>
+    </p:spTree>
+  </p:cSld>
+  <p:clrMapOvr>
+    <a:masterClrMapping/>
+  </p:clrMapOvr>
+</p:sld>
+</file>
+
+<file path=ppt/slides/slide7.xml><?xml version="1.0" encoding="utf-8"?>
+<p:sld xmlns:a="http://schemas.openxmlformats.org/drawingml/2006/main" xmlns:r="http://schemas.openxmlformats.org/officeDocument/2006/relationships" xmlns:p="http://schemas.openxmlformats.org/presentationml/2006/main">
+  <p:cSld>
+    <p:spTree>
+      <p:nvGrpSpPr>
+        <p:cNvPr id="1" name=""/>
+        <p:cNvGrpSpPr/>
+        <p:nvPr/>
+      </p:nvGrpSpPr>
+      <p:grpSpPr/>
+      <p:sp>
+        <p:nvSpPr>
+          <p:cNvPr id="4" name="Text Box 3"/>
+          <p:cNvSpPr txBox="1"/>
+          <p:nvPr/>
+        </p:nvSpPr>
+        <p:spPr>
+          <a:xfrm>
+            <a:off x="540385" y="429895"/>
+            <a:ext cx="1934210" cy="521970"/>
+          </a:xfrm>
+          <a:prstGeom prst="rect">
+            <a:avLst/>
+          </a:prstGeom>
+          <a:noFill/>
+        </p:spPr>
+        <p:txBody>
+          <a:bodyPr wrap="none" rtlCol="0" anchor="t">
+            <a:spAutoFit/>
+          </a:bodyPr>
+          <a:p>
+            <a:r>
+              <a:rPr lang="en-US" sz="2800"/>
+              <a:t>API Design</a:t>
+            </a:r>
+            <a:endParaRPr lang="en-US" sz="2800"/>
+          </a:p>
+        </p:txBody>
+      </p:sp>
+      <p:graphicFrame>
+        <p:nvGraphicFramePr>
+          <p:cNvPr id="5" name="Table 4"/>
+          <p:cNvGraphicFramePr/>
+          <p:nvPr/>
+        </p:nvGraphicFramePr>
+        <p:xfrm>
+          <a:off x="464820" y="1521460"/>
+          <a:ext cx="8534400" cy="1905000"/>
+        </p:xfrm>
+        <a:graphic>
+          <a:graphicData uri="http://schemas.openxmlformats.org/drawingml/2006/table">
+            <a:tbl>
+              <a:tblPr firstRow="1" bandRow="1">
+                <a:tableStyleId>{5C22544A-7EE6-4342-B048-85BDC9FD1C3A}</a:tableStyleId>
+              </a:tblPr>
+              <a:tblGrid>
+                <a:gridCol w="4267200"/>
+                <a:gridCol w="4267200"/>
+              </a:tblGrid>
+              <a:tr h="381000">
+                <a:tc>
+                  <a:txBody>
+                    <a:bodyPr/>
+                    <a:p>
+                      <a:pPr>
+                        <a:buNone/>
+                      </a:pPr>
+                      <a:r>
+                        <a:rPr lang="en-US"/>
+                        <a:t>API</a:t>
+                      </a:r>
+                      <a:endParaRPr lang="en-US"/>
+                    </a:p>
+                  </a:txBody>
+                  <a:tcPr/>
+                </a:tc>
+                <a:tc>
+                  <a:txBody>
+                    <a:bodyPr/>
+                    <a:p>
+                      <a:pPr>
+                        <a:buNone/>
+                      </a:pPr>
+                      <a:r>
+                        <a:rPr lang="en-US"/>
+                        <a:t>Detail</a:t>
+                      </a:r>
+                      <a:endParaRPr lang="en-US"/>
+                    </a:p>
+                  </a:txBody>
+                  <a:tcPr/>
+                </a:tc>
+              </a:tr>
+              <a:tr h="381000">
+                <a:tc>
+                  <a:txBody>
+                    <a:bodyPr/>
+                    <a:p>
+                      <a:pPr>
+                        <a:buNone/>
+                      </a:pPr>
+                      <a:r>
+                        <a:rPr lang="en-US"/>
+                        <a:t>GET v1/shows/{ID}</a:t>
+                      </a:r>
+                      <a:endParaRPr lang="en-US"/>
+                    </a:p>
+                  </a:txBody>
+                  <a:tcPr/>
+                </a:tc>
+                <a:tc>
+                  <a:txBody>
+                    <a:bodyPr/>
+                    <a:p>
+                      <a:pPr>
+                        <a:buNone/>
+                      </a:pPr>
+                      <a:r>
+                        <a:rPr lang="en-US"/>
+                        <a:t>Get Details of show by passing showid to parter</a:t>
+                      </a:r>
+                      <a:endParaRPr lang="en-US"/>
+                    </a:p>
+                  </a:txBody>
+                  <a:tcPr/>
+                </a:tc>
+              </a:tr>
+              <a:tr h="381000">
+                <a:tc>
+                  <a:txBody>
+                    <a:bodyPr/>
+                    <a:p>
+                      <a:pPr>
+                        <a:buNone/>
+                      </a:pPr>
+                      <a:r>
+                        <a:rPr lang="en-US"/>
+                        <a:t>POST v1/shows/</a:t>
+                      </a:r>
+                      <a:endParaRPr lang="en-US"/>
+                    </a:p>
+                  </a:txBody>
+                  <a:tcPr/>
+                </a:tc>
+                <a:tc>
+                  <a:txBody>
+                    <a:bodyPr/>
+                    <a:p>
+                      <a:pPr>
+                        <a:buNone/>
+                      </a:pPr>
+                      <a:r>
+                        <a:rPr lang="en-US"/>
+                        <a:t>Create a show by parter/Ops</a:t>
+                      </a:r>
+                      <a:endParaRPr lang="en-US"/>
+                    </a:p>
+                  </a:txBody>
+                  <a:tcPr/>
+                </a:tc>
+              </a:tr>
+              <a:tr h="381000">
+                <a:tc>
+                  <a:txBody>
+                    <a:bodyPr/>
+                    <a:p>
+                      <a:pPr>
+                        <a:buNone/>
+                      </a:pPr>
+                      <a:r>
+                        <a:rPr lang="en-US"/>
+                        <a:t>PUT v1/shows/{ID}</a:t>
+                      </a:r>
+                      <a:endParaRPr lang="en-US"/>
+                    </a:p>
+                  </a:txBody>
+                  <a:tcPr/>
+                </a:tc>
+                <a:tc>
+                  <a:txBody>
+                    <a:bodyPr/>
+                    <a:p>
+                      <a:pPr>
+                        <a:buNone/>
+                      </a:pPr>
+                      <a:r>
+                        <a:rPr lang="en-US"/>
+                        <a:t>Edit a show by parter/Ops</a:t>
+                      </a:r>
+                      <a:endParaRPr lang="en-US"/>
+                    </a:p>
+                  </a:txBody>
+                  <a:tcPr/>
+                </a:tc>
+              </a:tr>
+              <a:tr h="381000">
+                <a:tc>
+                  <a:txBody>
+                    <a:bodyPr/>
+                    <a:p>
+                      <a:pPr>
+                        <a:buNone/>
+                      </a:pPr>
+                      <a:r>
+                        <a:rPr lang="en-US"/>
+                        <a:t>DELETE v1/shows/{ID}</a:t>
+                      </a:r>
+                      <a:endParaRPr lang="en-US"/>
+                    </a:p>
+                  </a:txBody>
+                  <a:tcPr/>
+                </a:tc>
+                <a:tc>
+                  <a:txBody>
+                    <a:bodyPr/>
+                    <a:p>
+                      <a:pPr>
+                        <a:buNone/>
+                      </a:pPr>
+                      <a:r>
+                        <a:rPr lang="en-US"/>
+                        <a:t>Delete a  shows by parter/Ops</a:t>
+                      </a:r>
+                      <a:endParaRPr lang="en-US"/>
+                    </a:p>
+                  </a:txBody>
+                  <a:tcPr/>
+                </a:tc>
+              </a:tr>
+            </a:tbl>
+          </a:graphicData>
+        </a:graphic>
+      </p:graphicFrame>
+      <p:sp>
+        <p:nvSpPr>
+          <p:cNvPr id="6" name="Text Box 5"/>
+          <p:cNvSpPr txBox="1"/>
+          <p:nvPr/>
+        </p:nvSpPr>
+        <p:spPr>
+          <a:xfrm>
+            <a:off x="638810" y="1041400"/>
+            <a:ext cx="4216400" cy="368300"/>
+          </a:xfrm>
+          <a:prstGeom prst="rect">
+            <a:avLst/>
+          </a:prstGeom>
+          <a:noFill/>
+        </p:spPr>
+        <p:txBody>
+          <a:bodyPr wrap="square" rtlCol="0">
+            <a:spAutoFit/>
+          </a:bodyPr>
+          <a:p>
+            <a:r>
+              <a:rPr lang="en-US"/>
+              <a:t>Shows related API</a:t>
+            </a:r>
+            <a:endParaRPr lang="en-US"/>
+          </a:p>
+        </p:txBody>
+      </p:sp>
+      <p:graphicFrame>
+        <p:nvGraphicFramePr>
+          <p:cNvPr id="11" name="Table 10"/>
+          <p:cNvGraphicFramePr/>
+          <p:nvPr/>
+        </p:nvGraphicFramePr>
+        <p:xfrm>
+          <a:off x="638810" y="4401185"/>
+          <a:ext cx="8534400" cy="1905000"/>
+        </p:xfrm>
+        <a:graphic>
+          <a:graphicData uri="http://schemas.openxmlformats.org/drawingml/2006/table">
+            <a:tbl>
+              <a:tblPr firstRow="1" bandRow="1">
+                <a:tableStyleId>{5C22544A-7EE6-4342-B048-85BDC9FD1C3A}</a:tableStyleId>
+              </a:tblPr>
+              <a:tblGrid>
+                <a:gridCol w="4267200"/>
+                <a:gridCol w="4267200"/>
+              </a:tblGrid>
+              <a:tr h="381000">
+                <a:tc>
+                  <a:txBody>
+                    <a:bodyPr/>
+                    <a:p>
+                      <a:pPr>
+                        <a:buNone/>
+                      </a:pPr>
+                      <a:r>
+                        <a:rPr lang="en-US"/>
+                        <a:t>API</a:t>
+                      </a:r>
+                      <a:endParaRPr lang="en-US"/>
+                    </a:p>
+                  </a:txBody>
+                  <a:tcPr/>
+                </a:tc>
+                <a:tc>
+                  <a:txBody>
+                    <a:bodyPr/>
+                    <a:p>
+                      <a:pPr>
+                        <a:buNone/>
+                      </a:pPr>
+                      <a:r>
+                        <a:rPr lang="en-US"/>
+                        <a:t>Detail</a:t>
+                      </a:r>
+                      <a:endParaRPr lang="en-US"/>
+                    </a:p>
+                  </a:txBody>
+                  <a:tcPr/>
+                </a:tc>
+              </a:tr>
+              <a:tr h="381000">
+                <a:tc>
+                  <a:txBody>
+                    <a:bodyPr/>
+                    <a:p>
+                      <a:pPr>
+                        <a:buNone/>
+                      </a:pPr>
+                      <a:r>
+                        <a:rPr lang="en-US"/>
+                        <a:t>GET v1/booking/{ID}</a:t>
+                      </a:r>
+                      <a:endParaRPr lang="en-US"/>
+                    </a:p>
+                  </a:txBody>
+                  <a:tcPr/>
+                </a:tc>
+                <a:tc>
+                  <a:txBody>
+                    <a:bodyPr/>
+                    <a:p>
+                      <a:pPr>
+                        <a:buNone/>
+                      </a:pPr>
+                      <a:r>
+                        <a:rPr lang="en-US"/>
+                        <a:t>Get booking details of the logged in user</a:t>
+                      </a:r>
+                      <a:endParaRPr lang="en-US"/>
+                    </a:p>
+                  </a:txBody>
+                  <a:tcPr/>
+                </a:tc>
+              </a:tr>
+              <a:tr h="381000">
+                <a:tc>
+                  <a:txBody>
+                    <a:bodyPr/>
+                    <a:p>
+                      <a:pPr>
+                        <a:buNone/>
+                      </a:pPr>
+                      <a:r>
+                        <a:rPr lang="en-US"/>
+                        <a:t>POST v1/</a:t>
+                      </a:r>
+                      <a:r>
+                        <a:rPr lang="en-US" sz="1800">
+                          <a:sym typeface="+mn-ea"/>
+                        </a:rPr>
+                        <a:t>booking</a:t>
+                      </a:r>
+                      <a:r>
+                        <a:rPr lang="en-US"/>
+                        <a:t>/</a:t>
+                      </a:r>
+                      <a:endParaRPr lang="en-US"/>
+                    </a:p>
+                  </a:txBody>
+                  <a:tcPr/>
+                </a:tc>
+                <a:tc>
+                  <a:txBody>
+                    <a:bodyPr/>
+                    <a:p>
+                      <a:pPr>
+                        <a:buNone/>
+                      </a:pPr>
+                      <a:r>
+                        <a:rPr lang="en-US"/>
+                        <a:t>Create a booking of logged in user</a:t>
+                      </a:r>
+                      <a:endParaRPr lang="en-US"/>
+                    </a:p>
+                  </a:txBody>
+                  <a:tcPr/>
+                </a:tc>
+              </a:tr>
+              <a:tr h="381000">
+                <a:tc>
+                  <a:txBody>
+                    <a:bodyPr/>
+                    <a:p>
+                      <a:pPr>
+                        <a:buNone/>
+                      </a:pPr>
+                      <a:r>
+                        <a:rPr lang="en-US"/>
+                        <a:t>PUT v1/booking/{ID}</a:t>
+                      </a:r>
+                      <a:endParaRPr lang="en-US"/>
+                    </a:p>
+                  </a:txBody>
+                  <a:tcPr/>
+                </a:tc>
+                <a:tc>
+                  <a:txBody>
+                    <a:bodyPr/>
+                    <a:p>
+                      <a:pPr>
+                        <a:buNone/>
+                      </a:pPr>
+                      <a:r>
+                        <a:rPr lang="en-US"/>
+                        <a:t>Edit a </a:t>
+                      </a:r>
+                      <a:r>
+                        <a:rPr lang="en-US" sz="1800">
+                          <a:sym typeface="+mn-ea"/>
+                        </a:rPr>
+                        <a:t>booking of logged in use </a:t>
+                      </a:r>
+                      <a:endParaRPr lang="en-US"/>
+                    </a:p>
+                  </a:txBody>
+                  <a:tcPr/>
+                </a:tc>
+              </a:tr>
+              <a:tr h="381000">
+                <a:tc>
+                  <a:txBody>
+                    <a:bodyPr/>
+                    <a:p>
+                      <a:pPr>
+                        <a:buNone/>
+                      </a:pPr>
+                      <a:r>
+                        <a:rPr lang="en-US"/>
+                        <a:t>DELETE v1/booking/{ID}</a:t>
+                      </a:r>
+                      <a:endParaRPr lang="en-US"/>
+                    </a:p>
+                  </a:txBody>
+                  <a:tcPr/>
+                </a:tc>
+                <a:tc>
+                  <a:txBody>
+                    <a:bodyPr/>
+                    <a:p>
+                      <a:pPr>
+                        <a:buNone/>
+                      </a:pPr>
+                      <a:r>
+                        <a:rPr lang="en-US"/>
+                        <a:t>Delete a  </a:t>
+                      </a:r>
+                      <a:r>
+                        <a:rPr lang="en-US" sz="1800">
+                          <a:sym typeface="+mn-ea"/>
+                        </a:rPr>
+                        <a:t>booking of logged in use</a:t>
+                      </a:r>
+                      <a:endParaRPr lang="en-US"/>
+                    </a:p>
+                  </a:txBody>
+                  <a:tcPr/>
+                </a:tc>
+              </a:tr>
+            </a:tbl>
+          </a:graphicData>
+        </a:graphic>
+      </p:graphicFrame>
+      <p:sp>
+        <p:nvSpPr>
+          <p:cNvPr id="13" name="Text Box 12"/>
+          <p:cNvSpPr txBox="1"/>
+          <p:nvPr/>
+        </p:nvSpPr>
+        <p:spPr>
+          <a:xfrm>
+            <a:off x="638810" y="4032885"/>
+            <a:ext cx="2214245" cy="368300"/>
+          </a:xfrm>
+          <a:prstGeom prst="rect">
+            <a:avLst/>
+          </a:prstGeom>
+          <a:noFill/>
+        </p:spPr>
+        <p:txBody>
+          <a:bodyPr wrap="none" rtlCol="0" anchor="t">
+            <a:spAutoFit/>
+          </a:bodyPr>
+          <a:p>
+            <a:r>
+              <a:rPr lang="en-US">
+                <a:sym typeface="+mn-ea"/>
+              </a:rPr>
+              <a:t>Booking related API</a:t>
+            </a:r>
+            <a:endParaRPr lang="en-US"/>
+          </a:p>
+        </p:txBody>
+      </p:sp>
     </p:spTree>
   </p:cSld>
   <p:clrMapOvr>
